--- a/大山為我挪開(崇拜版).pptx
+++ b/大山為我挪開(崇拜版).pptx
@@ -10,8 +10,63 @@
     <p:sldId id="258" r:id="rId4"/>
     <p:sldId id="259" r:id="rId5"/>
     <p:sldId id="260" r:id="rId6"/>
-    <p:sldId id="261" r:id="rId7"/>
-    <p:sldId id="262" r:id="rId8"/>
+    <p:sldId id="263" r:id="rId7"/>
+    <p:sldId id="264" r:id="rId8"/>
+    <p:sldId id="265" r:id="rId9"/>
+    <p:sldId id="266" r:id="rId10"/>
+    <p:sldId id="261" r:id="rId11"/>
+    <p:sldId id="262" r:id="rId12"/>
+    <p:sldId id="267" r:id="rId13"/>
+    <p:sldId id="268" r:id="rId14"/>
+    <p:sldId id="269" r:id="rId15"/>
+    <p:sldId id="270" r:id="rId16"/>
+    <p:sldId id="271" r:id="rId17"/>
+    <p:sldId id="272" r:id="rId18"/>
+    <p:sldId id="273" r:id="rId19"/>
+    <p:sldId id="274" r:id="rId20"/>
+    <p:sldId id="275" r:id="rId21"/>
+    <p:sldId id="276" r:id="rId22"/>
+    <p:sldId id="277" r:id="rId23"/>
+    <p:sldId id="278" r:id="rId24"/>
+    <p:sldId id="279" r:id="rId25"/>
+    <p:sldId id="280" r:id="rId26"/>
+    <p:sldId id="281" r:id="rId27"/>
+    <p:sldId id="282" r:id="rId28"/>
+    <p:sldId id="283" r:id="rId29"/>
+    <p:sldId id="284" r:id="rId30"/>
+    <p:sldId id="285" r:id="rId31"/>
+    <p:sldId id="286" r:id="rId32"/>
+    <p:sldId id="287" r:id="rId33"/>
+    <p:sldId id="288" r:id="rId34"/>
+    <p:sldId id="289" r:id="rId35"/>
+    <p:sldId id="290" r:id="rId36"/>
+    <p:sldId id="291" r:id="rId37"/>
+    <p:sldId id="292" r:id="rId38"/>
+    <p:sldId id="293" r:id="rId39"/>
+    <p:sldId id="294" r:id="rId40"/>
+    <p:sldId id="295" r:id="rId41"/>
+    <p:sldId id="296" r:id="rId42"/>
+    <p:sldId id="297" r:id="rId43"/>
+    <p:sldId id="298" r:id="rId44"/>
+    <p:sldId id="299" r:id="rId45"/>
+    <p:sldId id="300" r:id="rId46"/>
+    <p:sldId id="309" r:id="rId47"/>
+    <p:sldId id="310" r:id="rId48"/>
+    <p:sldId id="311" r:id="rId49"/>
+    <p:sldId id="312" r:id="rId50"/>
+    <p:sldId id="302" r:id="rId51"/>
+    <p:sldId id="303" r:id="rId52"/>
+    <p:sldId id="304" r:id="rId53"/>
+    <p:sldId id="305" r:id="rId54"/>
+    <p:sldId id="306" r:id="rId55"/>
+    <p:sldId id="307" r:id="rId56"/>
+    <p:sldId id="308" r:id="rId57"/>
+    <p:sldId id="301" r:id="rId58"/>
+    <p:sldId id="313" r:id="rId59"/>
+    <p:sldId id="314" r:id="rId60"/>
+    <p:sldId id="315" r:id="rId61"/>
+    <p:sldId id="316" r:id="rId62"/>
+    <p:sldId id="317" r:id="rId63"/>
   </p:sldIdLst>
   <p:sldSz cx="12192000" cy="6858000"/>
   <p:notesSz cx="6858000" cy="9144000"/>
@@ -294,7 +349,8 @@
           <a:p>
             <a:fld id="{CD774DF7-E11F-43E1-A472-FB3D9F6D6764}" type="datetimeFigureOut">
               <a:rPr lang="vi-VN" smtClean="0"/>
-              <a:t>11/12/2020</a:t>
+              <a:pPr/>
+              <a:t>28/12/2021</a:t>
             </a:fld>
             <a:endParaRPr lang="vi-VN"/>
           </a:p>
@@ -336,6 +392,7 @@
           <a:p>
             <a:fld id="{22FA65CC-A5F5-4C44-AD69-53E3DC4D0FAC}" type="slidenum">
               <a:rPr lang="vi-VN" smtClean="0"/>
+              <a:pPr/>
               <a:t>‹#›</a:t>
             </a:fld>
             <a:endParaRPr lang="vi-VN"/>
@@ -345,7 +402,7 @@
     </p:spTree>
     <p:extLst>
       <p:ext uri="{BB962C8B-B14F-4D97-AF65-F5344CB8AC3E}">
-        <p14:creationId xmlns:p14="http://schemas.microsoft.com/office/powerpoint/2010/main" val="390412080"/>
+        <p14:creationId xmlns:p14="http://schemas.microsoft.com/office/powerpoint/2010/main" xmlns="" val="390412080"/>
       </p:ext>
     </p:extLst>
   </p:cSld>
@@ -464,7 +521,8 @@
           <a:p>
             <a:fld id="{CD774DF7-E11F-43E1-A472-FB3D9F6D6764}" type="datetimeFigureOut">
               <a:rPr lang="vi-VN" smtClean="0"/>
-              <a:t>11/12/2020</a:t>
+              <a:pPr/>
+              <a:t>28/12/2021</a:t>
             </a:fld>
             <a:endParaRPr lang="vi-VN"/>
           </a:p>
@@ -506,6 +564,7 @@
           <a:p>
             <a:fld id="{22FA65CC-A5F5-4C44-AD69-53E3DC4D0FAC}" type="slidenum">
               <a:rPr lang="vi-VN" smtClean="0"/>
+              <a:pPr/>
               <a:t>‹#›</a:t>
             </a:fld>
             <a:endParaRPr lang="vi-VN"/>
@@ -515,7 +574,7 @@
     </p:spTree>
     <p:extLst>
       <p:ext uri="{BB962C8B-B14F-4D97-AF65-F5344CB8AC3E}">
-        <p14:creationId xmlns:p14="http://schemas.microsoft.com/office/powerpoint/2010/main" val="2413078334"/>
+        <p14:creationId xmlns:p14="http://schemas.microsoft.com/office/powerpoint/2010/main" xmlns="" val="2413078334"/>
       </p:ext>
     </p:extLst>
   </p:cSld>
@@ -644,7 +703,8 @@
           <a:p>
             <a:fld id="{CD774DF7-E11F-43E1-A472-FB3D9F6D6764}" type="datetimeFigureOut">
               <a:rPr lang="vi-VN" smtClean="0"/>
-              <a:t>11/12/2020</a:t>
+              <a:pPr/>
+              <a:t>28/12/2021</a:t>
             </a:fld>
             <a:endParaRPr lang="vi-VN"/>
           </a:p>
@@ -686,6 +746,7 @@
           <a:p>
             <a:fld id="{22FA65CC-A5F5-4C44-AD69-53E3DC4D0FAC}" type="slidenum">
               <a:rPr lang="vi-VN" smtClean="0"/>
+              <a:pPr/>
               <a:t>‹#›</a:t>
             </a:fld>
             <a:endParaRPr lang="vi-VN"/>
@@ -695,7 +756,7 @@
     </p:spTree>
     <p:extLst>
       <p:ext uri="{BB962C8B-B14F-4D97-AF65-F5344CB8AC3E}">
-        <p14:creationId xmlns:p14="http://schemas.microsoft.com/office/powerpoint/2010/main" val="3247181996"/>
+        <p14:creationId xmlns:p14="http://schemas.microsoft.com/office/powerpoint/2010/main" xmlns="" val="3247181996"/>
       </p:ext>
     </p:extLst>
   </p:cSld>
@@ -814,7 +875,8 @@
           <a:p>
             <a:fld id="{CD774DF7-E11F-43E1-A472-FB3D9F6D6764}" type="datetimeFigureOut">
               <a:rPr lang="vi-VN" smtClean="0"/>
-              <a:t>11/12/2020</a:t>
+              <a:pPr/>
+              <a:t>28/12/2021</a:t>
             </a:fld>
             <a:endParaRPr lang="vi-VN"/>
           </a:p>
@@ -856,6 +918,7 @@
           <a:p>
             <a:fld id="{22FA65CC-A5F5-4C44-AD69-53E3DC4D0FAC}" type="slidenum">
               <a:rPr lang="vi-VN" smtClean="0"/>
+              <a:pPr/>
               <a:t>‹#›</a:t>
             </a:fld>
             <a:endParaRPr lang="vi-VN"/>
@@ -865,7 +928,7 @@
     </p:spTree>
     <p:extLst>
       <p:ext uri="{BB962C8B-B14F-4D97-AF65-F5344CB8AC3E}">
-        <p14:creationId xmlns:p14="http://schemas.microsoft.com/office/powerpoint/2010/main" val="3370017928"/>
+        <p14:creationId xmlns:p14="http://schemas.microsoft.com/office/powerpoint/2010/main" xmlns="" val="3370017928"/>
       </p:ext>
     </p:extLst>
   </p:cSld>
@@ -1060,7 +1123,8 @@
           <a:p>
             <a:fld id="{CD774DF7-E11F-43E1-A472-FB3D9F6D6764}" type="datetimeFigureOut">
               <a:rPr lang="vi-VN" smtClean="0"/>
-              <a:t>11/12/2020</a:t>
+              <a:pPr/>
+              <a:t>28/12/2021</a:t>
             </a:fld>
             <a:endParaRPr lang="vi-VN"/>
           </a:p>
@@ -1102,6 +1166,7 @@
           <a:p>
             <a:fld id="{22FA65CC-A5F5-4C44-AD69-53E3DC4D0FAC}" type="slidenum">
               <a:rPr lang="vi-VN" smtClean="0"/>
+              <a:pPr/>
               <a:t>‹#›</a:t>
             </a:fld>
             <a:endParaRPr lang="vi-VN"/>
@@ -1111,7 +1176,7 @@
     </p:spTree>
     <p:extLst>
       <p:ext uri="{BB962C8B-B14F-4D97-AF65-F5344CB8AC3E}">
-        <p14:creationId xmlns:p14="http://schemas.microsoft.com/office/powerpoint/2010/main" val="680788278"/>
+        <p14:creationId xmlns:p14="http://schemas.microsoft.com/office/powerpoint/2010/main" xmlns="" val="680788278"/>
       </p:ext>
     </p:extLst>
   </p:cSld>
@@ -1348,7 +1413,8 @@
           <a:p>
             <a:fld id="{CD774DF7-E11F-43E1-A472-FB3D9F6D6764}" type="datetimeFigureOut">
               <a:rPr lang="vi-VN" smtClean="0"/>
-              <a:t>11/12/2020</a:t>
+              <a:pPr/>
+              <a:t>28/12/2021</a:t>
             </a:fld>
             <a:endParaRPr lang="vi-VN"/>
           </a:p>
@@ -1390,6 +1456,7 @@
           <a:p>
             <a:fld id="{22FA65CC-A5F5-4C44-AD69-53E3DC4D0FAC}" type="slidenum">
               <a:rPr lang="vi-VN" smtClean="0"/>
+              <a:pPr/>
               <a:t>‹#›</a:t>
             </a:fld>
             <a:endParaRPr lang="vi-VN"/>
@@ -1399,7 +1466,7 @@
     </p:spTree>
     <p:extLst>
       <p:ext uri="{BB962C8B-B14F-4D97-AF65-F5344CB8AC3E}">
-        <p14:creationId xmlns:p14="http://schemas.microsoft.com/office/powerpoint/2010/main" val="2283477514"/>
+        <p14:creationId xmlns:p14="http://schemas.microsoft.com/office/powerpoint/2010/main" xmlns="" val="2283477514"/>
       </p:ext>
     </p:extLst>
   </p:cSld>
@@ -1770,7 +1837,8 @@
           <a:p>
             <a:fld id="{CD774DF7-E11F-43E1-A472-FB3D9F6D6764}" type="datetimeFigureOut">
               <a:rPr lang="vi-VN" smtClean="0"/>
-              <a:t>11/12/2020</a:t>
+              <a:pPr/>
+              <a:t>28/12/2021</a:t>
             </a:fld>
             <a:endParaRPr lang="vi-VN"/>
           </a:p>
@@ -1812,6 +1880,7 @@
           <a:p>
             <a:fld id="{22FA65CC-A5F5-4C44-AD69-53E3DC4D0FAC}" type="slidenum">
               <a:rPr lang="vi-VN" smtClean="0"/>
+              <a:pPr/>
               <a:t>‹#›</a:t>
             </a:fld>
             <a:endParaRPr lang="vi-VN"/>
@@ -1821,7 +1890,7 @@
     </p:spTree>
     <p:extLst>
       <p:ext uri="{BB962C8B-B14F-4D97-AF65-F5344CB8AC3E}">
-        <p14:creationId xmlns:p14="http://schemas.microsoft.com/office/powerpoint/2010/main" val="30855795"/>
+        <p14:creationId xmlns:p14="http://schemas.microsoft.com/office/powerpoint/2010/main" xmlns="" val="30855795"/>
       </p:ext>
     </p:extLst>
   </p:cSld>
@@ -1888,7 +1957,8 @@
           <a:p>
             <a:fld id="{CD774DF7-E11F-43E1-A472-FB3D9F6D6764}" type="datetimeFigureOut">
               <a:rPr lang="vi-VN" smtClean="0"/>
-              <a:t>11/12/2020</a:t>
+              <a:pPr/>
+              <a:t>28/12/2021</a:t>
             </a:fld>
             <a:endParaRPr lang="vi-VN"/>
           </a:p>
@@ -1930,6 +2000,7 @@
           <a:p>
             <a:fld id="{22FA65CC-A5F5-4C44-AD69-53E3DC4D0FAC}" type="slidenum">
               <a:rPr lang="vi-VN" smtClean="0"/>
+              <a:pPr/>
               <a:t>‹#›</a:t>
             </a:fld>
             <a:endParaRPr lang="vi-VN"/>
@@ -1939,7 +2010,7 @@
     </p:spTree>
     <p:extLst>
       <p:ext uri="{BB962C8B-B14F-4D97-AF65-F5344CB8AC3E}">
-        <p14:creationId xmlns:p14="http://schemas.microsoft.com/office/powerpoint/2010/main" val="3807274734"/>
+        <p14:creationId xmlns:p14="http://schemas.microsoft.com/office/powerpoint/2010/main" xmlns="" val="3807274734"/>
       </p:ext>
     </p:extLst>
   </p:cSld>
@@ -1983,7 +2054,8 @@
           <a:p>
             <a:fld id="{CD774DF7-E11F-43E1-A472-FB3D9F6D6764}" type="datetimeFigureOut">
               <a:rPr lang="vi-VN" smtClean="0"/>
-              <a:t>11/12/2020</a:t>
+              <a:pPr/>
+              <a:t>28/12/2021</a:t>
             </a:fld>
             <a:endParaRPr lang="vi-VN"/>
           </a:p>
@@ -2025,6 +2097,7 @@
           <a:p>
             <a:fld id="{22FA65CC-A5F5-4C44-AD69-53E3DC4D0FAC}" type="slidenum">
               <a:rPr lang="vi-VN" smtClean="0"/>
+              <a:pPr/>
               <a:t>‹#›</a:t>
             </a:fld>
             <a:endParaRPr lang="vi-VN"/>
@@ -2034,7 +2107,7 @@
     </p:spTree>
     <p:extLst>
       <p:ext uri="{BB962C8B-B14F-4D97-AF65-F5344CB8AC3E}">
-        <p14:creationId xmlns:p14="http://schemas.microsoft.com/office/powerpoint/2010/main" val="2937469557"/>
+        <p14:creationId xmlns:p14="http://schemas.microsoft.com/office/powerpoint/2010/main" xmlns="" val="2937469557"/>
       </p:ext>
     </p:extLst>
   </p:cSld>
@@ -2260,7 +2333,8 @@
           <a:p>
             <a:fld id="{CD774DF7-E11F-43E1-A472-FB3D9F6D6764}" type="datetimeFigureOut">
               <a:rPr lang="vi-VN" smtClean="0"/>
-              <a:t>11/12/2020</a:t>
+              <a:pPr/>
+              <a:t>28/12/2021</a:t>
             </a:fld>
             <a:endParaRPr lang="vi-VN"/>
           </a:p>
@@ -2302,6 +2376,7 @@
           <a:p>
             <a:fld id="{22FA65CC-A5F5-4C44-AD69-53E3DC4D0FAC}" type="slidenum">
               <a:rPr lang="vi-VN" smtClean="0"/>
+              <a:pPr/>
               <a:t>‹#›</a:t>
             </a:fld>
             <a:endParaRPr lang="vi-VN"/>
@@ -2311,7 +2386,7 @@
     </p:spTree>
     <p:extLst>
       <p:ext uri="{BB962C8B-B14F-4D97-AF65-F5344CB8AC3E}">
-        <p14:creationId xmlns:p14="http://schemas.microsoft.com/office/powerpoint/2010/main" val="2432523894"/>
+        <p14:creationId xmlns:p14="http://schemas.microsoft.com/office/powerpoint/2010/main" xmlns="" val="2432523894"/>
       </p:ext>
     </p:extLst>
   </p:cSld>
@@ -2517,7 +2592,8 @@
           <a:p>
             <a:fld id="{CD774DF7-E11F-43E1-A472-FB3D9F6D6764}" type="datetimeFigureOut">
               <a:rPr lang="vi-VN" smtClean="0"/>
-              <a:t>11/12/2020</a:t>
+              <a:pPr/>
+              <a:t>28/12/2021</a:t>
             </a:fld>
             <a:endParaRPr lang="vi-VN"/>
           </a:p>
@@ -2559,6 +2635,7 @@
           <a:p>
             <a:fld id="{22FA65CC-A5F5-4C44-AD69-53E3DC4D0FAC}" type="slidenum">
               <a:rPr lang="vi-VN" smtClean="0"/>
+              <a:pPr/>
               <a:t>‹#›</a:t>
             </a:fld>
             <a:endParaRPr lang="vi-VN"/>
@@ -2568,7 +2645,7 @@
     </p:spTree>
     <p:extLst>
       <p:ext uri="{BB962C8B-B14F-4D97-AF65-F5344CB8AC3E}">
-        <p14:creationId xmlns:p14="http://schemas.microsoft.com/office/powerpoint/2010/main" val="1169330234"/>
+        <p14:creationId xmlns:p14="http://schemas.microsoft.com/office/powerpoint/2010/main" xmlns="" val="1169330234"/>
       </p:ext>
     </p:extLst>
   </p:cSld>
@@ -2735,7 +2812,8 @@
           <a:p>
             <a:fld id="{CD774DF7-E11F-43E1-A472-FB3D9F6D6764}" type="datetimeFigureOut">
               <a:rPr lang="vi-VN" smtClean="0"/>
-              <a:t>11/12/2020</a:t>
+              <a:pPr/>
+              <a:t>28/12/2021</a:t>
             </a:fld>
             <a:endParaRPr lang="vi-VN"/>
           </a:p>
@@ -2813,6 +2891,7 @@
           <a:p>
             <a:fld id="{22FA65CC-A5F5-4C44-AD69-53E3DC4D0FAC}" type="slidenum">
               <a:rPr lang="vi-VN" smtClean="0"/>
+              <a:pPr/>
               <a:t>‹#›</a:t>
             </a:fld>
             <a:endParaRPr lang="vi-VN"/>
@@ -2822,7 +2901,7 @@
     </p:spTree>
     <p:extLst>
       <p:ext uri="{BB962C8B-B14F-4D97-AF65-F5344CB8AC3E}">
-        <p14:creationId xmlns:p14="http://schemas.microsoft.com/office/powerpoint/2010/main" val="3768536226"/>
+        <p14:creationId xmlns:p14="http://schemas.microsoft.com/office/powerpoint/2010/main" xmlns="" val="3768536226"/>
       </p:ext>
     </p:extLst>
   </p:cSld>
@@ -3147,24 +3226,7 @@
                 <a:latin typeface="微軟正黑體" pitchFamily="34" charset="-120"/>
                 <a:ea typeface="微軟正黑體" pitchFamily="34" charset="-120"/>
               </a:rPr>
-              <a:t>大</a:t>
-            </a:r>
-            <a:r>
-              <a:rPr lang="zh-TW" altLang="en-US" sz="7200" b="1" i="1" dirty="0">
-                <a:solidFill>
-                  <a:srgbClr val="000066"/>
-                </a:solidFill>
-                <a:effectLst>
-                  <a:outerShdw blurRad="38100" dist="38100" dir="2700000" algn="tl">
-                    <a:srgbClr val="000000">
-                      <a:alpha val="43137"/>
-                    </a:srgbClr>
-                  </a:outerShdw>
-                </a:effectLst>
-                <a:latin typeface="微軟正黑體" pitchFamily="34" charset="-120"/>
-                <a:ea typeface="微軟正黑體" pitchFamily="34" charset="-120"/>
-              </a:rPr>
-              <a:t>山為我挪開</a:t>
+              <a:t>大山為我挪開</a:t>
             </a:r>
           </a:p>
         </p:txBody>
@@ -3172,7 +3234,1200 @@
     </p:spTree>
     <p:extLst>
       <p:ext uri="{BB962C8B-B14F-4D97-AF65-F5344CB8AC3E}">
-        <p14:creationId xmlns:p14="http://schemas.microsoft.com/office/powerpoint/2010/main" val="1571138504"/>
+        <p14:creationId xmlns:p14="http://schemas.microsoft.com/office/powerpoint/2010/main" xmlns="" val="1571138504"/>
+      </p:ext>
+    </p:extLst>
+  </p:cSld>
+  <p:clrMapOvr>
+    <a:masterClrMapping/>
+  </p:clrMapOvr>
+</p:sld>
+</file>
+
+<file path=ppt/slides/slide10.xml><?xml version="1.0" encoding="utf-8"?>
+<p:sld xmlns:a="http://schemas.openxmlformats.org/drawingml/2006/main" xmlns:r="http://schemas.openxmlformats.org/officeDocument/2006/relationships" xmlns:p="http://schemas.openxmlformats.org/presentationml/2006/main">
+  <p:cSld>
+    <p:spTree>
+      <p:nvGrpSpPr>
+        <p:cNvPr id="1" name=""/>
+        <p:cNvGrpSpPr/>
+        <p:nvPr/>
+      </p:nvGrpSpPr>
+      <p:grpSpPr>
+        <a:xfrm>
+          <a:off x="0" y="0"/>
+          <a:ext cx="0" cy="0"/>
+          <a:chOff x="0" y="0"/>
+          <a:chExt cx="0" cy="0"/>
+        </a:xfrm>
+      </p:grpSpPr>
+      <p:sp>
+        <p:nvSpPr>
+          <p:cNvPr id="5" name="內容版面配置區 4"/>
+          <p:cNvSpPr>
+            <a:spLocks noGrp="1"/>
+          </p:cNvSpPr>
+          <p:nvPr>
+            <p:ph idx="1"/>
+          </p:nvPr>
+        </p:nvSpPr>
+        <p:spPr>
+          <a:xfrm>
+            <a:off x="0" y="2084851"/>
+            <a:ext cx="12192000" cy="2404863"/>
+          </a:xfrm>
+        </p:spPr>
+        <p:txBody>
+          <a:bodyPr anchor="ctr">
+            <a:noAutofit/>
+          </a:bodyPr>
+          <a:lstStyle/>
+          <a:p>
+            <a:pPr algn="ctr">
+              <a:buNone/>
+            </a:pPr>
+            <a:r>
+              <a:rPr lang="zh-TW" altLang="en-US" sz="6400" b="1" dirty="0">
+                <a:solidFill>
+                  <a:srgbClr val="000066"/>
+                </a:solidFill>
+                <a:latin typeface="微軟正黑體" pitchFamily="34" charset="-120"/>
+                <a:ea typeface="微軟正黑體" pitchFamily="34" charset="-120"/>
+              </a:rPr>
+              <a:t>祢的話讓我明白</a:t>
+            </a:r>
+            <a:endParaRPr lang="en-US" altLang="zh-TW" sz="6400" b="1" dirty="0">
+              <a:solidFill>
+                <a:srgbClr val="000066"/>
+              </a:solidFill>
+              <a:latin typeface="微軟正黑體" pitchFamily="34" charset="-120"/>
+              <a:ea typeface="微軟正黑體" pitchFamily="34" charset="-120"/>
+            </a:endParaRPr>
+          </a:p>
+          <a:p>
+            <a:pPr algn="ctr">
+              <a:buNone/>
+            </a:pPr>
+            <a:r>
+              <a:rPr lang="zh-TW" altLang="en-US" sz="6400" b="1" dirty="0">
+                <a:solidFill>
+                  <a:srgbClr val="000066"/>
+                </a:solidFill>
+                <a:latin typeface="微軟正黑體" pitchFamily="34" charset="-120"/>
+                <a:ea typeface="微軟正黑體" pitchFamily="34" charset="-120"/>
+              </a:rPr>
+              <a:t>祢愛我永不更改</a:t>
+            </a:r>
+            <a:endParaRPr lang="en-US" altLang="zh-TW" sz="6400" b="1" dirty="0">
+              <a:solidFill>
+                <a:srgbClr val="000066"/>
+              </a:solidFill>
+              <a:latin typeface="微軟正黑體" pitchFamily="34" charset="-120"/>
+              <a:ea typeface="微軟正黑體" pitchFamily="34" charset="-120"/>
+            </a:endParaRPr>
+          </a:p>
+        </p:txBody>
+      </p:sp>
+      <p:sp>
+        <p:nvSpPr>
+          <p:cNvPr id="3" name="TextBox 2"/>
+          <p:cNvSpPr txBox="1"/>
+          <p:nvPr/>
+        </p:nvSpPr>
+        <p:spPr>
+          <a:xfrm>
+            <a:off x="0" y="5349213"/>
+            <a:ext cx="12192000" cy="502766"/>
+          </a:xfrm>
+          <a:prstGeom prst="rect">
+            <a:avLst/>
+          </a:prstGeom>
+          <a:noFill/>
+        </p:spPr>
+        <p:txBody>
+          <a:bodyPr wrap="square" rtlCol="0">
+            <a:spAutoFit/>
+          </a:bodyPr>
+          <a:lstStyle/>
+          <a:p>
+            <a:pPr algn="ctr"/>
+            <a:r>
+              <a:rPr lang="en-US" sz="2667" b="1" dirty="0">
+                <a:solidFill>
+                  <a:srgbClr val="000066"/>
+                </a:solidFill>
+              </a:rPr>
+              <a:t>( Bridge )</a:t>
+            </a:r>
+            <a:endParaRPr lang="vi-VN" sz="2667" b="1" dirty="0">
+              <a:solidFill>
+                <a:srgbClr val="000066"/>
+              </a:solidFill>
+            </a:endParaRPr>
+          </a:p>
+        </p:txBody>
+      </p:sp>
+    </p:spTree>
+    <p:extLst>
+      <p:ext uri="{BB962C8B-B14F-4D97-AF65-F5344CB8AC3E}">
+        <p14:creationId xmlns:p14="http://schemas.microsoft.com/office/powerpoint/2010/main" xmlns="" val="479070546"/>
+      </p:ext>
+    </p:extLst>
+  </p:cSld>
+  <p:clrMapOvr>
+    <a:masterClrMapping/>
+  </p:clrMapOvr>
+</p:sld>
+</file>
+
+<file path=ppt/slides/slide11.xml><?xml version="1.0" encoding="utf-8"?>
+<p:sld xmlns:a="http://schemas.openxmlformats.org/drawingml/2006/main" xmlns:r="http://schemas.openxmlformats.org/officeDocument/2006/relationships" xmlns:p="http://schemas.openxmlformats.org/presentationml/2006/main">
+  <p:cSld>
+    <p:spTree>
+      <p:nvGrpSpPr>
+        <p:cNvPr id="1" name=""/>
+        <p:cNvGrpSpPr/>
+        <p:nvPr/>
+      </p:nvGrpSpPr>
+      <p:grpSpPr>
+        <a:xfrm>
+          <a:off x="0" y="0"/>
+          <a:ext cx="0" cy="0"/>
+          <a:chOff x="0" y="0"/>
+          <a:chExt cx="0" cy="0"/>
+        </a:xfrm>
+      </p:grpSpPr>
+      <p:sp>
+        <p:nvSpPr>
+          <p:cNvPr id="5" name="內容版面配置區 4"/>
+          <p:cNvSpPr>
+            <a:spLocks noGrp="1"/>
+          </p:cNvSpPr>
+          <p:nvPr>
+            <p:ph idx="1"/>
+          </p:nvPr>
+        </p:nvSpPr>
+        <p:spPr>
+          <a:xfrm>
+            <a:off x="0" y="2084851"/>
+            <a:ext cx="12192000" cy="2404863"/>
+          </a:xfrm>
+        </p:spPr>
+        <p:txBody>
+          <a:bodyPr anchor="ctr">
+            <a:noAutofit/>
+          </a:bodyPr>
+          <a:lstStyle/>
+          <a:p>
+            <a:pPr algn="ctr">
+              <a:buNone/>
+            </a:pPr>
+            <a:r>
+              <a:rPr lang="zh-TW" altLang="en-US" sz="6400" b="1" dirty="0">
+                <a:solidFill>
+                  <a:srgbClr val="000066"/>
+                </a:solidFill>
+                <a:latin typeface="微軟正黑體" pitchFamily="34" charset="-120"/>
+                <a:ea typeface="微軟正黑體" pitchFamily="34" charset="-120"/>
+              </a:rPr>
+              <a:t>祢保守我的心懷</a:t>
+            </a:r>
+            <a:endParaRPr lang="en-US" altLang="zh-TW" sz="6400" b="1" dirty="0">
+              <a:solidFill>
+                <a:srgbClr val="000066"/>
+              </a:solidFill>
+              <a:latin typeface="微軟正黑體" pitchFamily="34" charset="-120"/>
+              <a:ea typeface="微軟正黑體" pitchFamily="34" charset="-120"/>
+            </a:endParaRPr>
+          </a:p>
+          <a:p>
+            <a:pPr algn="ctr">
+              <a:buNone/>
+            </a:pPr>
+            <a:r>
+              <a:rPr lang="zh-TW" altLang="en-US" sz="6400" b="1" dirty="0">
+                <a:solidFill>
+                  <a:srgbClr val="000066"/>
+                </a:solidFill>
+                <a:latin typeface="微軟正黑體" pitchFamily="34" charset="-120"/>
+                <a:ea typeface="微軟正黑體" pitchFamily="34" charset="-120"/>
+              </a:rPr>
+              <a:t>緊握祢雙手不放開</a:t>
+            </a:r>
+            <a:endParaRPr lang="en-US" altLang="zh-TW" sz="6400" b="1" dirty="0">
+              <a:solidFill>
+                <a:srgbClr val="000066"/>
+              </a:solidFill>
+              <a:latin typeface="微軟正黑體" pitchFamily="34" charset="-120"/>
+              <a:ea typeface="微軟正黑體" pitchFamily="34" charset="-120"/>
+            </a:endParaRPr>
+          </a:p>
+        </p:txBody>
+      </p:sp>
+      <p:sp>
+        <p:nvSpPr>
+          <p:cNvPr id="3" name="TextBox 2"/>
+          <p:cNvSpPr txBox="1"/>
+          <p:nvPr/>
+        </p:nvSpPr>
+        <p:spPr>
+          <a:xfrm>
+            <a:off x="0" y="5349213"/>
+            <a:ext cx="12192000" cy="502766"/>
+          </a:xfrm>
+          <a:prstGeom prst="rect">
+            <a:avLst/>
+          </a:prstGeom>
+          <a:noFill/>
+        </p:spPr>
+        <p:txBody>
+          <a:bodyPr wrap="square" rtlCol="0">
+            <a:spAutoFit/>
+          </a:bodyPr>
+          <a:lstStyle/>
+          <a:p>
+            <a:pPr algn="ctr"/>
+            <a:r>
+              <a:rPr lang="en-US" sz="2667" b="1" dirty="0">
+                <a:solidFill>
+                  <a:srgbClr val="000066"/>
+                </a:solidFill>
+              </a:rPr>
+              <a:t>( Bridge )</a:t>
+            </a:r>
+            <a:endParaRPr lang="vi-VN" sz="2667" b="1" dirty="0">
+              <a:solidFill>
+                <a:srgbClr val="000066"/>
+              </a:solidFill>
+            </a:endParaRPr>
+          </a:p>
+        </p:txBody>
+      </p:sp>
+    </p:spTree>
+    <p:extLst>
+      <p:ext uri="{BB962C8B-B14F-4D97-AF65-F5344CB8AC3E}">
+        <p14:creationId xmlns:p14="http://schemas.microsoft.com/office/powerpoint/2010/main" xmlns="" val="3000763121"/>
+      </p:ext>
+    </p:extLst>
+  </p:cSld>
+  <p:clrMapOvr>
+    <a:masterClrMapping/>
+  </p:clrMapOvr>
+</p:sld>
+</file>
+
+<file path=ppt/slides/slide12.xml><?xml version="1.0" encoding="utf-8"?>
+<p:sld xmlns:a="http://schemas.openxmlformats.org/drawingml/2006/main" xmlns:r="http://schemas.openxmlformats.org/officeDocument/2006/relationships" xmlns:p="http://schemas.openxmlformats.org/presentationml/2006/main">
+  <p:cSld>
+    <p:spTree>
+      <p:nvGrpSpPr>
+        <p:cNvPr id="1" name=""/>
+        <p:cNvGrpSpPr/>
+        <p:nvPr/>
+      </p:nvGrpSpPr>
+      <p:grpSpPr>
+        <a:xfrm>
+          <a:off x="0" y="0"/>
+          <a:ext cx="0" cy="0"/>
+          <a:chOff x="0" y="0"/>
+          <a:chExt cx="0" cy="0"/>
+        </a:xfrm>
+      </p:grpSpPr>
+      <p:sp>
+        <p:nvSpPr>
+          <p:cNvPr id="5" name="內容版面配置區 4"/>
+          <p:cNvSpPr>
+            <a:spLocks noGrp="1"/>
+          </p:cNvSpPr>
+          <p:nvPr>
+            <p:ph idx="1"/>
+          </p:nvPr>
+        </p:nvSpPr>
+        <p:spPr>
+          <a:xfrm>
+            <a:off x="0" y="2084851"/>
+            <a:ext cx="12192000" cy="2404863"/>
+          </a:xfrm>
+        </p:spPr>
+        <p:txBody>
+          <a:bodyPr anchor="ctr">
+            <a:normAutofit/>
+          </a:bodyPr>
+          <a:lstStyle/>
+          <a:p>
+            <a:pPr algn="ctr">
+              <a:buNone/>
+            </a:pPr>
+            <a:r>
+              <a:rPr lang="zh-TW" altLang="en-US" sz="6400" b="1" dirty="0">
+                <a:solidFill>
+                  <a:srgbClr val="000066"/>
+                </a:solidFill>
+                <a:latin typeface="微軟正黑體" pitchFamily="34" charset="-120"/>
+                <a:ea typeface="微軟正黑體" pitchFamily="34" charset="-120"/>
+              </a:rPr>
+              <a:t>大山為我挪開  大海有路出來</a:t>
+            </a:r>
+            <a:endParaRPr lang="en-US" altLang="zh-TW" sz="6400" b="1" dirty="0">
+              <a:solidFill>
+                <a:srgbClr val="000066"/>
+              </a:solidFill>
+              <a:latin typeface="微軟正黑體" pitchFamily="34" charset="-120"/>
+              <a:ea typeface="微軟正黑體" pitchFamily="34" charset="-120"/>
+            </a:endParaRPr>
+          </a:p>
+          <a:p>
+            <a:pPr algn="ctr">
+              <a:buNone/>
+            </a:pPr>
+            <a:r>
+              <a:rPr lang="zh-TW" altLang="en-US" sz="6400" b="1" dirty="0">
+                <a:solidFill>
+                  <a:srgbClr val="000066"/>
+                </a:solidFill>
+                <a:latin typeface="微軟正黑體" pitchFamily="34" charset="-120"/>
+                <a:ea typeface="微軟正黑體" pitchFamily="34" charset="-120"/>
+              </a:rPr>
+              <a:t>我要大聲宣告  耶穌  祢一直都在</a:t>
+            </a:r>
+            <a:endParaRPr lang="en-US" altLang="zh-TW" sz="6400" b="1" dirty="0">
+              <a:solidFill>
+                <a:srgbClr val="000066"/>
+              </a:solidFill>
+              <a:latin typeface="微軟正黑體" pitchFamily="34" charset="-120"/>
+              <a:ea typeface="微軟正黑體" pitchFamily="34" charset="-120"/>
+            </a:endParaRPr>
+          </a:p>
+        </p:txBody>
+      </p:sp>
+      <p:sp>
+        <p:nvSpPr>
+          <p:cNvPr id="3" name="TextBox 2"/>
+          <p:cNvSpPr txBox="1"/>
+          <p:nvPr/>
+        </p:nvSpPr>
+        <p:spPr>
+          <a:xfrm>
+            <a:off x="0" y="5349213"/>
+            <a:ext cx="12192000" cy="502766"/>
+          </a:xfrm>
+          <a:prstGeom prst="rect">
+            <a:avLst/>
+          </a:prstGeom>
+          <a:noFill/>
+        </p:spPr>
+        <p:txBody>
+          <a:bodyPr wrap="square" rtlCol="0">
+            <a:spAutoFit/>
+          </a:bodyPr>
+          <a:lstStyle/>
+          <a:p>
+            <a:pPr algn="ctr"/>
+            <a:r>
+              <a:rPr lang="en-US" sz="2667" b="1" dirty="0">
+                <a:solidFill>
+                  <a:srgbClr val="000066"/>
+                </a:solidFill>
+              </a:rPr>
+              <a:t>( Chorus )</a:t>
+            </a:r>
+            <a:endParaRPr lang="vi-VN" sz="2667" b="1" dirty="0">
+              <a:solidFill>
+                <a:srgbClr val="000066"/>
+              </a:solidFill>
+            </a:endParaRPr>
+          </a:p>
+        </p:txBody>
+      </p:sp>
+    </p:spTree>
+    <p:extLst>
+      <p:ext uri="{BB962C8B-B14F-4D97-AF65-F5344CB8AC3E}">
+        <p14:creationId xmlns:p14="http://schemas.microsoft.com/office/powerpoint/2010/main" xmlns="" val="2835569017"/>
+      </p:ext>
+    </p:extLst>
+  </p:cSld>
+  <p:clrMapOvr>
+    <a:masterClrMapping/>
+  </p:clrMapOvr>
+</p:sld>
+</file>
+
+<file path=ppt/slides/slide13.xml><?xml version="1.0" encoding="utf-8"?>
+<p:sld xmlns:a="http://schemas.openxmlformats.org/drawingml/2006/main" xmlns:r="http://schemas.openxmlformats.org/officeDocument/2006/relationships" xmlns:p="http://schemas.openxmlformats.org/presentationml/2006/main">
+  <p:cSld>
+    <p:spTree>
+      <p:nvGrpSpPr>
+        <p:cNvPr id="1" name=""/>
+        <p:cNvGrpSpPr/>
+        <p:nvPr/>
+      </p:nvGrpSpPr>
+      <p:grpSpPr>
+        <a:xfrm>
+          <a:off x="0" y="0"/>
+          <a:ext cx="0" cy="0"/>
+          <a:chOff x="0" y="0"/>
+          <a:chExt cx="0" cy="0"/>
+        </a:xfrm>
+      </p:grpSpPr>
+      <p:sp>
+        <p:nvSpPr>
+          <p:cNvPr id="5" name="內容版面配置區 4"/>
+          <p:cNvSpPr>
+            <a:spLocks noGrp="1"/>
+          </p:cNvSpPr>
+          <p:nvPr>
+            <p:ph idx="1"/>
+          </p:nvPr>
+        </p:nvSpPr>
+        <p:spPr>
+          <a:xfrm>
+            <a:off x="0" y="2084851"/>
+            <a:ext cx="12192000" cy="2404863"/>
+          </a:xfrm>
+        </p:spPr>
+        <p:txBody>
+          <a:bodyPr anchor="ctr">
+            <a:noAutofit/>
+          </a:bodyPr>
+          <a:lstStyle/>
+          <a:p>
+            <a:pPr algn="ctr">
+              <a:buNone/>
+            </a:pPr>
+            <a:r>
+              <a:rPr lang="zh-TW" altLang="en-US" sz="6400" b="1" dirty="0">
+                <a:solidFill>
+                  <a:srgbClr val="000066"/>
+                </a:solidFill>
+                <a:latin typeface="微軟正黑體" pitchFamily="34" charset="-120"/>
+                <a:ea typeface="微軟正黑體" pitchFamily="34" charset="-120"/>
+              </a:rPr>
+              <a:t>祢手上的釘痕  彰顯十架大愛</a:t>
+            </a:r>
+            <a:endParaRPr lang="en-US" altLang="zh-TW" sz="6400" b="1" dirty="0">
+              <a:solidFill>
+                <a:srgbClr val="000066"/>
+              </a:solidFill>
+              <a:latin typeface="微軟正黑體" pitchFamily="34" charset="-120"/>
+              <a:ea typeface="微軟正黑體" pitchFamily="34" charset="-120"/>
+            </a:endParaRPr>
+          </a:p>
+          <a:p>
+            <a:pPr algn="ctr">
+              <a:buNone/>
+            </a:pPr>
+            <a:r>
+              <a:rPr lang="zh-TW" altLang="en-US" sz="6400" b="1" dirty="0">
+                <a:solidFill>
+                  <a:srgbClr val="000066"/>
+                </a:solidFill>
+                <a:latin typeface="微軟正黑體" pitchFamily="34" charset="-120"/>
+                <a:ea typeface="微軟正黑體" pitchFamily="34" charset="-120"/>
+              </a:rPr>
+              <a:t>我要大聲宣告  耶穌  祢一直都在</a:t>
+            </a:r>
+            <a:endParaRPr lang="en-US" altLang="zh-TW" sz="6400" b="1" dirty="0">
+              <a:solidFill>
+                <a:srgbClr val="000066"/>
+              </a:solidFill>
+              <a:latin typeface="微軟正黑體" pitchFamily="34" charset="-120"/>
+              <a:ea typeface="微軟正黑體" pitchFamily="34" charset="-120"/>
+            </a:endParaRPr>
+          </a:p>
+        </p:txBody>
+      </p:sp>
+      <p:sp>
+        <p:nvSpPr>
+          <p:cNvPr id="3" name="TextBox 2"/>
+          <p:cNvSpPr txBox="1"/>
+          <p:nvPr/>
+        </p:nvSpPr>
+        <p:spPr>
+          <a:xfrm>
+            <a:off x="0" y="5349213"/>
+            <a:ext cx="12192000" cy="502766"/>
+          </a:xfrm>
+          <a:prstGeom prst="rect">
+            <a:avLst/>
+          </a:prstGeom>
+          <a:noFill/>
+        </p:spPr>
+        <p:txBody>
+          <a:bodyPr wrap="square" rtlCol="0">
+            <a:spAutoFit/>
+          </a:bodyPr>
+          <a:lstStyle/>
+          <a:p>
+            <a:pPr algn="ctr"/>
+            <a:r>
+              <a:rPr lang="en-US" sz="2667" b="1" dirty="0">
+                <a:solidFill>
+                  <a:srgbClr val="000066"/>
+                </a:solidFill>
+              </a:rPr>
+              <a:t>( Chorus )</a:t>
+            </a:r>
+            <a:endParaRPr lang="vi-VN" sz="2667" b="1" dirty="0">
+              <a:solidFill>
+                <a:srgbClr val="000066"/>
+              </a:solidFill>
+            </a:endParaRPr>
+          </a:p>
+        </p:txBody>
+      </p:sp>
+    </p:spTree>
+    <p:extLst>
+      <p:ext uri="{BB962C8B-B14F-4D97-AF65-F5344CB8AC3E}">
+        <p14:creationId xmlns:p14="http://schemas.microsoft.com/office/powerpoint/2010/main" xmlns="" val="566601035"/>
+      </p:ext>
+    </p:extLst>
+  </p:cSld>
+  <p:clrMapOvr>
+    <a:masterClrMapping/>
+  </p:clrMapOvr>
+</p:sld>
+</file>
+
+<file path=ppt/slides/slide14.xml><?xml version="1.0" encoding="utf-8"?>
+<p:sld xmlns:a="http://schemas.openxmlformats.org/drawingml/2006/main" xmlns:r="http://schemas.openxmlformats.org/officeDocument/2006/relationships" xmlns:p="http://schemas.openxmlformats.org/presentationml/2006/main">
+  <p:cSld>
+    <p:spTree>
+      <p:nvGrpSpPr>
+        <p:cNvPr id="1" name=""/>
+        <p:cNvGrpSpPr/>
+        <p:nvPr/>
+      </p:nvGrpSpPr>
+      <p:grpSpPr>
+        <a:xfrm>
+          <a:off x="0" y="0"/>
+          <a:ext cx="0" cy="0"/>
+          <a:chOff x="0" y="0"/>
+          <a:chExt cx="0" cy="0"/>
+        </a:xfrm>
+      </p:grpSpPr>
+      <p:sp>
+        <p:nvSpPr>
+          <p:cNvPr id="5" name="內容版面配置區 4"/>
+          <p:cNvSpPr>
+            <a:spLocks noGrp="1"/>
+          </p:cNvSpPr>
+          <p:nvPr>
+            <p:ph idx="1"/>
+          </p:nvPr>
+        </p:nvSpPr>
+        <p:spPr>
+          <a:xfrm>
+            <a:off x="0" y="2084851"/>
+            <a:ext cx="12192000" cy="2404863"/>
+          </a:xfrm>
+        </p:spPr>
+        <p:txBody>
+          <a:bodyPr anchor="ctr">
+            <a:noAutofit/>
+          </a:bodyPr>
+          <a:lstStyle/>
+          <a:p>
+            <a:pPr algn="ctr">
+              <a:buNone/>
+            </a:pPr>
+            <a:r>
+              <a:rPr lang="zh-TW" altLang="en-US" sz="6400" b="1" dirty="0">
+                <a:solidFill>
+                  <a:srgbClr val="000066"/>
+                </a:solidFill>
+                <a:latin typeface="微軟正黑體" pitchFamily="34" charset="-120"/>
+                <a:ea typeface="微軟正黑體" pitchFamily="34" charset="-120"/>
+              </a:rPr>
+              <a:t>祢的話讓我明白</a:t>
+            </a:r>
+            <a:endParaRPr lang="en-US" altLang="zh-TW" sz="6400" b="1" dirty="0">
+              <a:solidFill>
+                <a:srgbClr val="000066"/>
+              </a:solidFill>
+              <a:latin typeface="微軟正黑體" pitchFamily="34" charset="-120"/>
+              <a:ea typeface="微軟正黑體" pitchFamily="34" charset="-120"/>
+            </a:endParaRPr>
+          </a:p>
+          <a:p>
+            <a:pPr algn="ctr">
+              <a:buNone/>
+            </a:pPr>
+            <a:r>
+              <a:rPr lang="zh-TW" altLang="en-US" sz="6400" b="1" dirty="0">
+                <a:solidFill>
+                  <a:srgbClr val="000066"/>
+                </a:solidFill>
+                <a:latin typeface="微軟正黑體" pitchFamily="34" charset="-120"/>
+                <a:ea typeface="微軟正黑體" pitchFamily="34" charset="-120"/>
+              </a:rPr>
+              <a:t>祢愛我永不更改</a:t>
+            </a:r>
+            <a:endParaRPr lang="en-US" altLang="zh-TW" sz="6400" b="1" dirty="0">
+              <a:solidFill>
+                <a:srgbClr val="000066"/>
+              </a:solidFill>
+              <a:latin typeface="微軟正黑體" pitchFamily="34" charset="-120"/>
+              <a:ea typeface="微軟正黑體" pitchFamily="34" charset="-120"/>
+            </a:endParaRPr>
+          </a:p>
+        </p:txBody>
+      </p:sp>
+      <p:sp>
+        <p:nvSpPr>
+          <p:cNvPr id="3" name="TextBox 2"/>
+          <p:cNvSpPr txBox="1"/>
+          <p:nvPr/>
+        </p:nvSpPr>
+        <p:spPr>
+          <a:xfrm>
+            <a:off x="0" y="5349213"/>
+            <a:ext cx="12192000" cy="502766"/>
+          </a:xfrm>
+          <a:prstGeom prst="rect">
+            <a:avLst/>
+          </a:prstGeom>
+          <a:noFill/>
+        </p:spPr>
+        <p:txBody>
+          <a:bodyPr wrap="square" rtlCol="0">
+            <a:spAutoFit/>
+          </a:bodyPr>
+          <a:lstStyle/>
+          <a:p>
+            <a:pPr algn="ctr"/>
+            <a:r>
+              <a:rPr lang="en-US" sz="2667" b="1" dirty="0">
+                <a:solidFill>
+                  <a:srgbClr val="000066"/>
+                </a:solidFill>
+              </a:rPr>
+              <a:t>( Bridge )</a:t>
+            </a:r>
+            <a:endParaRPr lang="vi-VN" sz="2667" b="1" dirty="0">
+              <a:solidFill>
+                <a:srgbClr val="000066"/>
+              </a:solidFill>
+            </a:endParaRPr>
+          </a:p>
+        </p:txBody>
+      </p:sp>
+    </p:spTree>
+    <p:extLst>
+      <p:ext uri="{BB962C8B-B14F-4D97-AF65-F5344CB8AC3E}">
+        <p14:creationId xmlns:p14="http://schemas.microsoft.com/office/powerpoint/2010/main" xmlns="" val="479070546"/>
+      </p:ext>
+    </p:extLst>
+  </p:cSld>
+  <p:clrMapOvr>
+    <a:masterClrMapping/>
+  </p:clrMapOvr>
+</p:sld>
+</file>
+
+<file path=ppt/slides/slide15.xml><?xml version="1.0" encoding="utf-8"?>
+<p:sld xmlns:a="http://schemas.openxmlformats.org/drawingml/2006/main" xmlns:r="http://schemas.openxmlformats.org/officeDocument/2006/relationships" xmlns:p="http://schemas.openxmlformats.org/presentationml/2006/main">
+  <p:cSld>
+    <p:spTree>
+      <p:nvGrpSpPr>
+        <p:cNvPr id="1" name=""/>
+        <p:cNvGrpSpPr/>
+        <p:nvPr/>
+      </p:nvGrpSpPr>
+      <p:grpSpPr>
+        <a:xfrm>
+          <a:off x="0" y="0"/>
+          <a:ext cx="0" cy="0"/>
+          <a:chOff x="0" y="0"/>
+          <a:chExt cx="0" cy="0"/>
+        </a:xfrm>
+      </p:grpSpPr>
+      <p:sp>
+        <p:nvSpPr>
+          <p:cNvPr id="5" name="內容版面配置區 4"/>
+          <p:cNvSpPr>
+            <a:spLocks noGrp="1"/>
+          </p:cNvSpPr>
+          <p:nvPr>
+            <p:ph idx="1"/>
+          </p:nvPr>
+        </p:nvSpPr>
+        <p:spPr>
+          <a:xfrm>
+            <a:off x="0" y="2084851"/>
+            <a:ext cx="12192000" cy="2404863"/>
+          </a:xfrm>
+        </p:spPr>
+        <p:txBody>
+          <a:bodyPr anchor="ctr">
+            <a:noAutofit/>
+          </a:bodyPr>
+          <a:lstStyle/>
+          <a:p>
+            <a:pPr algn="ctr">
+              <a:buNone/>
+            </a:pPr>
+            <a:r>
+              <a:rPr lang="zh-TW" altLang="en-US" sz="6400" b="1" dirty="0">
+                <a:solidFill>
+                  <a:srgbClr val="000066"/>
+                </a:solidFill>
+                <a:latin typeface="微軟正黑體" pitchFamily="34" charset="-120"/>
+                <a:ea typeface="微軟正黑體" pitchFamily="34" charset="-120"/>
+              </a:rPr>
+              <a:t>祢保守我的心懷</a:t>
+            </a:r>
+            <a:endParaRPr lang="en-US" altLang="zh-TW" sz="6400" b="1" dirty="0">
+              <a:solidFill>
+                <a:srgbClr val="000066"/>
+              </a:solidFill>
+              <a:latin typeface="微軟正黑體" pitchFamily="34" charset="-120"/>
+              <a:ea typeface="微軟正黑體" pitchFamily="34" charset="-120"/>
+            </a:endParaRPr>
+          </a:p>
+          <a:p>
+            <a:pPr algn="ctr">
+              <a:buNone/>
+            </a:pPr>
+            <a:r>
+              <a:rPr lang="zh-TW" altLang="en-US" sz="6400" b="1" dirty="0">
+                <a:solidFill>
+                  <a:srgbClr val="000066"/>
+                </a:solidFill>
+                <a:latin typeface="微軟正黑體" pitchFamily="34" charset="-120"/>
+                <a:ea typeface="微軟正黑體" pitchFamily="34" charset="-120"/>
+              </a:rPr>
+              <a:t>緊握祢雙手不放開</a:t>
+            </a:r>
+            <a:endParaRPr lang="en-US" altLang="zh-TW" sz="6400" b="1" dirty="0">
+              <a:solidFill>
+                <a:srgbClr val="000066"/>
+              </a:solidFill>
+              <a:latin typeface="微軟正黑體" pitchFamily="34" charset="-120"/>
+              <a:ea typeface="微軟正黑體" pitchFamily="34" charset="-120"/>
+            </a:endParaRPr>
+          </a:p>
+        </p:txBody>
+      </p:sp>
+      <p:sp>
+        <p:nvSpPr>
+          <p:cNvPr id="3" name="TextBox 2"/>
+          <p:cNvSpPr txBox="1"/>
+          <p:nvPr/>
+        </p:nvSpPr>
+        <p:spPr>
+          <a:xfrm>
+            <a:off x="0" y="5349213"/>
+            <a:ext cx="12192000" cy="502766"/>
+          </a:xfrm>
+          <a:prstGeom prst="rect">
+            <a:avLst/>
+          </a:prstGeom>
+          <a:noFill/>
+        </p:spPr>
+        <p:txBody>
+          <a:bodyPr wrap="square" rtlCol="0">
+            <a:spAutoFit/>
+          </a:bodyPr>
+          <a:lstStyle/>
+          <a:p>
+            <a:pPr algn="ctr"/>
+            <a:r>
+              <a:rPr lang="en-US" sz="2667" b="1" dirty="0">
+                <a:solidFill>
+                  <a:srgbClr val="000066"/>
+                </a:solidFill>
+              </a:rPr>
+              <a:t>( Bridge )</a:t>
+            </a:r>
+            <a:endParaRPr lang="vi-VN" sz="2667" b="1" dirty="0">
+              <a:solidFill>
+                <a:srgbClr val="000066"/>
+              </a:solidFill>
+            </a:endParaRPr>
+          </a:p>
+        </p:txBody>
+      </p:sp>
+    </p:spTree>
+    <p:extLst>
+      <p:ext uri="{BB962C8B-B14F-4D97-AF65-F5344CB8AC3E}">
+        <p14:creationId xmlns:p14="http://schemas.microsoft.com/office/powerpoint/2010/main" xmlns="" val="3000763121"/>
+      </p:ext>
+    </p:extLst>
+  </p:cSld>
+  <p:clrMapOvr>
+    <a:masterClrMapping/>
+  </p:clrMapOvr>
+</p:sld>
+</file>
+
+<file path=ppt/slides/slide16.xml><?xml version="1.0" encoding="utf-8"?>
+<p:sld xmlns:a="http://schemas.openxmlformats.org/drawingml/2006/main" xmlns:r="http://schemas.openxmlformats.org/officeDocument/2006/relationships" xmlns:p="http://schemas.openxmlformats.org/presentationml/2006/main">
+  <p:cSld>
+    <p:spTree>
+      <p:nvGrpSpPr>
+        <p:cNvPr id="1" name=""/>
+        <p:cNvGrpSpPr/>
+        <p:nvPr/>
+      </p:nvGrpSpPr>
+      <p:grpSpPr>
+        <a:xfrm>
+          <a:off x="0" y="0"/>
+          <a:ext cx="0" cy="0"/>
+          <a:chOff x="0" y="0"/>
+          <a:chExt cx="0" cy="0"/>
+        </a:xfrm>
+      </p:grpSpPr>
+      <p:sp>
+        <p:nvSpPr>
+          <p:cNvPr id="5" name="內容版面配置區 4"/>
+          <p:cNvSpPr>
+            <a:spLocks noGrp="1"/>
+          </p:cNvSpPr>
+          <p:nvPr>
+            <p:ph idx="1"/>
+          </p:nvPr>
+        </p:nvSpPr>
+        <p:spPr>
+          <a:xfrm>
+            <a:off x="0" y="2084851"/>
+            <a:ext cx="12192000" cy="2404863"/>
+          </a:xfrm>
+        </p:spPr>
+        <p:txBody>
+          <a:bodyPr anchor="ctr">
+            <a:normAutofit/>
+          </a:bodyPr>
+          <a:lstStyle/>
+          <a:p>
+            <a:pPr algn="ctr">
+              <a:buNone/>
+            </a:pPr>
+            <a:r>
+              <a:rPr lang="zh-TW" altLang="en-US" sz="6400" b="1" dirty="0">
+                <a:solidFill>
+                  <a:srgbClr val="660033"/>
+                </a:solidFill>
+                <a:latin typeface="微軟正黑體" pitchFamily="34" charset="-120"/>
+                <a:ea typeface="微軟正黑體" pitchFamily="34" charset="-120"/>
+              </a:rPr>
+              <a:t>我要開口向</a:t>
+            </a:r>
+            <a:r>
+              <a:rPr lang="zh-CN" altLang="en-US" sz="6400" b="1" dirty="0">
+                <a:solidFill>
+                  <a:srgbClr val="660033"/>
+                </a:solidFill>
+                <a:latin typeface="微軟正黑體" pitchFamily="34" charset="-120"/>
+                <a:ea typeface="微軟正黑體" pitchFamily="34" charset="-120"/>
+              </a:rPr>
+              <a:t>袮</a:t>
+            </a:r>
+            <a:r>
+              <a:rPr lang="zh-TW" altLang="en-US" sz="6400" b="1" dirty="0">
+                <a:solidFill>
+                  <a:srgbClr val="660033"/>
+                </a:solidFill>
+                <a:latin typeface="微軟正黑體" pitchFamily="34" charset="-120"/>
+                <a:ea typeface="微軟正黑體" pitchFamily="34" charset="-120"/>
+              </a:rPr>
+              <a:t>讚美稱謝</a:t>
+            </a:r>
+            <a:endParaRPr lang="en-US" altLang="zh-TW" sz="6400" b="1" dirty="0">
+              <a:solidFill>
+                <a:srgbClr val="660033"/>
+              </a:solidFill>
+              <a:latin typeface="微軟正黑體" pitchFamily="34" charset="-120"/>
+              <a:ea typeface="微軟正黑體" pitchFamily="34" charset="-120"/>
+            </a:endParaRPr>
+          </a:p>
+          <a:p>
+            <a:pPr algn="ctr">
+              <a:buNone/>
+            </a:pPr>
+            <a:r>
+              <a:rPr lang="zh-TW" altLang="en-US" sz="6400" b="1" dirty="0">
+                <a:solidFill>
+                  <a:srgbClr val="660033"/>
+                </a:solidFill>
+                <a:latin typeface="微軟正黑體" pitchFamily="34" charset="-120"/>
+                <a:ea typeface="微軟正黑體" pitchFamily="34" charset="-120"/>
+              </a:rPr>
+              <a:t>永永遠遠讚美不停</a:t>
+            </a:r>
+            <a:endParaRPr lang="en-US" altLang="zh-TW" sz="6400" b="1" dirty="0">
+              <a:solidFill>
+                <a:srgbClr val="660033"/>
+              </a:solidFill>
+              <a:latin typeface="微軟正黑體" pitchFamily="34" charset="-120"/>
+              <a:ea typeface="微軟正黑體" pitchFamily="34" charset="-120"/>
+            </a:endParaRPr>
+          </a:p>
+        </p:txBody>
+      </p:sp>
+    </p:spTree>
+    <p:extLst>
+      <p:ext uri="{BB962C8B-B14F-4D97-AF65-F5344CB8AC3E}">
+        <p14:creationId xmlns:p14="http://schemas.microsoft.com/office/powerpoint/2010/main" xmlns="" val="468560495"/>
+      </p:ext>
+    </p:extLst>
+  </p:cSld>
+  <p:clrMapOvr>
+    <a:masterClrMapping/>
+  </p:clrMapOvr>
+</p:sld>
+</file>
+
+<file path=ppt/slides/slide17.xml><?xml version="1.0" encoding="utf-8"?>
+<p:sld xmlns:a="http://schemas.openxmlformats.org/drawingml/2006/main" xmlns:r="http://schemas.openxmlformats.org/officeDocument/2006/relationships" xmlns:p="http://schemas.openxmlformats.org/presentationml/2006/main">
+  <p:cSld>
+    <p:spTree>
+      <p:nvGrpSpPr>
+        <p:cNvPr id="1" name=""/>
+        <p:cNvGrpSpPr/>
+        <p:nvPr/>
+      </p:nvGrpSpPr>
+      <p:grpSpPr>
+        <a:xfrm>
+          <a:off x="0" y="0"/>
+          <a:ext cx="0" cy="0"/>
+          <a:chOff x="0" y="0"/>
+          <a:chExt cx="0" cy="0"/>
+        </a:xfrm>
+      </p:grpSpPr>
+      <p:sp>
+        <p:nvSpPr>
+          <p:cNvPr id="5" name="內容版面配置區 4"/>
+          <p:cNvSpPr>
+            <a:spLocks noGrp="1"/>
+          </p:cNvSpPr>
+          <p:nvPr>
+            <p:ph idx="1"/>
+          </p:nvPr>
+        </p:nvSpPr>
+        <p:spPr>
+          <a:xfrm>
+            <a:off x="0" y="2084851"/>
+            <a:ext cx="12192000" cy="2404863"/>
+          </a:xfrm>
+        </p:spPr>
+        <p:txBody>
+          <a:bodyPr anchor="ctr">
+            <a:normAutofit/>
+          </a:bodyPr>
+          <a:lstStyle/>
+          <a:p>
+            <a:pPr algn="ctr">
+              <a:buNone/>
+            </a:pPr>
+            <a:r>
+              <a:rPr lang="zh-TW" altLang="en-US" sz="6400" b="1" dirty="0">
+                <a:solidFill>
+                  <a:srgbClr val="660033"/>
+                </a:solidFill>
+                <a:latin typeface="微軟正黑體" pitchFamily="34" charset="-120"/>
+                <a:ea typeface="微軟正黑體" pitchFamily="34" charset="-120"/>
+              </a:rPr>
+              <a:t>永永遠遠稱謝不已</a:t>
+            </a:r>
+            <a:endParaRPr lang="en-US" altLang="zh-TW" sz="6400" b="1" dirty="0">
+              <a:solidFill>
+                <a:srgbClr val="660033"/>
+              </a:solidFill>
+              <a:latin typeface="微軟正黑體" pitchFamily="34" charset="-120"/>
+              <a:ea typeface="微軟正黑體" pitchFamily="34" charset="-120"/>
+            </a:endParaRPr>
+          </a:p>
+        </p:txBody>
+      </p:sp>
+    </p:spTree>
+    <p:extLst>
+      <p:ext uri="{BB962C8B-B14F-4D97-AF65-F5344CB8AC3E}">
+        <p14:creationId xmlns:p14="http://schemas.microsoft.com/office/powerpoint/2010/main" xmlns="" val="3640351330"/>
+      </p:ext>
+    </p:extLst>
+  </p:cSld>
+  <p:clrMapOvr>
+    <a:masterClrMapping/>
+  </p:clrMapOvr>
+</p:sld>
+</file>
+
+<file path=ppt/slides/slide18.xml><?xml version="1.0" encoding="utf-8"?>
+<p:sld xmlns:a="http://schemas.openxmlformats.org/drawingml/2006/main" xmlns:r="http://schemas.openxmlformats.org/officeDocument/2006/relationships" xmlns:p="http://schemas.openxmlformats.org/presentationml/2006/main">
+  <p:cSld>
+    <p:spTree>
+      <p:nvGrpSpPr>
+        <p:cNvPr id="1" name=""/>
+        <p:cNvGrpSpPr/>
+        <p:nvPr/>
+      </p:nvGrpSpPr>
+      <p:grpSpPr>
+        <a:xfrm>
+          <a:off x="0" y="0"/>
+          <a:ext cx="0" cy="0"/>
+          <a:chOff x="0" y="0"/>
+          <a:chExt cx="0" cy="0"/>
+        </a:xfrm>
+      </p:grpSpPr>
+      <p:sp>
+        <p:nvSpPr>
+          <p:cNvPr id="5" name="內容版面配置區 4"/>
+          <p:cNvSpPr>
+            <a:spLocks noGrp="1"/>
+          </p:cNvSpPr>
+          <p:nvPr>
+            <p:ph idx="1"/>
+          </p:nvPr>
+        </p:nvSpPr>
+        <p:spPr>
+          <a:xfrm>
+            <a:off x="0" y="2084851"/>
+            <a:ext cx="12192000" cy="2404863"/>
+          </a:xfrm>
+        </p:spPr>
+        <p:txBody>
+          <a:bodyPr anchor="ctr">
+            <a:normAutofit/>
+          </a:bodyPr>
+          <a:lstStyle/>
+          <a:p>
+            <a:pPr algn="ctr">
+              <a:buNone/>
+            </a:pPr>
+            <a:r>
+              <a:rPr lang="zh-TW" altLang="en-US" sz="6400" b="1" dirty="0">
+                <a:solidFill>
+                  <a:srgbClr val="660033"/>
+                </a:solidFill>
+                <a:latin typeface="微軟正黑體" pitchFamily="34" charset="-120"/>
+                <a:ea typeface="微軟正黑體" pitchFamily="34" charset="-120"/>
+              </a:rPr>
+              <a:t>我要欣然向</a:t>
+            </a:r>
+            <a:r>
+              <a:rPr lang="zh-CN" altLang="en-US" sz="6400" b="1" dirty="0">
+                <a:solidFill>
+                  <a:srgbClr val="660033"/>
+                </a:solidFill>
+                <a:latin typeface="微軟正黑體" pitchFamily="34" charset="-120"/>
+                <a:ea typeface="微軟正黑體" pitchFamily="34" charset="-120"/>
+              </a:rPr>
+              <a:t>袮</a:t>
+            </a:r>
+            <a:r>
+              <a:rPr lang="zh-TW" altLang="en-US" sz="6400" b="1" dirty="0">
+                <a:solidFill>
+                  <a:srgbClr val="660033"/>
+                </a:solidFill>
+                <a:latin typeface="微軟正黑體" pitchFamily="34" charset="-120"/>
+                <a:ea typeface="微軟正黑體" pitchFamily="34" charset="-120"/>
+              </a:rPr>
+              <a:t>獻上自己</a:t>
+            </a:r>
+            <a:endParaRPr lang="en-US" altLang="zh-TW" sz="6400" b="1" dirty="0">
+              <a:solidFill>
+                <a:srgbClr val="660033"/>
+              </a:solidFill>
+              <a:latin typeface="微軟正黑體" pitchFamily="34" charset="-120"/>
+              <a:ea typeface="微軟正黑體" pitchFamily="34" charset="-120"/>
+            </a:endParaRPr>
+          </a:p>
+          <a:p>
+            <a:pPr algn="ctr">
+              <a:buNone/>
+            </a:pPr>
+            <a:r>
+              <a:rPr lang="zh-TW" altLang="en-US" sz="6400" b="1" dirty="0">
+                <a:solidFill>
+                  <a:srgbClr val="660033"/>
+                </a:solidFill>
+                <a:latin typeface="微軟正黑體" pitchFamily="34" charset="-120"/>
+                <a:ea typeface="微軟正黑體" pitchFamily="34" charset="-120"/>
+              </a:rPr>
+              <a:t>一生一世獻上自己</a:t>
+            </a:r>
+            <a:endParaRPr lang="en-US" altLang="zh-TW" sz="6400" b="1" dirty="0">
+              <a:solidFill>
+                <a:srgbClr val="660033"/>
+              </a:solidFill>
+              <a:latin typeface="微軟正黑體" pitchFamily="34" charset="-120"/>
+              <a:ea typeface="微軟正黑體" pitchFamily="34" charset="-120"/>
+            </a:endParaRPr>
+          </a:p>
+        </p:txBody>
+      </p:sp>
+    </p:spTree>
+    <p:extLst>
+      <p:ext uri="{BB962C8B-B14F-4D97-AF65-F5344CB8AC3E}">
+        <p14:creationId xmlns:p14="http://schemas.microsoft.com/office/powerpoint/2010/main" xmlns="" val="1904373315"/>
+      </p:ext>
+    </p:extLst>
+  </p:cSld>
+  <p:clrMapOvr>
+    <a:masterClrMapping/>
+  </p:clrMapOvr>
+</p:sld>
+</file>
+
+<file path=ppt/slides/slide19.xml><?xml version="1.0" encoding="utf-8"?>
+<p:sld xmlns:a="http://schemas.openxmlformats.org/drawingml/2006/main" xmlns:r="http://schemas.openxmlformats.org/officeDocument/2006/relationships" xmlns:p="http://schemas.openxmlformats.org/presentationml/2006/main">
+  <p:cSld>
+    <p:spTree>
+      <p:nvGrpSpPr>
+        <p:cNvPr id="1" name=""/>
+        <p:cNvGrpSpPr/>
+        <p:nvPr/>
+      </p:nvGrpSpPr>
+      <p:grpSpPr>
+        <a:xfrm>
+          <a:off x="0" y="0"/>
+          <a:ext cx="0" cy="0"/>
+          <a:chOff x="0" y="0"/>
+          <a:chExt cx="0" cy="0"/>
+        </a:xfrm>
+      </p:grpSpPr>
+      <p:sp>
+        <p:nvSpPr>
+          <p:cNvPr id="5" name="內容版面配置區 4"/>
+          <p:cNvSpPr>
+            <a:spLocks noGrp="1"/>
+          </p:cNvSpPr>
+          <p:nvPr>
+            <p:ph idx="1"/>
+          </p:nvPr>
+        </p:nvSpPr>
+        <p:spPr>
+          <a:xfrm>
+            <a:off x="0" y="2084851"/>
+            <a:ext cx="12192000" cy="2404863"/>
+          </a:xfrm>
+        </p:spPr>
+        <p:txBody>
+          <a:bodyPr anchor="ctr">
+            <a:normAutofit/>
+          </a:bodyPr>
+          <a:lstStyle/>
+          <a:p>
+            <a:pPr algn="ctr">
+              <a:buNone/>
+            </a:pPr>
+            <a:r>
+              <a:rPr lang="zh-TW" altLang="en-US" sz="6400" b="1" dirty="0">
+                <a:solidFill>
+                  <a:srgbClr val="660033"/>
+                </a:solidFill>
+                <a:latin typeface="微軟正黑體" pitchFamily="34" charset="-120"/>
+                <a:ea typeface="微軟正黑體" pitchFamily="34" charset="-120"/>
+              </a:rPr>
+              <a:t>一生一世腳步不離</a:t>
+            </a:r>
+          </a:p>
+        </p:txBody>
+      </p:sp>
+    </p:spTree>
+    <p:extLst>
+      <p:ext uri="{BB962C8B-B14F-4D97-AF65-F5344CB8AC3E}">
+        <p14:creationId xmlns:p14="http://schemas.microsoft.com/office/powerpoint/2010/main" xmlns="" val="3754729219"/>
       </p:ext>
     </p:extLst>
   </p:cSld>
@@ -3232,37 +4487,7 @@
                 <a:latin typeface="微軟正黑體" pitchFamily="34" charset="-120"/>
                 <a:ea typeface="微軟正黑體" pitchFamily="34" charset="-120"/>
               </a:rPr>
-              <a:t>雖然道路崎</a:t>
-            </a:r>
-            <a:r>
-              <a:rPr lang="zh-TW" altLang="en-US" sz="6400" b="1" dirty="0">
-                <a:solidFill>
-                  <a:srgbClr val="000066"/>
-                </a:solidFill>
-                <a:latin typeface="微軟正黑體" pitchFamily="34" charset="-120"/>
-                <a:ea typeface="微軟正黑體" pitchFamily="34" charset="-120"/>
-              </a:rPr>
-              <a:t>嶇  困</a:t>
-            </a:r>
-            <a:r>
-              <a:rPr lang="zh-TW" altLang="en-US" sz="6400" b="1" dirty="0">
-                <a:solidFill>
-                  <a:srgbClr val="000066"/>
-                </a:solidFill>
-                <a:latin typeface="微軟正黑體" pitchFamily="34" charset="-120"/>
-                <a:ea typeface="微軟正黑體" pitchFamily="34" charset="-120"/>
-              </a:rPr>
-              <a:t>難險</a:t>
-            </a:r>
-            <a:r>
-              <a:rPr lang="zh-TW" altLang="en-US" sz="6400" b="1" dirty="0">
-                <a:solidFill>
-                  <a:srgbClr val="000066"/>
-                </a:solidFill>
-                <a:latin typeface="微軟正黑體" pitchFamily="34" charset="-120"/>
-                <a:ea typeface="微軟正黑體" pitchFamily="34" charset="-120"/>
-              </a:rPr>
-              <a:t>阻</a:t>
+              <a:t>雖然道路崎嶇  困難險阻</a:t>
             </a:r>
             <a:endParaRPr lang="en-US" altLang="zh-TW" sz="6400" b="1" dirty="0">
               <a:solidFill>
@@ -3284,37 +4509,7 @@
                 <a:latin typeface="微軟正黑體" pitchFamily="34" charset="-120"/>
                 <a:ea typeface="微軟正黑體" pitchFamily="34" charset="-120"/>
               </a:rPr>
-              <a:t>但</a:t>
-            </a:r>
-            <a:r>
-              <a:rPr lang="zh-TW" altLang="en-US" sz="6400" b="1" dirty="0">
-                <a:solidFill>
-                  <a:srgbClr val="000066"/>
-                </a:solidFill>
-                <a:latin typeface="微軟正黑體" pitchFamily="34" charset="-120"/>
-                <a:ea typeface="微軟正黑體" pitchFamily="34" charset="-120"/>
-              </a:rPr>
-              <a:t>我心中知</a:t>
-            </a:r>
-            <a:r>
-              <a:rPr lang="zh-TW" altLang="en-US" sz="6400" b="1" dirty="0">
-                <a:solidFill>
-                  <a:srgbClr val="000066"/>
-                </a:solidFill>
-                <a:latin typeface="微軟正黑體" pitchFamily="34" charset="-120"/>
-                <a:ea typeface="微軟正黑體" pitchFamily="34" charset="-120"/>
-              </a:rPr>
-              <a:t>道  祢</a:t>
-            </a:r>
-            <a:r>
-              <a:rPr lang="zh-TW" altLang="en-US" sz="6400" b="1" dirty="0">
-                <a:solidFill>
-                  <a:srgbClr val="000066"/>
-                </a:solidFill>
-                <a:latin typeface="微軟正黑體" pitchFamily="34" charset="-120"/>
-                <a:ea typeface="微軟正黑體" pitchFamily="34" charset="-120"/>
-              </a:rPr>
-              <a:t>一直都在</a:t>
+              <a:t>但我心中知道  祢一直都在</a:t>
             </a:r>
             <a:endParaRPr lang="en-US" altLang="zh-TW" sz="6400" b="1" dirty="0">
               <a:solidFill>
@@ -3368,7 +4563,978 @@
     </p:spTree>
     <p:extLst>
       <p:ext uri="{BB962C8B-B14F-4D97-AF65-F5344CB8AC3E}">
-        <p14:creationId xmlns:p14="http://schemas.microsoft.com/office/powerpoint/2010/main" val="752865392"/>
+        <p14:creationId xmlns:p14="http://schemas.microsoft.com/office/powerpoint/2010/main" xmlns="" val="752865392"/>
+      </p:ext>
+    </p:extLst>
+  </p:cSld>
+  <p:clrMapOvr>
+    <a:masterClrMapping/>
+  </p:clrMapOvr>
+</p:sld>
+</file>
+
+<file path=ppt/slides/slide20.xml><?xml version="1.0" encoding="utf-8"?>
+<p:sld xmlns:a="http://schemas.openxmlformats.org/drawingml/2006/main" xmlns:r="http://schemas.openxmlformats.org/officeDocument/2006/relationships" xmlns:p="http://schemas.openxmlformats.org/presentationml/2006/main">
+  <p:cSld>
+    <p:spTree>
+      <p:nvGrpSpPr>
+        <p:cNvPr id="1" name=""/>
+        <p:cNvGrpSpPr/>
+        <p:nvPr/>
+      </p:nvGrpSpPr>
+      <p:grpSpPr>
+        <a:xfrm>
+          <a:off x="0" y="0"/>
+          <a:ext cx="0" cy="0"/>
+          <a:chOff x="0" y="0"/>
+          <a:chExt cx="0" cy="0"/>
+        </a:xfrm>
+      </p:grpSpPr>
+      <p:sp>
+        <p:nvSpPr>
+          <p:cNvPr id="4" name="標題 3"/>
+          <p:cNvSpPr>
+            <a:spLocks noGrp="1"/>
+          </p:cNvSpPr>
+          <p:nvPr>
+            <p:ph type="title"/>
+          </p:nvPr>
+        </p:nvSpPr>
+        <p:spPr>
+          <a:xfrm>
+            <a:off x="0" y="2857513"/>
+            <a:ext cx="12192000" cy="1143000"/>
+          </a:xfrm>
+        </p:spPr>
+        <p:txBody>
+          <a:bodyPr>
+            <a:noAutofit/>
+          </a:bodyPr>
+          <a:lstStyle/>
+          <a:p>
+            <a:r>
+              <a:rPr lang="zh-TW" altLang="en-US" sz="7200" b="1" i="1" dirty="0">
+                <a:solidFill>
+                  <a:srgbClr val="660033"/>
+                </a:solidFill>
+                <a:effectLst>
+                  <a:outerShdw blurRad="38100" dist="38100" dir="2700000" algn="tl">
+                    <a:srgbClr val="000000">
+                      <a:alpha val="43137"/>
+                    </a:srgbClr>
+                  </a:outerShdw>
+                </a:effectLst>
+                <a:latin typeface="微軟正黑體" pitchFamily="34" charset="-120"/>
+                <a:ea typeface="微軟正黑體" pitchFamily="34" charset="-120"/>
+              </a:rPr>
+              <a:t>全然向</a:t>
+            </a:r>
+            <a:r>
+              <a:rPr lang="zh-CN" altLang="en-US" sz="7200" b="1" i="1" dirty="0">
+                <a:solidFill>
+                  <a:srgbClr val="660033"/>
+                </a:solidFill>
+                <a:effectLst>
+                  <a:outerShdw blurRad="38100" dist="38100" dir="2700000" algn="tl">
+                    <a:srgbClr val="000000">
+                      <a:alpha val="43137"/>
+                    </a:srgbClr>
+                  </a:outerShdw>
+                </a:effectLst>
+                <a:latin typeface="微軟正黑體" pitchFamily="34" charset="-120"/>
+                <a:ea typeface="微軟正黑體" pitchFamily="34" charset="-120"/>
+              </a:rPr>
+              <a:t>袮</a:t>
+            </a:r>
+            <a:endParaRPr lang="zh-TW" altLang="en-US" sz="7200" b="1" i="1" dirty="0">
+              <a:solidFill>
+                <a:srgbClr val="660033"/>
+              </a:solidFill>
+              <a:effectLst>
+                <a:outerShdw blurRad="38100" dist="38100" dir="2700000" algn="tl">
+                  <a:srgbClr val="000000">
+                    <a:alpha val="43137"/>
+                  </a:srgbClr>
+                </a:outerShdw>
+              </a:effectLst>
+              <a:latin typeface="微軟正黑體" pitchFamily="34" charset="-120"/>
+              <a:ea typeface="微軟正黑體" pitchFamily="34" charset="-120"/>
+            </a:endParaRPr>
+          </a:p>
+        </p:txBody>
+      </p:sp>
+    </p:spTree>
+    <p:extLst>
+      <p:ext uri="{BB962C8B-B14F-4D97-AF65-F5344CB8AC3E}">
+        <p14:creationId xmlns:p14="http://schemas.microsoft.com/office/powerpoint/2010/main" xmlns="" val="3693675075"/>
+      </p:ext>
+    </p:extLst>
+  </p:cSld>
+  <p:clrMapOvr>
+    <a:masterClrMapping/>
+  </p:clrMapOvr>
+</p:sld>
+</file>
+
+<file path=ppt/slides/slide21.xml><?xml version="1.0" encoding="utf-8"?>
+<p:sld xmlns:a="http://schemas.openxmlformats.org/drawingml/2006/main" xmlns:r="http://schemas.openxmlformats.org/officeDocument/2006/relationships" xmlns:p="http://schemas.openxmlformats.org/presentationml/2006/main">
+  <p:cSld>
+    <p:spTree>
+      <p:nvGrpSpPr>
+        <p:cNvPr id="1" name=""/>
+        <p:cNvGrpSpPr/>
+        <p:nvPr/>
+      </p:nvGrpSpPr>
+      <p:grpSpPr>
+        <a:xfrm>
+          <a:off x="0" y="0"/>
+          <a:ext cx="0" cy="0"/>
+          <a:chOff x="0" y="0"/>
+          <a:chExt cx="0" cy="0"/>
+        </a:xfrm>
+      </p:grpSpPr>
+      <p:sp>
+        <p:nvSpPr>
+          <p:cNvPr id="5" name="內容版面配置區 4"/>
+          <p:cNvSpPr>
+            <a:spLocks noGrp="1"/>
+          </p:cNvSpPr>
+          <p:nvPr>
+            <p:ph idx="1"/>
+          </p:nvPr>
+        </p:nvSpPr>
+        <p:spPr>
+          <a:xfrm>
+            <a:off x="0" y="2084851"/>
+            <a:ext cx="12192000" cy="2404863"/>
+          </a:xfrm>
+        </p:spPr>
+        <p:txBody>
+          <a:bodyPr anchor="ctr">
+            <a:normAutofit/>
+          </a:bodyPr>
+          <a:lstStyle/>
+          <a:p>
+            <a:pPr algn="ctr">
+              <a:buNone/>
+            </a:pPr>
+            <a:r>
+              <a:rPr lang="zh-TW" altLang="en-US" sz="6400" b="1" dirty="0">
+                <a:solidFill>
+                  <a:srgbClr val="660033"/>
+                </a:solidFill>
+                <a:latin typeface="微軟正黑體" pitchFamily="34" charset="-120"/>
+                <a:ea typeface="微軟正黑體" pitchFamily="34" charset="-120"/>
+              </a:rPr>
+              <a:t>當讚美的旋律響起</a:t>
+            </a:r>
+            <a:endParaRPr lang="en-US" altLang="zh-TW" sz="6400" b="1" dirty="0">
+              <a:solidFill>
+                <a:srgbClr val="660033"/>
+              </a:solidFill>
+              <a:latin typeface="微軟正黑體" pitchFamily="34" charset="-120"/>
+              <a:ea typeface="微軟正黑體" pitchFamily="34" charset="-120"/>
+            </a:endParaRPr>
+          </a:p>
+          <a:p>
+            <a:pPr algn="ctr">
+              <a:buNone/>
+            </a:pPr>
+            <a:r>
+              <a:rPr lang="zh-TW" altLang="en-US" sz="6400" b="1" dirty="0">
+                <a:solidFill>
+                  <a:srgbClr val="660033"/>
+                </a:solidFill>
+                <a:latin typeface="微軟正黑體" pitchFamily="34" charset="-120"/>
+                <a:ea typeface="微軟正黑體" pitchFamily="34" charset="-120"/>
+              </a:rPr>
+              <a:t>我的心全然向</a:t>
+            </a:r>
+            <a:r>
+              <a:rPr lang="zh-CN" altLang="en-US" sz="6400" b="1" dirty="0">
+                <a:solidFill>
+                  <a:srgbClr val="660033"/>
+                </a:solidFill>
+                <a:latin typeface="微軟正黑體" pitchFamily="34" charset="-120"/>
+                <a:ea typeface="微軟正黑體" pitchFamily="34" charset="-120"/>
+              </a:rPr>
+              <a:t>袮</a:t>
+            </a:r>
+            <a:endParaRPr lang="en-US" altLang="zh-TW" sz="6400" b="1" dirty="0">
+              <a:solidFill>
+                <a:srgbClr val="660033"/>
+              </a:solidFill>
+              <a:latin typeface="微軟正黑體" pitchFamily="34" charset="-120"/>
+              <a:ea typeface="微軟正黑體" pitchFamily="34" charset="-120"/>
+            </a:endParaRPr>
+          </a:p>
+        </p:txBody>
+      </p:sp>
+    </p:spTree>
+    <p:extLst>
+      <p:ext uri="{BB962C8B-B14F-4D97-AF65-F5344CB8AC3E}">
+        <p14:creationId xmlns:p14="http://schemas.microsoft.com/office/powerpoint/2010/main" xmlns="" val="694606604"/>
+      </p:ext>
+    </p:extLst>
+  </p:cSld>
+  <p:clrMapOvr>
+    <a:masterClrMapping/>
+  </p:clrMapOvr>
+</p:sld>
+</file>
+
+<file path=ppt/slides/slide22.xml><?xml version="1.0" encoding="utf-8"?>
+<p:sld xmlns:a="http://schemas.openxmlformats.org/drawingml/2006/main" xmlns:r="http://schemas.openxmlformats.org/officeDocument/2006/relationships" xmlns:p="http://schemas.openxmlformats.org/presentationml/2006/main">
+  <p:cSld>
+    <p:spTree>
+      <p:nvGrpSpPr>
+        <p:cNvPr id="1" name=""/>
+        <p:cNvGrpSpPr/>
+        <p:nvPr/>
+      </p:nvGrpSpPr>
+      <p:grpSpPr>
+        <a:xfrm>
+          <a:off x="0" y="0"/>
+          <a:ext cx="0" cy="0"/>
+          <a:chOff x="0" y="0"/>
+          <a:chExt cx="0" cy="0"/>
+        </a:xfrm>
+      </p:grpSpPr>
+      <p:sp>
+        <p:nvSpPr>
+          <p:cNvPr id="5" name="內容版面配置區 4"/>
+          <p:cNvSpPr>
+            <a:spLocks noGrp="1"/>
+          </p:cNvSpPr>
+          <p:nvPr>
+            <p:ph idx="1"/>
+          </p:nvPr>
+        </p:nvSpPr>
+        <p:spPr>
+          <a:xfrm>
+            <a:off x="0" y="2084851"/>
+            <a:ext cx="12192000" cy="2404863"/>
+          </a:xfrm>
+        </p:spPr>
+        <p:txBody>
+          <a:bodyPr anchor="ctr">
+            <a:normAutofit/>
+          </a:bodyPr>
+          <a:lstStyle/>
+          <a:p>
+            <a:pPr algn="ctr">
+              <a:buNone/>
+            </a:pPr>
+            <a:r>
+              <a:rPr lang="zh-TW" altLang="en-US" sz="6400" b="1" dirty="0">
+                <a:solidFill>
+                  <a:srgbClr val="660033"/>
+                </a:solidFill>
+                <a:latin typeface="微軟正黑體" pitchFamily="34" charset="-120"/>
+                <a:ea typeface="微軟正黑體" pitchFamily="34" charset="-120"/>
+              </a:rPr>
+              <a:t>當聖靈的恩膏滿溢</a:t>
+            </a:r>
+            <a:endParaRPr lang="en-US" altLang="zh-TW" sz="6400" b="1" dirty="0">
+              <a:solidFill>
+                <a:srgbClr val="660033"/>
+              </a:solidFill>
+              <a:latin typeface="微軟正黑體" pitchFamily="34" charset="-120"/>
+              <a:ea typeface="微軟正黑體" pitchFamily="34" charset="-120"/>
+            </a:endParaRPr>
+          </a:p>
+          <a:p>
+            <a:pPr algn="ctr">
+              <a:buNone/>
+            </a:pPr>
+            <a:r>
+              <a:rPr lang="zh-TW" altLang="en-US" sz="6400" b="1" dirty="0">
+                <a:solidFill>
+                  <a:srgbClr val="660033"/>
+                </a:solidFill>
+                <a:latin typeface="微軟正黑體" pitchFamily="34" charset="-120"/>
+                <a:ea typeface="微軟正黑體" pitchFamily="34" charset="-120"/>
+              </a:rPr>
+              <a:t>我的靈不再封閉</a:t>
+            </a:r>
+          </a:p>
+        </p:txBody>
+      </p:sp>
+    </p:spTree>
+    <p:extLst>
+      <p:ext uri="{BB962C8B-B14F-4D97-AF65-F5344CB8AC3E}">
+        <p14:creationId xmlns:p14="http://schemas.microsoft.com/office/powerpoint/2010/main" xmlns="" val="3076104177"/>
+      </p:ext>
+    </p:extLst>
+  </p:cSld>
+  <p:clrMapOvr>
+    <a:masterClrMapping/>
+  </p:clrMapOvr>
+</p:sld>
+</file>
+
+<file path=ppt/slides/slide23.xml><?xml version="1.0" encoding="utf-8"?>
+<p:sld xmlns:a="http://schemas.openxmlformats.org/drawingml/2006/main" xmlns:r="http://schemas.openxmlformats.org/officeDocument/2006/relationships" xmlns:p="http://schemas.openxmlformats.org/presentationml/2006/main">
+  <p:cSld>
+    <p:spTree>
+      <p:nvGrpSpPr>
+        <p:cNvPr id="1" name=""/>
+        <p:cNvGrpSpPr/>
+        <p:nvPr/>
+      </p:nvGrpSpPr>
+      <p:grpSpPr>
+        <a:xfrm>
+          <a:off x="0" y="0"/>
+          <a:ext cx="0" cy="0"/>
+          <a:chOff x="0" y="0"/>
+          <a:chExt cx="0" cy="0"/>
+        </a:xfrm>
+      </p:grpSpPr>
+      <p:sp>
+        <p:nvSpPr>
+          <p:cNvPr id="5" name="內容版面配置區 4"/>
+          <p:cNvSpPr>
+            <a:spLocks noGrp="1"/>
+          </p:cNvSpPr>
+          <p:nvPr>
+            <p:ph idx="1"/>
+          </p:nvPr>
+        </p:nvSpPr>
+        <p:spPr>
+          <a:xfrm>
+            <a:off x="0" y="2084851"/>
+            <a:ext cx="12192000" cy="2404863"/>
+          </a:xfrm>
+        </p:spPr>
+        <p:txBody>
+          <a:bodyPr anchor="ctr">
+            <a:normAutofit/>
+          </a:bodyPr>
+          <a:lstStyle/>
+          <a:p>
+            <a:pPr algn="ctr">
+              <a:buNone/>
+            </a:pPr>
+            <a:r>
+              <a:rPr lang="zh-TW" altLang="en-US" sz="6400" b="1" dirty="0">
+                <a:solidFill>
+                  <a:srgbClr val="660033"/>
+                </a:solidFill>
+                <a:latin typeface="微軟正黑體" pitchFamily="34" charset="-120"/>
+                <a:ea typeface="微軟正黑體" pitchFamily="34" charset="-120"/>
+              </a:rPr>
+              <a:t>讚美的輕泉如春雨沐浴</a:t>
+            </a:r>
+            <a:endParaRPr lang="en-US" altLang="zh-TW" sz="6400" b="1" dirty="0">
+              <a:solidFill>
+                <a:srgbClr val="660033"/>
+              </a:solidFill>
+              <a:latin typeface="微軟正黑體" pitchFamily="34" charset="-120"/>
+              <a:ea typeface="微軟正黑體" pitchFamily="34" charset="-120"/>
+            </a:endParaRPr>
+          </a:p>
+          <a:p>
+            <a:pPr algn="ctr">
+              <a:buNone/>
+            </a:pPr>
+            <a:r>
+              <a:rPr lang="zh-TW" altLang="en-US" sz="6400" b="1" dirty="0">
+                <a:solidFill>
+                  <a:srgbClr val="660033"/>
+                </a:solidFill>
+                <a:latin typeface="微軟正黑體" pitchFamily="34" charset="-120"/>
+                <a:ea typeface="微軟正黑體" pitchFamily="34" charset="-120"/>
+              </a:rPr>
+              <a:t>我心中的喜樂川流不息</a:t>
+            </a:r>
+            <a:endParaRPr lang="en-US" altLang="zh-TW" sz="6400" b="1" dirty="0">
+              <a:solidFill>
+                <a:srgbClr val="660033"/>
+              </a:solidFill>
+              <a:latin typeface="微軟正黑體" pitchFamily="34" charset="-120"/>
+              <a:ea typeface="微軟正黑體" pitchFamily="34" charset="-120"/>
+            </a:endParaRPr>
+          </a:p>
+        </p:txBody>
+      </p:sp>
+    </p:spTree>
+    <p:extLst>
+      <p:ext uri="{BB962C8B-B14F-4D97-AF65-F5344CB8AC3E}">
+        <p14:creationId xmlns:p14="http://schemas.microsoft.com/office/powerpoint/2010/main" xmlns="" val="1819252444"/>
+      </p:ext>
+    </p:extLst>
+  </p:cSld>
+  <p:clrMapOvr>
+    <a:masterClrMapping/>
+  </p:clrMapOvr>
+</p:sld>
+</file>
+
+<file path=ppt/slides/slide24.xml><?xml version="1.0" encoding="utf-8"?>
+<p:sld xmlns:a="http://schemas.openxmlformats.org/drawingml/2006/main" xmlns:r="http://schemas.openxmlformats.org/officeDocument/2006/relationships" xmlns:p="http://schemas.openxmlformats.org/presentationml/2006/main">
+  <p:cSld>
+    <p:spTree>
+      <p:nvGrpSpPr>
+        <p:cNvPr id="1" name=""/>
+        <p:cNvGrpSpPr/>
+        <p:nvPr/>
+      </p:nvGrpSpPr>
+      <p:grpSpPr>
+        <a:xfrm>
+          <a:off x="0" y="0"/>
+          <a:ext cx="0" cy="0"/>
+          <a:chOff x="0" y="0"/>
+          <a:chExt cx="0" cy="0"/>
+        </a:xfrm>
+      </p:grpSpPr>
+      <p:sp>
+        <p:nvSpPr>
+          <p:cNvPr id="5" name="內容版面配置區 4"/>
+          <p:cNvSpPr>
+            <a:spLocks noGrp="1"/>
+          </p:cNvSpPr>
+          <p:nvPr>
+            <p:ph idx="1"/>
+          </p:nvPr>
+        </p:nvSpPr>
+        <p:spPr>
+          <a:xfrm>
+            <a:off x="0" y="2084851"/>
+            <a:ext cx="12192000" cy="2404863"/>
+          </a:xfrm>
+        </p:spPr>
+        <p:txBody>
+          <a:bodyPr anchor="ctr">
+            <a:normAutofit/>
+          </a:bodyPr>
+          <a:lstStyle/>
+          <a:p>
+            <a:pPr algn="ctr">
+              <a:buNone/>
+            </a:pPr>
+            <a:r>
+              <a:rPr lang="zh-TW" altLang="en-US" sz="6400" b="1" dirty="0">
+                <a:solidFill>
+                  <a:srgbClr val="660033"/>
+                </a:solidFill>
+                <a:latin typeface="微軟正黑體" pitchFamily="34" charset="-120"/>
+                <a:ea typeface="微軟正黑體" pitchFamily="34" charset="-120"/>
+              </a:rPr>
+              <a:t>讚美的音符如雪花飄逸</a:t>
+            </a:r>
+            <a:endParaRPr lang="en-US" altLang="zh-TW" sz="6400" b="1" dirty="0">
+              <a:solidFill>
+                <a:srgbClr val="660033"/>
+              </a:solidFill>
+              <a:latin typeface="微軟正黑體" pitchFamily="34" charset="-120"/>
+              <a:ea typeface="微軟正黑體" pitchFamily="34" charset="-120"/>
+            </a:endParaRPr>
+          </a:p>
+          <a:p>
+            <a:pPr algn="ctr">
+              <a:buNone/>
+            </a:pPr>
+            <a:r>
+              <a:rPr lang="zh-TW" altLang="en-US" sz="6400" b="1" dirty="0">
+                <a:solidFill>
+                  <a:srgbClr val="660033"/>
+                </a:solidFill>
+                <a:latin typeface="微軟正黑體" pitchFamily="34" charset="-120"/>
+                <a:ea typeface="微軟正黑體" pitchFamily="34" charset="-120"/>
+              </a:rPr>
+              <a:t>心中的暖流冉冉升起</a:t>
+            </a:r>
+          </a:p>
+        </p:txBody>
+      </p:sp>
+    </p:spTree>
+    <p:extLst>
+      <p:ext uri="{BB962C8B-B14F-4D97-AF65-F5344CB8AC3E}">
+        <p14:creationId xmlns:p14="http://schemas.microsoft.com/office/powerpoint/2010/main" xmlns="" val="1634962483"/>
+      </p:ext>
+    </p:extLst>
+  </p:cSld>
+  <p:clrMapOvr>
+    <a:masterClrMapping/>
+  </p:clrMapOvr>
+</p:sld>
+</file>
+
+<file path=ppt/slides/slide25.xml><?xml version="1.0" encoding="utf-8"?>
+<p:sld xmlns:a="http://schemas.openxmlformats.org/drawingml/2006/main" xmlns:r="http://schemas.openxmlformats.org/officeDocument/2006/relationships" xmlns:p="http://schemas.openxmlformats.org/presentationml/2006/main">
+  <p:cSld>
+    <p:spTree>
+      <p:nvGrpSpPr>
+        <p:cNvPr id="1" name=""/>
+        <p:cNvGrpSpPr/>
+        <p:nvPr/>
+      </p:nvGrpSpPr>
+      <p:grpSpPr>
+        <a:xfrm>
+          <a:off x="0" y="0"/>
+          <a:ext cx="0" cy="0"/>
+          <a:chOff x="0" y="0"/>
+          <a:chExt cx="0" cy="0"/>
+        </a:xfrm>
+      </p:grpSpPr>
+      <p:sp>
+        <p:nvSpPr>
+          <p:cNvPr id="5" name="內容版面配置區 4"/>
+          <p:cNvSpPr>
+            <a:spLocks noGrp="1"/>
+          </p:cNvSpPr>
+          <p:nvPr>
+            <p:ph idx="1"/>
+          </p:nvPr>
+        </p:nvSpPr>
+        <p:spPr>
+          <a:xfrm>
+            <a:off x="0" y="2084851"/>
+            <a:ext cx="12192000" cy="2404863"/>
+          </a:xfrm>
+        </p:spPr>
+        <p:txBody>
+          <a:bodyPr anchor="ctr">
+            <a:normAutofit/>
+          </a:bodyPr>
+          <a:lstStyle/>
+          <a:p>
+            <a:pPr algn="ctr">
+              <a:buNone/>
+            </a:pPr>
+            <a:r>
+              <a:rPr lang="zh-TW" altLang="en-US" sz="6400" b="1" dirty="0">
+                <a:solidFill>
+                  <a:srgbClr val="660033"/>
+                </a:solidFill>
+                <a:latin typeface="微軟正黑體" pitchFamily="34" charset="-120"/>
+                <a:ea typeface="微軟正黑體" pitchFamily="34" charset="-120"/>
+              </a:rPr>
+              <a:t>我要開口向</a:t>
+            </a:r>
+            <a:r>
+              <a:rPr lang="zh-CN" altLang="en-US" sz="6400" b="1" dirty="0">
+                <a:solidFill>
+                  <a:srgbClr val="660033"/>
+                </a:solidFill>
+                <a:latin typeface="微軟正黑體" pitchFamily="34" charset="-120"/>
+                <a:ea typeface="微軟正黑體" pitchFamily="34" charset="-120"/>
+              </a:rPr>
+              <a:t>袮</a:t>
+            </a:r>
+            <a:r>
+              <a:rPr lang="zh-TW" altLang="en-US" sz="6400" b="1" dirty="0">
+                <a:solidFill>
+                  <a:srgbClr val="660033"/>
+                </a:solidFill>
+                <a:latin typeface="微軟正黑體" pitchFamily="34" charset="-120"/>
+                <a:ea typeface="微軟正黑體" pitchFamily="34" charset="-120"/>
+              </a:rPr>
+              <a:t>讚美稱謝</a:t>
+            </a:r>
+            <a:endParaRPr lang="en-US" altLang="zh-TW" sz="6400" b="1" dirty="0">
+              <a:solidFill>
+                <a:srgbClr val="660033"/>
+              </a:solidFill>
+              <a:latin typeface="微軟正黑體" pitchFamily="34" charset="-120"/>
+              <a:ea typeface="微軟正黑體" pitchFamily="34" charset="-120"/>
+            </a:endParaRPr>
+          </a:p>
+          <a:p>
+            <a:pPr algn="ctr">
+              <a:buNone/>
+            </a:pPr>
+            <a:r>
+              <a:rPr lang="zh-TW" altLang="en-US" sz="6400" b="1" dirty="0">
+                <a:solidFill>
+                  <a:srgbClr val="660033"/>
+                </a:solidFill>
+                <a:latin typeface="微軟正黑體" pitchFamily="34" charset="-120"/>
+                <a:ea typeface="微軟正黑體" pitchFamily="34" charset="-120"/>
+              </a:rPr>
+              <a:t>永永遠遠讚美不停</a:t>
+            </a:r>
+            <a:endParaRPr lang="en-US" altLang="zh-TW" sz="6400" b="1" dirty="0">
+              <a:solidFill>
+                <a:srgbClr val="660033"/>
+              </a:solidFill>
+              <a:latin typeface="微軟正黑體" pitchFamily="34" charset="-120"/>
+              <a:ea typeface="微軟正黑體" pitchFamily="34" charset="-120"/>
+            </a:endParaRPr>
+          </a:p>
+        </p:txBody>
+      </p:sp>
+    </p:spTree>
+    <p:extLst>
+      <p:ext uri="{BB962C8B-B14F-4D97-AF65-F5344CB8AC3E}">
+        <p14:creationId xmlns:p14="http://schemas.microsoft.com/office/powerpoint/2010/main" xmlns="" val="468560495"/>
+      </p:ext>
+    </p:extLst>
+  </p:cSld>
+  <p:clrMapOvr>
+    <a:masterClrMapping/>
+  </p:clrMapOvr>
+</p:sld>
+</file>
+
+<file path=ppt/slides/slide26.xml><?xml version="1.0" encoding="utf-8"?>
+<p:sld xmlns:a="http://schemas.openxmlformats.org/drawingml/2006/main" xmlns:r="http://schemas.openxmlformats.org/officeDocument/2006/relationships" xmlns:p="http://schemas.openxmlformats.org/presentationml/2006/main">
+  <p:cSld>
+    <p:spTree>
+      <p:nvGrpSpPr>
+        <p:cNvPr id="1" name=""/>
+        <p:cNvGrpSpPr/>
+        <p:nvPr/>
+      </p:nvGrpSpPr>
+      <p:grpSpPr>
+        <a:xfrm>
+          <a:off x="0" y="0"/>
+          <a:ext cx="0" cy="0"/>
+          <a:chOff x="0" y="0"/>
+          <a:chExt cx="0" cy="0"/>
+        </a:xfrm>
+      </p:grpSpPr>
+      <p:sp>
+        <p:nvSpPr>
+          <p:cNvPr id="5" name="內容版面配置區 4"/>
+          <p:cNvSpPr>
+            <a:spLocks noGrp="1"/>
+          </p:cNvSpPr>
+          <p:nvPr>
+            <p:ph idx="1"/>
+          </p:nvPr>
+        </p:nvSpPr>
+        <p:spPr>
+          <a:xfrm>
+            <a:off x="0" y="2084851"/>
+            <a:ext cx="12192000" cy="2404863"/>
+          </a:xfrm>
+        </p:spPr>
+        <p:txBody>
+          <a:bodyPr anchor="ctr">
+            <a:normAutofit/>
+          </a:bodyPr>
+          <a:lstStyle/>
+          <a:p>
+            <a:pPr algn="ctr">
+              <a:buNone/>
+            </a:pPr>
+            <a:r>
+              <a:rPr lang="zh-TW" altLang="en-US" sz="6400" b="1" dirty="0">
+                <a:solidFill>
+                  <a:srgbClr val="660033"/>
+                </a:solidFill>
+                <a:latin typeface="微軟正黑體" pitchFamily="34" charset="-120"/>
+                <a:ea typeface="微軟正黑體" pitchFamily="34" charset="-120"/>
+              </a:rPr>
+              <a:t>永永遠遠稱謝不已</a:t>
+            </a:r>
+            <a:endParaRPr lang="en-US" altLang="zh-TW" sz="6400" b="1" dirty="0">
+              <a:solidFill>
+                <a:srgbClr val="660033"/>
+              </a:solidFill>
+              <a:latin typeface="微軟正黑體" pitchFamily="34" charset="-120"/>
+              <a:ea typeface="微軟正黑體" pitchFamily="34" charset="-120"/>
+            </a:endParaRPr>
+          </a:p>
+        </p:txBody>
+      </p:sp>
+    </p:spTree>
+    <p:extLst>
+      <p:ext uri="{BB962C8B-B14F-4D97-AF65-F5344CB8AC3E}">
+        <p14:creationId xmlns:p14="http://schemas.microsoft.com/office/powerpoint/2010/main" xmlns="" val="3640351330"/>
+      </p:ext>
+    </p:extLst>
+  </p:cSld>
+  <p:clrMapOvr>
+    <a:masterClrMapping/>
+  </p:clrMapOvr>
+</p:sld>
+</file>
+
+<file path=ppt/slides/slide27.xml><?xml version="1.0" encoding="utf-8"?>
+<p:sld xmlns:a="http://schemas.openxmlformats.org/drawingml/2006/main" xmlns:r="http://schemas.openxmlformats.org/officeDocument/2006/relationships" xmlns:p="http://schemas.openxmlformats.org/presentationml/2006/main">
+  <p:cSld>
+    <p:spTree>
+      <p:nvGrpSpPr>
+        <p:cNvPr id="1" name=""/>
+        <p:cNvGrpSpPr/>
+        <p:nvPr/>
+      </p:nvGrpSpPr>
+      <p:grpSpPr>
+        <a:xfrm>
+          <a:off x="0" y="0"/>
+          <a:ext cx="0" cy="0"/>
+          <a:chOff x="0" y="0"/>
+          <a:chExt cx="0" cy="0"/>
+        </a:xfrm>
+      </p:grpSpPr>
+      <p:sp>
+        <p:nvSpPr>
+          <p:cNvPr id="5" name="內容版面配置區 4"/>
+          <p:cNvSpPr>
+            <a:spLocks noGrp="1"/>
+          </p:cNvSpPr>
+          <p:nvPr>
+            <p:ph idx="1"/>
+          </p:nvPr>
+        </p:nvSpPr>
+        <p:spPr>
+          <a:xfrm>
+            <a:off x="0" y="2084851"/>
+            <a:ext cx="12192000" cy="2404863"/>
+          </a:xfrm>
+        </p:spPr>
+        <p:txBody>
+          <a:bodyPr anchor="ctr">
+            <a:normAutofit/>
+          </a:bodyPr>
+          <a:lstStyle/>
+          <a:p>
+            <a:pPr algn="ctr">
+              <a:buNone/>
+            </a:pPr>
+            <a:r>
+              <a:rPr lang="zh-TW" altLang="en-US" sz="6400" b="1" dirty="0">
+                <a:solidFill>
+                  <a:srgbClr val="660033"/>
+                </a:solidFill>
+                <a:latin typeface="微軟正黑體" pitchFamily="34" charset="-120"/>
+                <a:ea typeface="微軟正黑體" pitchFamily="34" charset="-120"/>
+              </a:rPr>
+              <a:t>我要欣然向</a:t>
+            </a:r>
+            <a:r>
+              <a:rPr lang="zh-CN" altLang="en-US" sz="6400" b="1" dirty="0">
+                <a:solidFill>
+                  <a:srgbClr val="660033"/>
+                </a:solidFill>
+                <a:latin typeface="微軟正黑體" pitchFamily="34" charset="-120"/>
+                <a:ea typeface="微軟正黑體" pitchFamily="34" charset="-120"/>
+              </a:rPr>
+              <a:t>袮</a:t>
+            </a:r>
+            <a:r>
+              <a:rPr lang="zh-TW" altLang="en-US" sz="6400" b="1" dirty="0">
+                <a:solidFill>
+                  <a:srgbClr val="660033"/>
+                </a:solidFill>
+                <a:latin typeface="微軟正黑體" pitchFamily="34" charset="-120"/>
+                <a:ea typeface="微軟正黑體" pitchFamily="34" charset="-120"/>
+              </a:rPr>
+              <a:t>獻上自己</a:t>
+            </a:r>
+            <a:endParaRPr lang="en-US" altLang="zh-TW" sz="6400" b="1" dirty="0">
+              <a:solidFill>
+                <a:srgbClr val="660033"/>
+              </a:solidFill>
+              <a:latin typeface="微軟正黑體" pitchFamily="34" charset="-120"/>
+              <a:ea typeface="微軟正黑體" pitchFamily="34" charset="-120"/>
+            </a:endParaRPr>
+          </a:p>
+          <a:p>
+            <a:pPr algn="ctr">
+              <a:buNone/>
+            </a:pPr>
+            <a:r>
+              <a:rPr lang="zh-TW" altLang="en-US" sz="6400" b="1" dirty="0">
+                <a:solidFill>
+                  <a:srgbClr val="660033"/>
+                </a:solidFill>
+                <a:latin typeface="微軟正黑體" pitchFamily="34" charset="-120"/>
+                <a:ea typeface="微軟正黑體" pitchFamily="34" charset="-120"/>
+              </a:rPr>
+              <a:t>一生一世獻上自己</a:t>
+            </a:r>
+            <a:endParaRPr lang="en-US" altLang="zh-TW" sz="6400" b="1" dirty="0">
+              <a:solidFill>
+                <a:srgbClr val="660033"/>
+              </a:solidFill>
+              <a:latin typeface="微軟正黑體" pitchFamily="34" charset="-120"/>
+              <a:ea typeface="微軟正黑體" pitchFamily="34" charset="-120"/>
+            </a:endParaRPr>
+          </a:p>
+        </p:txBody>
+      </p:sp>
+    </p:spTree>
+    <p:extLst>
+      <p:ext uri="{BB962C8B-B14F-4D97-AF65-F5344CB8AC3E}">
+        <p14:creationId xmlns:p14="http://schemas.microsoft.com/office/powerpoint/2010/main" xmlns="" val="1904373315"/>
+      </p:ext>
+    </p:extLst>
+  </p:cSld>
+  <p:clrMapOvr>
+    <a:masterClrMapping/>
+  </p:clrMapOvr>
+</p:sld>
+</file>
+
+<file path=ppt/slides/slide28.xml><?xml version="1.0" encoding="utf-8"?>
+<p:sld xmlns:a="http://schemas.openxmlformats.org/drawingml/2006/main" xmlns:r="http://schemas.openxmlformats.org/officeDocument/2006/relationships" xmlns:p="http://schemas.openxmlformats.org/presentationml/2006/main">
+  <p:cSld>
+    <p:spTree>
+      <p:nvGrpSpPr>
+        <p:cNvPr id="1" name=""/>
+        <p:cNvGrpSpPr/>
+        <p:nvPr/>
+      </p:nvGrpSpPr>
+      <p:grpSpPr>
+        <a:xfrm>
+          <a:off x="0" y="0"/>
+          <a:ext cx="0" cy="0"/>
+          <a:chOff x="0" y="0"/>
+          <a:chExt cx="0" cy="0"/>
+        </a:xfrm>
+      </p:grpSpPr>
+      <p:sp>
+        <p:nvSpPr>
+          <p:cNvPr id="5" name="內容版面配置區 4"/>
+          <p:cNvSpPr>
+            <a:spLocks noGrp="1"/>
+          </p:cNvSpPr>
+          <p:nvPr>
+            <p:ph idx="1"/>
+          </p:nvPr>
+        </p:nvSpPr>
+        <p:spPr>
+          <a:xfrm>
+            <a:off x="0" y="2084851"/>
+            <a:ext cx="12192000" cy="2404863"/>
+          </a:xfrm>
+        </p:spPr>
+        <p:txBody>
+          <a:bodyPr anchor="ctr">
+            <a:normAutofit/>
+          </a:bodyPr>
+          <a:lstStyle/>
+          <a:p>
+            <a:pPr algn="ctr">
+              <a:buNone/>
+            </a:pPr>
+            <a:r>
+              <a:rPr lang="zh-TW" altLang="en-US" sz="6400" b="1" dirty="0">
+                <a:solidFill>
+                  <a:srgbClr val="660033"/>
+                </a:solidFill>
+                <a:latin typeface="微軟正黑體" pitchFamily="34" charset="-120"/>
+                <a:ea typeface="微軟正黑體" pitchFamily="34" charset="-120"/>
+              </a:rPr>
+              <a:t>一生一世腳步不離</a:t>
+            </a:r>
+          </a:p>
+        </p:txBody>
+      </p:sp>
+    </p:spTree>
+    <p:extLst>
+      <p:ext uri="{BB962C8B-B14F-4D97-AF65-F5344CB8AC3E}">
+        <p14:creationId xmlns:p14="http://schemas.microsoft.com/office/powerpoint/2010/main" xmlns="" val="3754729219"/>
+      </p:ext>
+    </p:extLst>
+  </p:cSld>
+  <p:clrMapOvr>
+    <a:masterClrMapping/>
+  </p:clrMapOvr>
+</p:sld>
+</file>
+
+<file path=ppt/slides/slide29.xml><?xml version="1.0" encoding="utf-8"?>
+<p:sld xmlns:a="http://schemas.openxmlformats.org/drawingml/2006/main" xmlns:r="http://schemas.openxmlformats.org/officeDocument/2006/relationships" xmlns:p="http://schemas.openxmlformats.org/presentationml/2006/main">
+  <p:cSld>
+    <p:spTree>
+      <p:nvGrpSpPr>
+        <p:cNvPr id="1" name=""/>
+        <p:cNvGrpSpPr/>
+        <p:nvPr/>
+      </p:nvGrpSpPr>
+      <p:grpSpPr>
+        <a:xfrm>
+          <a:off x="0" y="0"/>
+          <a:ext cx="0" cy="0"/>
+          <a:chOff x="0" y="0"/>
+          <a:chExt cx="0" cy="0"/>
+        </a:xfrm>
+      </p:grpSpPr>
+      <p:sp>
+        <p:nvSpPr>
+          <p:cNvPr id="5" name="內容版面配置區 4"/>
+          <p:cNvSpPr>
+            <a:spLocks noGrp="1"/>
+          </p:cNvSpPr>
+          <p:nvPr>
+            <p:ph idx="1"/>
+          </p:nvPr>
+        </p:nvSpPr>
+        <p:spPr>
+          <a:xfrm>
+            <a:off x="0" y="2084851"/>
+            <a:ext cx="12192000" cy="2404863"/>
+          </a:xfrm>
+        </p:spPr>
+        <p:txBody>
+          <a:bodyPr anchor="ctr">
+            <a:normAutofit/>
+          </a:bodyPr>
+          <a:lstStyle/>
+          <a:p>
+            <a:pPr algn="ctr">
+              <a:buNone/>
+            </a:pPr>
+            <a:r>
+              <a:rPr lang="zh-TW" altLang="en-US" sz="6400" b="1" dirty="0">
+                <a:solidFill>
+                  <a:srgbClr val="660033"/>
+                </a:solidFill>
+                <a:latin typeface="微軟正黑體" pitchFamily="34" charset="-120"/>
+                <a:ea typeface="微軟正黑體" pitchFamily="34" charset="-120"/>
+              </a:rPr>
+              <a:t>當讚美的旋律響起</a:t>
+            </a:r>
+            <a:endParaRPr lang="en-US" altLang="zh-TW" sz="6400" b="1" dirty="0">
+              <a:solidFill>
+                <a:srgbClr val="660033"/>
+              </a:solidFill>
+              <a:latin typeface="微軟正黑體" pitchFamily="34" charset="-120"/>
+              <a:ea typeface="微軟正黑體" pitchFamily="34" charset="-120"/>
+            </a:endParaRPr>
+          </a:p>
+          <a:p>
+            <a:pPr algn="ctr">
+              <a:buNone/>
+            </a:pPr>
+            <a:r>
+              <a:rPr lang="zh-TW" altLang="en-US" sz="6400" b="1" dirty="0">
+                <a:solidFill>
+                  <a:srgbClr val="660033"/>
+                </a:solidFill>
+                <a:latin typeface="微軟正黑體" pitchFamily="34" charset="-120"/>
+                <a:ea typeface="微軟正黑體" pitchFamily="34" charset="-120"/>
+              </a:rPr>
+              <a:t>我的心全然向</a:t>
+            </a:r>
+            <a:r>
+              <a:rPr lang="zh-CN" altLang="en-US" sz="6400" b="1" dirty="0">
+                <a:solidFill>
+                  <a:srgbClr val="660033"/>
+                </a:solidFill>
+                <a:latin typeface="微軟正黑體" pitchFamily="34" charset="-120"/>
+                <a:ea typeface="微軟正黑體" pitchFamily="34" charset="-120"/>
+              </a:rPr>
+              <a:t>袮</a:t>
+            </a:r>
+            <a:endParaRPr lang="en-US" altLang="zh-TW" sz="6400" b="1" dirty="0">
+              <a:solidFill>
+                <a:srgbClr val="660033"/>
+              </a:solidFill>
+              <a:latin typeface="微軟正黑體" pitchFamily="34" charset="-120"/>
+              <a:ea typeface="微軟正黑體" pitchFamily="34" charset="-120"/>
+            </a:endParaRPr>
+          </a:p>
+        </p:txBody>
+      </p:sp>
+    </p:spTree>
+    <p:extLst>
+      <p:ext uri="{BB962C8B-B14F-4D97-AF65-F5344CB8AC3E}">
+        <p14:creationId xmlns:p14="http://schemas.microsoft.com/office/powerpoint/2010/main" xmlns="" val="694606604"/>
       </p:ext>
     </p:extLst>
   </p:cSld>
@@ -3428,17 +5594,7 @@
                 <a:latin typeface="微軟正黑體" pitchFamily="34" charset="-120"/>
                 <a:ea typeface="微軟正黑體" pitchFamily="34" charset="-120"/>
               </a:rPr>
-              <a:t>不能明白為何擔此重</a:t>
-            </a:r>
-            <a:r>
-              <a:rPr lang="zh-TW" altLang="en-US" sz="6400" b="1" dirty="0">
-                <a:solidFill>
-                  <a:srgbClr val="000066"/>
-                </a:solidFill>
-                <a:latin typeface="微軟正黑體" pitchFamily="34" charset="-120"/>
-                <a:ea typeface="微軟正黑體" pitchFamily="34" charset="-120"/>
-              </a:rPr>
-              <a:t>擔</a:t>
+              <a:t>不能明白為何擔此重擔</a:t>
             </a:r>
             <a:endParaRPr lang="en-US" altLang="zh-TW" sz="6400" b="1" dirty="0">
               <a:solidFill>
@@ -3460,37 +5616,7 @@
                 <a:latin typeface="微軟正黑體" pitchFamily="34" charset="-120"/>
                 <a:ea typeface="微軟正黑體" pitchFamily="34" charset="-120"/>
               </a:rPr>
-              <a:t>但</a:t>
-            </a:r>
-            <a:r>
-              <a:rPr lang="zh-TW" altLang="en-US" sz="6400" b="1" dirty="0">
-                <a:solidFill>
-                  <a:srgbClr val="000066"/>
-                </a:solidFill>
-                <a:latin typeface="微軟正黑體" pitchFamily="34" charset="-120"/>
-                <a:ea typeface="微軟正黑體" pitchFamily="34" charset="-120"/>
-              </a:rPr>
-              <a:t>我始終相</a:t>
-            </a:r>
-            <a:r>
-              <a:rPr lang="zh-TW" altLang="en-US" sz="6400" b="1" dirty="0">
-                <a:solidFill>
-                  <a:srgbClr val="000066"/>
-                </a:solidFill>
-                <a:latin typeface="微軟正黑體" pitchFamily="34" charset="-120"/>
-                <a:ea typeface="微軟正黑體" pitchFamily="34" charset="-120"/>
-              </a:rPr>
-              <a:t>信  祢</a:t>
-            </a:r>
-            <a:r>
-              <a:rPr lang="zh-TW" altLang="en-US" sz="6400" b="1" dirty="0">
-                <a:solidFill>
-                  <a:srgbClr val="000066"/>
-                </a:solidFill>
-                <a:latin typeface="微軟正黑體" pitchFamily="34" charset="-120"/>
-                <a:ea typeface="微軟正黑體" pitchFamily="34" charset="-120"/>
-              </a:rPr>
-              <a:t>一直牽著我</a:t>
+              <a:t>但我始終相信  祢一直牽著我</a:t>
             </a:r>
             <a:endParaRPr lang="en-US" altLang="zh-TW" sz="6400" b="1" dirty="0">
               <a:solidFill>
@@ -3544,7 +5670,970 @@
     </p:spTree>
     <p:extLst>
       <p:ext uri="{BB962C8B-B14F-4D97-AF65-F5344CB8AC3E}">
-        <p14:creationId xmlns:p14="http://schemas.microsoft.com/office/powerpoint/2010/main" val="2357026626"/>
+        <p14:creationId xmlns:p14="http://schemas.microsoft.com/office/powerpoint/2010/main" xmlns="" val="2357026626"/>
+      </p:ext>
+    </p:extLst>
+  </p:cSld>
+  <p:clrMapOvr>
+    <a:masterClrMapping/>
+  </p:clrMapOvr>
+</p:sld>
+</file>
+
+<file path=ppt/slides/slide30.xml><?xml version="1.0" encoding="utf-8"?>
+<p:sld xmlns:a="http://schemas.openxmlformats.org/drawingml/2006/main" xmlns:r="http://schemas.openxmlformats.org/officeDocument/2006/relationships" xmlns:p="http://schemas.openxmlformats.org/presentationml/2006/main">
+  <p:cSld>
+    <p:spTree>
+      <p:nvGrpSpPr>
+        <p:cNvPr id="1" name=""/>
+        <p:cNvGrpSpPr/>
+        <p:nvPr/>
+      </p:nvGrpSpPr>
+      <p:grpSpPr>
+        <a:xfrm>
+          <a:off x="0" y="0"/>
+          <a:ext cx="0" cy="0"/>
+          <a:chOff x="0" y="0"/>
+          <a:chExt cx="0" cy="0"/>
+        </a:xfrm>
+      </p:grpSpPr>
+      <p:sp>
+        <p:nvSpPr>
+          <p:cNvPr id="5" name="內容版面配置區 4"/>
+          <p:cNvSpPr>
+            <a:spLocks noGrp="1"/>
+          </p:cNvSpPr>
+          <p:nvPr>
+            <p:ph idx="1"/>
+          </p:nvPr>
+        </p:nvSpPr>
+        <p:spPr>
+          <a:xfrm>
+            <a:off x="0" y="2084851"/>
+            <a:ext cx="12192000" cy="2404863"/>
+          </a:xfrm>
+        </p:spPr>
+        <p:txBody>
+          <a:bodyPr anchor="ctr">
+            <a:normAutofit/>
+          </a:bodyPr>
+          <a:lstStyle/>
+          <a:p>
+            <a:pPr algn="ctr">
+              <a:buNone/>
+            </a:pPr>
+            <a:r>
+              <a:rPr lang="zh-TW" altLang="en-US" sz="6400" b="1" dirty="0">
+                <a:solidFill>
+                  <a:srgbClr val="660033"/>
+                </a:solidFill>
+                <a:latin typeface="微軟正黑體" pitchFamily="34" charset="-120"/>
+                <a:ea typeface="微軟正黑體" pitchFamily="34" charset="-120"/>
+              </a:rPr>
+              <a:t>當聖靈的恩膏滿溢</a:t>
+            </a:r>
+            <a:endParaRPr lang="en-US" altLang="zh-TW" sz="6400" b="1" dirty="0">
+              <a:solidFill>
+                <a:srgbClr val="660033"/>
+              </a:solidFill>
+              <a:latin typeface="微軟正黑體" pitchFamily="34" charset="-120"/>
+              <a:ea typeface="微軟正黑體" pitchFamily="34" charset="-120"/>
+            </a:endParaRPr>
+          </a:p>
+          <a:p>
+            <a:pPr algn="ctr">
+              <a:buNone/>
+            </a:pPr>
+            <a:r>
+              <a:rPr lang="zh-TW" altLang="en-US" sz="6400" b="1" dirty="0">
+                <a:solidFill>
+                  <a:srgbClr val="660033"/>
+                </a:solidFill>
+                <a:latin typeface="微軟正黑體" pitchFamily="34" charset="-120"/>
+                <a:ea typeface="微軟正黑體" pitchFamily="34" charset="-120"/>
+              </a:rPr>
+              <a:t>我的靈不再封閉</a:t>
+            </a:r>
+          </a:p>
+        </p:txBody>
+      </p:sp>
+    </p:spTree>
+    <p:extLst>
+      <p:ext uri="{BB962C8B-B14F-4D97-AF65-F5344CB8AC3E}">
+        <p14:creationId xmlns:p14="http://schemas.microsoft.com/office/powerpoint/2010/main" xmlns="" val="3076104177"/>
+      </p:ext>
+    </p:extLst>
+  </p:cSld>
+  <p:clrMapOvr>
+    <a:masterClrMapping/>
+  </p:clrMapOvr>
+</p:sld>
+</file>
+
+<file path=ppt/slides/slide31.xml><?xml version="1.0" encoding="utf-8"?>
+<p:sld xmlns:a="http://schemas.openxmlformats.org/drawingml/2006/main" xmlns:r="http://schemas.openxmlformats.org/officeDocument/2006/relationships" xmlns:p="http://schemas.openxmlformats.org/presentationml/2006/main">
+  <p:cSld>
+    <p:spTree>
+      <p:nvGrpSpPr>
+        <p:cNvPr id="1" name=""/>
+        <p:cNvGrpSpPr/>
+        <p:nvPr/>
+      </p:nvGrpSpPr>
+      <p:grpSpPr>
+        <a:xfrm>
+          <a:off x="0" y="0"/>
+          <a:ext cx="0" cy="0"/>
+          <a:chOff x="0" y="0"/>
+          <a:chExt cx="0" cy="0"/>
+        </a:xfrm>
+      </p:grpSpPr>
+      <p:sp>
+        <p:nvSpPr>
+          <p:cNvPr id="5" name="內容版面配置區 4"/>
+          <p:cNvSpPr>
+            <a:spLocks noGrp="1"/>
+          </p:cNvSpPr>
+          <p:nvPr>
+            <p:ph idx="1"/>
+          </p:nvPr>
+        </p:nvSpPr>
+        <p:spPr>
+          <a:xfrm>
+            <a:off x="0" y="2084851"/>
+            <a:ext cx="12192000" cy="2404863"/>
+          </a:xfrm>
+        </p:spPr>
+        <p:txBody>
+          <a:bodyPr anchor="ctr">
+            <a:normAutofit/>
+          </a:bodyPr>
+          <a:lstStyle/>
+          <a:p>
+            <a:pPr algn="ctr">
+              <a:buNone/>
+            </a:pPr>
+            <a:r>
+              <a:rPr lang="zh-TW" altLang="en-US" sz="6400" b="1" dirty="0">
+                <a:solidFill>
+                  <a:srgbClr val="660033"/>
+                </a:solidFill>
+                <a:latin typeface="微軟正黑體" pitchFamily="34" charset="-120"/>
+                <a:ea typeface="微軟正黑體" pitchFamily="34" charset="-120"/>
+              </a:rPr>
+              <a:t>讚美的輕泉如春雨沐浴</a:t>
+            </a:r>
+            <a:endParaRPr lang="en-US" altLang="zh-TW" sz="6400" b="1" dirty="0">
+              <a:solidFill>
+                <a:srgbClr val="660033"/>
+              </a:solidFill>
+              <a:latin typeface="微軟正黑體" pitchFamily="34" charset="-120"/>
+              <a:ea typeface="微軟正黑體" pitchFamily="34" charset="-120"/>
+            </a:endParaRPr>
+          </a:p>
+          <a:p>
+            <a:pPr algn="ctr">
+              <a:buNone/>
+            </a:pPr>
+            <a:r>
+              <a:rPr lang="zh-TW" altLang="en-US" sz="6400" b="1" dirty="0">
+                <a:solidFill>
+                  <a:srgbClr val="660033"/>
+                </a:solidFill>
+                <a:latin typeface="微軟正黑體" pitchFamily="34" charset="-120"/>
+                <a:ea typeface="微軟正黑體" pitchFamily="34" charset="-120"/>
+              </a:rPr>
+              <a:t>我心中的喜樂川流不息</a:t>
+            </a:r>
+            <a:endParaRPr lang="en-US" altLang="zh-TW" sz="6400" b="1" dirty="0">
+              <a:solidFill>
+                <a:srgbClr val="660033"/>
+              </a:solidFill>
+              <a:latin typeface="微軟正黑體" pitchFamily="34" charset="-120"/>
+              <a:ea typeface="微軟正黑體" pitchFamily="34" charset="-120"/>
+            </a:endParaRPr>
+          </a:p>
+        </p:txBody>
+      </p:sp>
+    </p:spTree>
+    <p:extLst>
+      <p:ext uri="{BB962C8B-B14F-4D97-AF65-F5344CB8AC3E}">
+        <p14:creationId xmlns:p14="http://schemas.microsoft.com/office/powerpoint/2010/main" xmlns="" val="1819252444"/>
+      </p:ext>
+    </p:extLst>
+  </p:cSld>
+  <p:clrMapOvr>
+    <a:masterClrMapping/>
+  </p:clrMapOvr>
+</p:sld>
+</file>
+
+<file path=ppt/slides/slide32.xml><?xml version="1.0" encoding="utf-8"?>
+<p:sld xmlns:a="http://schemas.openxmlformats.org/drawingml/2006/main" xmlns:r="http://schemas.openxmlformats.org/officeDocument/2006/relationships" xmlns:p="http://schemas.openxmlformats.org/presentationml/2006/main">
+  <p:cSld>
+    <p:spTree>
+      <p:nvGrpSpPr>
+        <p:cNvPr id="1" name=""/>
+        <p:cNvGrpSpPr/>
+        <p:nvPr/>
+      </p:nvGrpSpPr>
+      <p:grpSpPr>
+        <a:xfrm>
+          <a:off x="0" y="0"/>
+          <a:ext cx="0" cy="0"/>
+          <a:chOff x="0" y="0"/>
+          <a:chExt cx="0" cy="0"/>
+        </a:xfrm>
+      </p:grpSpPr>
+      <p:sp>
+        <p:nvSpPr>
+          <p:cNvPr id="5" name="內容版面配置區 4"/>
+          <p:cNvSpPr>
+            <a:spLocks noGrp="1"/>
+          </p:cNvSpPr>
+          <p:nvPr>
+            <p:ph idx="1"/>
+          </p:nvPr>
+        </p:nvSpPr>
+        <p:spPr>
+          <a:xfrm>
+            <a:off x="0" y="2084851"/>
+            <a:ext cx="12192000" cy="2404863"/>
+          </a:xfrm>
+        </p:spPr>
+        <p:txBody>
+          <a:bodyPr anchor="ctr">
+            <a:normAutofit/>
+          </a:bodyPr>
+          <a:lstStyle/>
+          <a:p>
+            <a:pPr algn="ctr">
+              <a:buNone/>
+            </a:pPr>
+            <a:r>
+              <a:rPr lang="zh-TW" altLang="en-US" sz="6400" b="1" dirty="0">
+                <a:solidFill>
+                  <a:srgbClr val="660033"/>
+                </a:solidFill>
+                <a:latin typeface="微軟正黑體" pitchFamily="34" charset="-120"/>
+                <a:ea typeface="微軟正黑體" pitchFamily="34" charset="-120"/>
+              </a:rPr>
+              <a:t>讚美的音符如雪花飄逸</a:t>
+            </a:r>
+            <a:endParaRPr lang="en-US" altLang="zh-TW" sz="6400" b="1" dirty="0">
+              <a:solidFill>
+                <a:srgbClr val="660033"/>
+              </a:solidFill>
+              <a:latin typeface="微軟正黑體" pitchFamily="34" charset="-120"/>
+              <a:ea typeface="微軟正黑體" pitchFamily="34" charset="-120"/>
+            </a:endParaRPr>
+          </a:p>
+          <a:p>
+            <a:pPr algn="ctr">
+              <a:buNone/>
+            </a:pPr>
+            <a:r>
+              <a:rPr lang="zh-TW" altLang="en-US" sz="6400" b="1" dirty="0">
+                <a:solidFill>
+                  <a:srgbClr val="660033"/>
+                </a:solidFill>
+                <a:latin typeface="微軟正黑體" pitchFamily="34" charset="-120"/>
+                <a:ea typeface="微軟正黑體" pitchFamily="34" charset="-120"/>
+              </a:rPr>
+              <a:t>心中的暖流冉冉升起</a:t>
+            </a:r>
+          </a:p>
+        </p:txBody>
+      </p:sp>
+    </p:spTree>
+    <p:extLst>
+      <p:ext uri="{BB962C8B-B14F-4D97-AF65-F5344CB8AC3E}">
+        <p14:creationId xmlns:p14="http://schemas.microsoft.com/office/powerpoint/2010/main" xmlns="" val="1634962483"/>
+      </p:ext>
+    </p:extLst>
+  </p:cSld>
+  <p:clrMapOvr>
+    <a:masterClrMapping/>
+  </p:clrMapOvr>
+</p:sld>
+</file>
+
+<file path=ppt/slides/slide33.xml><?xml version="1.0" encoding="utf-8"?>
+<p:sld xmlns:a="http://schemas.openxmlformats.org/drawingml/2006/main" xmlns:r="http://schemas.openxmlformats.org/officeDocument/2006/relationships" xmlns:p="http://schemas.openxmlformats.org/presentationml/2006/main">
+  <p:cSld>
+    <p:spTree>
+      <p:nvGrpSpPr>
+        <p:cNvPr id="1" name=""/>
+        <p:cNvGrpSpPr/>
+        <p:nvPr/>
+      </p:nvGrpSpPr>
+      <p:grpSpPr>
+        <a:xfrm>
+          <a:off x="0" y="0"/>
+          <a:ext cx="0" cy="0"/>
+          <a:chOff x="0" y="0"/>
+          <a:chExt cx="0" cy="0"/>
+        </a:xfrm>
+      </p:grpSpPr>
+      <p:sp>
+        <p:nvSpPr>
+          <p:cNvPr id="5" name="內容版面配置區 4"/>
+          <p:cNvSpPr>
+            <a:spLocks noGrp="1"/>
+          </p:cNvSpPr>
+          <p:nvPr>
+            <p:ph idx="1"/>
+          </p:nvPr>
+        </p:nvSpPr>
+        <p:spPr>
+          <a:xfrm>
+            <a:off x="0" y="2084851"/>
+            <a:ext cx="12192000" cy="2404863"/>
+          </a:xfrm>
+        </p:spPr>
+        <p:txBody>
+          <a:bodyPr anchor="ctr">
+            <a:normAutofit/>
+          </a:bodyPr>
+          <a:lstStyle/>
+          <a:p>
+            <a:pPr algn="ctr">
+              <a:buNone/>
+            </a:pPr>
+            <a:r>
+              <a:rPr lang="zh-TW" altLang="en-US" sz="6400" b="1" dirty="0">
+                <a:solidFill>
+                  <a:srgbClr val="660033"/>
+                </a:solidFill>
+                <a:latin typeface="微軟正黑體" pitchFamily="34" charset="-120"/>
+                <a:ea typeface="微軟正黑體" pitchFamily="34" charset="-120"/>
+              </a:rPr>
+              <a:t>我要開口向</a:t>
+            </a:r>
+            <a:r>
+              <a:rPr lang="zh-CN" altLang="en-US" sz="6400" b="1" dirty="0">
+                <a:solidFill>
+                  <a:srgbClr val="660033"/>
+                </a:solidFill>
+                <a:latin typeface="微軟正黑體" pitchFamily="34" charset="-120"/>
+                <a:ea typeface="微軟正黑體" pitchFamily="34" charset="-120"/>
+              </a:rPr>
+              <a:t>袮</a:t>
+            </a:r>
+            <a:r>
+              <a:rPr lang="zh-TW" altLang="en-US" sz="6400" b="1" dirty="0">
+                <a:solidFill>
+                  <a:srgbClr val="660033"/>
+                </a:solidFill>
+                <a:latin typeface="微軟正黑體" pitchFamily="34" charset="-120"/>
+                <a:ea typeface="微軟正黑體" pitchFamily="34" charset="-120"/>
+              </a:rPr>
+              <a:t>讚美稱謝</a:t>
+            </a:r>
+            <a:endParaRPr lang="en-US" altLang="zh-TW" sz="6400" b="1" dirty="0">
+              <a:solidFill>
+                <a:srgbClr val="660033"/>
+              </a:solidFill>
+              <a:latin typeface="微軟正黑體" pitchFamily="34" charset="-120"/>
+              <a:ea typeface="微軟正黑體" pitchFamily="34" charset="-120"/>
+            </a:endParaRPr>
+          </a:p>
+          <a:p>
+            <a:pPr algn="ctr">
+              <a:buNone/>
+            </a:pPr>
+            <a:r>
+              <a:rPr lang="zh-TW" altLang="en-US" sz="6400" b="1" dirty="0">
+                <a:solidFill>
+                  <a:srgbClr val="660033"/>
+                </a:solidFill>
+                <a:latin typeface="微軟正黑體" pitchFamily="34" charset="-120"/>
+                <a:ea typeface="微軟正黑體" pitchFamily="34" charset="-120"/>
+              </a:rPr>
+              <a:t>永永遠遠讚美不停</a:t>
+            </a:r>
+            <a:endParaRPr lang="en-US" altLang="zh-TW" sz="6400" b="1" dirty="0">
+              <a:solidFill>
+                <a:srgbClr val="660033"/>
+              </a:solidFill>
+              <a:latin typeface="微軟正黑體" pitchFamily="34" charset="-120"/>
+              <a:ea typeface="微軟正黑體" pitchFamily="34" charset="-120"/>
+            </a:endParaRPr>
+          </a:p>
+        </p:txBody>
+      </p:sp>
+    </p:spTree>
+    <p:extLst>
+      <p:ext uri="{BB962C8B-B14F-4D97-AF65-F5344CB8AC3E}">
+        <p14:creationId xmlns:p14="http://schemas.microsoft.com/office/powerpoint/2010/main" xmlns="" val="468560495"/>
+      </p:ext>
+    </p:extLst>
+  </p:cSld>
+  <p:clrMapOvr>
+    <a:masterClrMapping/>
+  </p:clrMapOvr>
+</p:sld>
+</file>
+
+<file path=ppt/slides/slide34.xml><?xml version="1.0" encoding="utf-8"?>
+<p:sld xmlns:a="http://schemas.openxmlformats.org/drawingml/2006/main" xmlns:r="http://schemas.openxmlformats.org/officeDocument/2006/relationships" xmlns:p="http://schemas.openxmlformats.org/presentationml/2006/main">
+  <p:cSld>
+    <p:spTree>
+      <p:nvGrpSpPr>
+        <p:cNvPr id="1" name=""/>
+        <p:cNvGrpSpPr/>
+        <p:nvPr/>
+      </p:nvGrpSpPr>
+      <p:grpSpPr>
+        <a:xfrm>
+          <a:off x="0" y="0"/>
+          <a:ext cx="0" cy="0"/>
+          <a:chOff x="0" y="0"/>
+          <a:chExt cx="0" cy="0"/>
+        </a:xfrm>
+      </p:grpSpPr>
+      <p:sp>
+        <p:nvSpPr>
+          <p:cNvPr id="5" name="內容版面配置區 4"/>
+          <p:cNvSpPr>
+            <a:spLocks noGrp="1"/>
+          </p:cNvSpPr>
+          <p:nvPr>
+            <p:ph idx="1"/>
+          </p:nvPr>
+        </p:nvSpPr>
+        <p:spPr>
+          <a:xfrm>
+            <a:off x="0" y="2084851"/>
+            <a:ext cx="12192000" cy="2404863"/>
+          </a:xfrm>
+        </p:spPr>
+        <p:txBody>
+          <a:bodyPr anchor="ctr">
+            <a:normAutofit/>
+          </a:bodyPr>
+          <a:lstStyle/>
+          <a:p>
+            <a:pPr algn="ctr">
+              <a:buNone/>
+            </a:pPr>
+            <a:r>
+              <a:rPr lang="zh-TW" altLang="en-US" sz="6400" b="1" dirty="0">
+                <a:solidFill>
+                  <a:srgbClr val="660033"/>
+                </a:solidFill>
+                <a:latin typeface="微軟正黑體" pitchFamily="34" charset="-120"/>
+                <a:ea typeface="微軟正黑體" pitchFamily="34" charset="-120"/>
+              </a:rPr>
+              <a:t>永永遠遠稱謝不已</a:t>
+            </a:r>
+            <a:endParaRPr lang="en-US" altLang="zh-TW" sz="6400" b="1" dirty="0">
+              <a:solidFill>
+                <a:srgbClr val="660033"/>
+              </a:solidFill>
+              <a:latin typeface="微軟正黑體" pitchFamily="34" charset="-120"/>
+              <a:ea typeface="微軟正黑體" pitchFamily="34" charset="-120"/>
+            </a:endParaRPr>
+          </a:p>
+        </p:txBody>
+      </p:sp>
+    </p:spTree>
+    <p:extLst>
+      <p:ext uri="{BB962C8B-B14F-4D97-AF65-F5344CB8AC3E}">
+        <p14:creationId xmlns:p14="http://schemas.microsoft.com/office/powerpoint/2010/main" xmlns="" val="3640351330"/>
+      </p:ext>
+    </p:extLst>
+  </p:cSld>
+  <p:clrMapOvr>
+    <a:masterClrMapping/>
+  </p:clrMapOvr>
+</p:sld>
+</file>
+
+<file path=ppt/slides/slide35.xml><?xml version="1.0" encoding="utf-8"?>
+<p:sld xmlns:a="http://schemas.openxmlformats.org/drawingml/2006/main" xmlns:r="http://schemas.openxmlformats.org/officeDocument/2006/relationships" xmlns:p="http://schemas.openxmlformats.org/presentationml/2006/main">
+  <p:cSld>
+    <p:spTree>
+      <p:nvGrpSpPr>
+        <p:cNvPr id="1" name=""/>
+        <p:cNvGrpSpPr/>
+        <p:nvPr/>
+      </p:nvGrpSpPr>
+      <p:grpSpPr>
+        <a:xfrm>
+          <a:off x="0" y="0"/>
+          <a:ext cx="0" cy="0"/>
+          <a:chOff x="0" y="0"/>
+          <a:chExt cx="0" cy="0"/>
+        </a:xfrm>
+      </p:grpSpPr>
+      <p:sp>
+        <p:nvSpPr>
+          <p:cNvPr id="5" name="內容版面配置區 4"/>
+          <p:cNvSpPr>
+            <a:spLocks noGrp="1"/>
+          </p:cNvSpPr>
+          <p:nvPr>
+            <p:ph idx="1"/>
+          </p:nvPr>
+        </p:nvSpPr>
+        <p:spPr>
+          <a:xfrm>
+            <a:off x="0" y="2084851"/>
+            <a:ext cx="12192000" cy="2404863"/>
+          </a:xfrm>
+        </p:spPr>
+        <p:txBody>
+          <a:bodyPr anchor="ctr">
+            <a:normAutofit/>
+          </a:bodyPr>
+          <a:lstStyle/>
+          <a:p>
+            <a:pPr algn="ctr">
+              <a:buNone/>
+            </a:pPr>
+            <a:r>
+              <a:rPr lang="zh-TW" altLang="en-US" sz="6400" b="1" dirty="0">
+                <a:solidFill>
+                  <a:srgbClr val="660033"/>
+                </a:solidFill>
+                <a:latin typeface="微軟正黑體" pitchFamily="34" charset="-120"/>
+                <a:ea typeface="微軟正黑體" pitchFamily="34" charset="-120"/>
+              </a:rPr>
+              <a:t>我要欣然向</a:t>
+            </a:r>
+            <a:r>
+              <a:rPr lang="zh-CN" altLang="en-US" sz="6400" b="1" dirty="0">
+                <a:solidFill>
+                  <a:srgbClr val="660033"/>
+                </a:solidFill>
+                <a:latin typeface="微軟正黑體" pitchFamily="34" charset="-120"/>
+                <a:ea typeface="微軟正黑體" pitchFamily="34" charset="-120"/>
+              </a:rPr>
+              <a:t>袮</a:t>
+            </a:r>
+            <a:r>
+              <a:rPr lang="zh-TW" altLang="en-US" sz="6400" b="1" dirty="0">
+                <a:solidFill>
+                  <a:srgbClr val="660033"/>
+                </a:solidFill>
+                <a:latin typeface="微軟正黑體" pitchFamily="34" charset="-120"/>
+                <a:ea typeface="微軟正黑體" pitchFamily="34" charset="-120"/>
+              </a:rPr>
+              <a:t>獻上自己</a:t>
+            </a:r>
+            <a:endParaRPr lang="en-US" altLang="zh-TW" sz="6400" b="1" dirty="0">
+              <a:solidFill>
+                <a:srgbClr val="660033"/>
+              </a:solidFill>
+              <a:latin typeface="微軟正黑體" pitchFamily="34" charset="-120"/>
+              <a:ea typeface="微軟正黑體" pitchFamily="34" charset="-120"/>
+            </a:endParaRPr>
+          </a:p>
+          <a:p>
+            <a:pPr algn="ctr">
+              <a:buNone/>
+            </a:pPr>
+            <a:r>
+              <a:rPr lang="zh-TW" altLang="en-US" sz="6400" b="1" dirty="0">
+                <a:solidFill>
+                  <a:srgbClr val="660033"/>
+                </a:solidFill>
+                <a:latin typeface="微軟正黑體" pitchFamily="34" charset="-120"/>
+                <a:ea typeface="微軟正黑體" pitchFamily="34" charset="-120"/>
+              </a:rPr>
+              <a:t>一生一世獻上自己</a:t>
+            </a:r>
+            <a:endParaRPr lang="en-US" altLang="zh-TW" sz="6400" b="1" dirty="0">
+              <a:solidFill>
+                <a:srgbClr val="660033"/>
+              </a:solidFill>
+              <a:latin typeface="微軟正黑體" pitchFamily="34" charset="-120"/>
+              <a:ea typeface="微軟正黑體" pitchFamily="34" charset="-120"/>
+            </a:endParaRPr>
+          </a:p>
+        </p:txBody>
+      </p:sp>
+    </p:spTree>
+    <p:extLst>
+      <p:ext uri="{BB962C8B-B14F-4D97-AF65-F5344CB8AC3E}">
+        <p14:creationId xmlns:p14="http://schemas.microsoft.com/office/powerpoint/2010/main" xmlns="" val="1904373315"/>
+      </p:ext>
+    </p:extLst>
+  </p:cSld>
+  <p:clrMapOvr>
+    <a:masterClrMapping/>
+  </p:clrMapOvr>
+</p:sld>
+</file>
+
+<file path=ppt/slides/slide36.xml><?xml version="1.0" encoding="utf-8"?>
+<p:sld xmlns:a="http://schemas.openxmlformats.org/drawingml/2006/main" xmlns:r="http://schemas.openxmlformats.org/officeDocument/2006/relationships" xmlns:p="http://schemas.openxmlformats.org/presentationml/2006/main">
+  <p:cSld>
+    <p:spTree>
+      <p:nvGrpSpPr>
+        <p:cNvPr id="1" name=""/>
+        <p:cNvGrpSpPr/>
+        <p:nvPr/>
+      </p:nvGrpSpPr>
+      <p:grpSpPr>
+        <a:xfrm>
+          <a:off x="0" y="0"/>
+          <a:ext cx="0" cy="0"/>
+          <a:chOff x="0" y="0"/>
+          <a:chExt cx="0" cy="0"/>
+        </a:xfrm>
+      </p:grpSpPr>
+      <p:sp>
+        <p:nvSpPr>
+          <p:cNvPr id="5" name="內容版面配置區 4"/>
+          <p:cNvSpPr>
+            <a:spLocks noGrp="1"/>
+          </p:cNvSpPr>
+          <p:nvPr>
+            <p:ph idx="1"/>
+          </p:nvPr>
+        </p:nvSpPr>
+        <p:spPr>
+          <a:xfrm>
+            <a:off x="0" y="2084851"/>
+            <a:ext cx="12192000" cy="2404863"/>
+          </a:xfrm>
+        </p:spPr>
+        <p:txBody>
+          <a:bodyPr anchor="ctr">
+            <a:normAutofit/>
+          </a:bodyPr>
+          <a:lstStyle/>
+          <a:p>
+            <a:pPr algn="ctr">
+              <a:buNone/>
+            </a:pPr>
+            <a:r>
+              <a:rPr lang="zh-TW" altLang="en-US" sz="6400" b="1" dirty="0">
+                <a:solidFill>
+                  <a:srgbClr val="660033"/>
+                </a:solidFill>
+                <a:latin typeface="微軟正黑體" pitchFamily="34" charset="-120"/>
+                <a:ea typeface="微軟正黑體" pitchFamily="34" charset="-120"/>
+              </a:rPr>
+              <a:t>一生一世腳步不離</a:t>
+            </a:r>
+          </a:p>
+        </p:txBody>
+      </p:sp>
+    </p:spTree>
+    <p:extLst>
+      <p:ext uri="{BB962C8B-B14F-4D97-AF65-F5344CB8AC3E}">
+        <p14:creationId xmlns:p14="http://schemas.microsoft.com/office/powerpoint/2010/main" xmlns="" val="3754729219"/>
+      </p:ext>
+    </p:extLst>
+  </p:cSld>
+  <p:clrMapOvr>
+    <a:masterClrMapping/>
+  </p:clrMapOvr>
+</p:sld>
+</file>
+
+<file path=ppt/slides/slide37.xml><?xml version="1.0" encoding="utf-8"?>
+<p:sld xmlns:a="http://schemas.openxmlformats.org/drawingml/2006/main" xmlns:r="http://schemas.openxmlformats.org/officeDocument/2006/relationships" xmlns:p="http://schemas.openxmlformats.org/presentationml/2006/main">
+  <p:cSld>
+    <p:spTree>
+      <p:nvGrpSpPr>
+        <p:cNvPr id="1" name=""/>
+        <p:cNvGrpSpPr/>
+        <p:nvPr/>
+      </p:nvGrpSpPr>
+      <p:grpSpPr>
+        <a:xfrm>
+          <a:off x="0" y="0"/>
+          <a:ext cx="0" cy="0"/>
+          <a:chOff x="0" y="0"/>
+          <a:chExt cx="0" cy="0"/>
+        </a:xfrm>
+      </p:grpSpPr>
+      <p:sp>
+        <p:nvSpPr>
+          <p:cNvPr id="5" name="內容版面配置區 4"/>
+          <p:cNvSpPr>
+            <a:spLocks noGrp="1"/>
+          </p:cNvSpPr>
+          <p:nvPr>
+            <p:ph idx="1"/>
+          </p:nvPr>
+        </p:nvSpPr>
+        <p:spPr>
+          <a:xfrm>
+            <a:off x="0" y="2084851"/>
+            <a:ext cx="12192000" cy="2404863"/>
+          </a:xfrm>
+        </p:spPr>
+        <p:txBody>
+          <a:bodyPr anchor="ctr">
+            <a:normAutofit/>
+          </a:bodyPr>
+          <a:lstStyle/>
+          <a:p>
+            <a:pPr algn="ctr">
+              <a:buNone/>
+            </a:pPr>
+            <a:r>
+              <a:rPr lang="zh-TW" altLang="en-US" sz="6400" b="1" dirty="0">
+                <a:solidFill>
+                  <a:srgbClr val="660033"/>
+                </a:solidFill>
+                <a:latin typeface="微軟正黑體" pitchFamily="34" charset="-120"/>
+                <a:ea typeface="微軟正黑體" pitchFamily="34" charset="-120"/>
+              </a:rPr>
+              <a:t>我要開口向</a:t>
+            </a:r>
+            <a:r>
+              <a:rPr lang="zh-CN" altLang="en-US" sz="6400" b="1" dirty="0">
+                <a:solidFill>
+                  <a:srgbClr val="660033"/>
+                </a:solidFill>
+                <a:latin typeface="微軟正黑體" pitchFamily="34" charset="-120"/>
+                <a:ea typeface="微軟正黑體" pitchFamily="34" charset="-120"/>
+              </a:rPr>
+              <a:t>袮</a:t>
+            </a:r>
+            <a:r>
+              <a:rPr lang="zh-TW" altLang="en-US" sz="6400" b="1" dirty="0">
+                <a:solidFill>
+                  <a:srgbClr val="660033"/>
+                </a:solidFill>
+                <a:latin typeface="微軟正黑體" pitchFamily="34" charset="-120"/>
+                <a:ea typeface="微軟正黑體" pitchFamily="34" charset="-120"/>
+              </a:rPr>
+              <a:t>讚美稱謝</a:t>
+            </a:r>
+            <a:endParaRPr lang="en-US" altLang="zh-TW" sz="6400" b="1" dirty="0">
+              <a:solidFill>
+                <a:srgbClr val="660033"/>
+              </a:solidFill>
+              <a:latin typeface="微軟正黑體" pitchFamily="34" charset="-120"/>
+              <a:ea typeface="微軟正黑體" pitchFamily="34" charset="-120"/>
+            </a:endParaRPr>
+          </a:p>
+          <a:p>
+            <a:pPr algn="ctr">
+              <a:buNone/>
+            </a:pPr>
+            <a:r>
+              <a:rPr lang="zh-TW" altLang="en-US" sz="6400" b="1" dirty="0">
+                <a:solidFill>
+                  <a:srgbClr val="660033"/>
+                </a:solidFill>
+                <a:latin typeface="微軟正黑體" pitchFamily="34" charset="-120"/>
+                <a:ea typeface="微軟正黑體" pitchFamily="34" charset="-120"/>
+              </a:rPr>
+              <a:t>永永遠遠讚美不停</a:t>
+            </a:r>
+            <a:endParaRPr lang="en-US" altLang="zh-TW" sz="6400" b="1" dirty="0">
+              <a:solidFill>
+                <a:srgbClr val="660033"/>
+              </a:solidFill>
+              <a:latin typeface="微軟正黑體" pitchFamily="34" charset="-120"/>
+              <a:ea typeface="微軟正黑體" pitchFamily="34" charset="-120"/>
+            </a:endParaRPr>
+          </a:p>
+        </p:txBody>
+      </p:sp>
+    </p:spTree>
+    <p:extLst>
+      <p:ext uri="{BB962C8B-B14F-4D97-AF65-F5344CB8AC3E}">
+        <p14:creationId xmlns:p14="http://schemas.microsoft.com/office/powerpoint/2010/main" xmlns="" val="468560495"/>
+      </p:ext>
+    </p:extLst>
+  </p:cSld>
+  <p:clrMapOvr>
+    <a:masterClrMapping/>
+  </p:clrMapOvr>
+</p:sld>
+</file>
+
+<file path=ppt/slides/slide38.xml><?xml version="1.0" encoding="utf-8"?>
+<p:sld xmlns:a="http://schemas.openxmlformats.org/drawingml/2006/main" xmlns:r="http://schemas.openxmlformats.org/officeDocument/2006/relationships" xmlns:p="http://schemas.openxmlformats.org/presentationml/2006/main">
+  <p:cSld>
+    <p:spTree>
+      <p:nvGrpSpPr>
+        <p:cNvPr id="1" name=""/>
+        <p:cNvGrpSpPr/>
+        <p:nvPr/>
+      </p:nvGrpSpPr>
+      <p:grpSpPr>
+        <a:xfrm>
+          <a:off x="0" y="0"/>
+          <a:ext cx="0" cy="0"/>
+          <a:chOff x="0" y="0"/>
+          <a:chExt cx="0" cy="0"/>
+        </a:xfrm>
+      </p:grpSpPr>
+      <p:sp>
+        <p:nvSpPr>
+          <p:cNvPr id="5" name="內容版面配置區 4"/>
+          <p:cNvSpPr>
+            <a:spLocks noGrp="1"/>
+          </p:cNvSpPr>
+          <p:nvPr>
+            <p:ph idx="1"/>
+          </p:nvPr>
+        </p:nvSpPr>
+        <p:spPr>
+          <a:xfrm>
+            <a:off x="0" y="2084851"/>
+            <a:ext cx="12192000" cy="2404863"/>
+          </a:xfrm>
+        </p:spPr>
+        <p:txBody>
+          <a:bodyPr anchor="ctr">
+            <a:normAutofit/>
+          </a:bodyPr>
+          <a:lstStyle/>
+          <a:p>
+            <a:pPr algn="ctr">
+              <a:buNone/>
+            </a:pPr>
+            <a:r>
+              <a:rPr lang="zh-TW" altLang="en-US" sz="6400" b="1" dirty="0">
+                <a:solidFill>
+                  <a:srgbClr val="660033"/>
+                </a:solidFill>
+                <a:latin typeface="微軟正黑體" pitchFamily="34" charset="-120"/>
+                <a:ea typeface="微軟正黑體" pitchFamily="34" charset="-120"/>
+              </a:rPr>
+              <a:t>永永遠遠稱謝不已</a:t>
+            </a:r>
+            <a:endParaRPr lang="en-US" altLang="zh-TW" sz="6400" b="1" dirty="0">
+              <a:solidFill>
+                <a:srgbClr val="660033"/>
+              </a:solidFill>
+              <a:latin typeface="微軟正黑體" pitchFamily="34" charset="-120"/>
+              <a:ea typeface="微軟正黑體" pitchFamily="34" charset="-120"/>
+            </a:endParaRPr>
+          </a:p>
+        </p:txBody>
+      </p:sp>
+    </p:spTree>
+    <p:extLst>
+      <p:ext uri="{BB962C8B-B14F-4D97-AF65-F5344CB8AC3E}">
+        <p14:creationId xmlns:p14="http://schemas.microsoft.com/office/powerpoint/2010/main" xmlns="" val="3640351330"/>
+      </p:ext>
+    </p:extLst>
+  </p:cSld>
+  <p:clrMapOvr>
+    <a:masterClrMapping/>
+  </p:clrMapOvr>
+</p:sld>
+</file>
+
+<file path=ppt/slides/slide39.xml><?xml version="1.0" encoding="utf-8"?>
+<p:sld xmlns:a="http://schemas.openxmlformats.org/drawingml/2006/main" xmlns:r="http://schemas.openxmlformats.org/officeDocument/2006/relationships" xmlns:p="http://schemas.openxmlformats.org/presentationml/2006/main">
+  <p:cSld>
+    <p:spTree>
+      <p:nvGrpSpPr>
+        <p:cNvPr id="1" name=""/>
+        <p:cNvGrpSpPr/>
+        <p:nvPr/>
+      </p:nvGrpSpPr>
+      <p:grpSpPr>
+        <a:xfrm>
+          <a:off x="0" y="0"/>
+          <a:ext cx="0" cy="0"/>
+          <a:chOff x="0" y="0"/>
+          <a:chExt cx="0" cy="0"/>
+        </a:xfrm>
+      </p:grpSpPr>
+      <p:sp>
+        <p:nvSpPr>
+          <p:cNvPr id="5" name="內容版面配置區 4"/>
+          <p:cNvSpPr>
+            <a:spLocks noGrp="1"/>
+          </p:cNvSpPr>
+          <p:nvPr>
+            <p:ph idx="1"/>
+          </p:nvPr>
+        </p:nvSpPr>
+        <p:spPr>
+          <a:xfrm>
+            <a:off x="0" y="2084851"/>
+            <a:ext cx="12192000" cy="2404863"/>
+          </a:xfrm>
+        </p:spPr>
+        <p:txBody>
+          <a:bodyPr anchor="ctr">
+            <a:normAutofit/>
+          </a:bodyPr>
+          <a:lstStyle/>
+          <a:p>
+            <a:pPr algn="ctr">
+              <a:buNone/>
+            </a:pPr>
+            <a:r>
+              <a:rPr lang="zh-TW" altLang="en-US" sz="6400" b="1" dirty="0">
+                <a:solidFill>
+                  <a:srgbClr val="660033"/>
+                </a:solidFill>
+                <a:latin typeface="微軟正黑體" pitchFamily="34" charset="-120"/>
+                <a:ea typeface="微軟正黑體" pitchFamily="34" charset="-120"/>
+              </a:rPr>
+              <a:t>我要欣然向</a:t>
+            </a:r>
+            <a:r>
+              <a:rPr lang="zh-CN" altLang="en-US" sz="6400" b="1" dirty="0">
+                <a:solidFill>
+                  <a:srgbClr val="660033"/>
+                </a:solidFill>
+                <a:latin typeface="微軟正黑體" pitchFamily="34" charset="-120"/>
+                <a:ea typeface="微軟正黑體" pitchFamily="34" charset="-120"/>
+              </a:rPr>
+              <a:t>袮</a:t>
+            </a:r>
+            <a:r>
+              <a:rPr lang="zh-TW" altLang="en-US" sz="6400" b="1" dirty="0">
+                <a:solidFill>
+                  <a:srgbClr val="660033"/>
+                </a:solidFill>
+                <a:latin typeface="微軟正黑體" pitchFamily="34" charset="-120"/>
+                <a:ea typeface="微軟正黑體" pitchFamily="34" charset="-120"/>
+              </a:rPr>
+              <a:t>獻上自己</a:t>
+            </a:r>
+            <a:endParaRPr lang="en-US" altLang="zh-TW" sz="6400" b="1" dirty="0">
+              <a:solidFill>
+                <a:srgbClr val="660033"/>
+              </a:solidFill>
+              <a:latin typeface="微軟正黑體" pitchFamily="34" charset="-120"/>
+              <a:ea typeface="微軟正黑體" pitchFamily="34" charset="-120"/>
+            </a:endParaRPr>
+          </a:p>
+          <a:p>
+            <a:pPr algn="ctr">
+              <a:buNone/>
+            </a:pPr>
+            <a:r>
+              <a:rPr lang="zh-TW" altLang="en-US" sz="6400" b="1" dirty="0">
+                <a:solidFill>
+                  <a:srgbClr val="660033"/>
+                </a:solidFill>
+                <a:latin typeface="微軟正黑體" pitchFamily="34" charset="-120"/>
+                <a:ea typeface="微軟正黑體" pitchFamily="34" charset="-120"/>
+              </a:rPr>
+              <a:t>一生一世獻上自己</a:t>
+            </a:r>
+            <a:endParaRPr lang="en-US" altLang="zh-TW" sz="6400" b="1" dirty="0">
+              <a:solidFill>
+                <a:srgbClr val="660033"/>
+              </a:solidFill>
+              <a:latin typeface="微軟正黑體" pitchFamily="34" charset="-120"/>
+              <a:ea typeface="微軟正黑體" pitchFamily="34" charset="-120"/>
+            </a:endParaRPr>
+          </a:p>
+        </p:txBody>
+      </p:sp>
+    </p:spTree>
+    <p:extLst>
+      <p:ext uri="{BB962C8B-B14F-4D97-AF65-F5344CB8AC3E}">
+        <p14:creationId xmlns:p14="http://schemas.microsoft.com/office/powerpoint/2010/main" xmlns="" val="1904373315"/>
       </p:ext>
     </p:extLst>
   </p:cSld>
@@ -3604,37 +6693,7 @@
                 <a:latin typeface="微軟正黑體" pitchFamily="34" charset="-120"/>
                 <a:ea typeface="微軟正黑體" pitchFamily="34" charset="-120"/>
               </a:rPr>
-              <a:t>大山為我挪</a:t>
-            </a:r>
-            <a:r>
-              <a:rPr lang="zh-TW" altLang="en-US" sz="6400" b="1" dirty="0">
-                <a:solidFill>
-                  <a:srgbClr val="000066"/>
-                </a:solidFill>
-                <a:latin typeface="微軟正黑體" pitchFamily="34" charset="-120"/>
-                <a:ea typeface="微軟正黑體" pitchFamily="34" charset="-120"/>
-              </a:rPr>
-              <a:t>開  大</a:t>
-            </a:r>
-            <a:r>
-              <a:rPr lang="zh-TW" altLang="en-US" sz="6400" b="1" dirty="0">
-                <a:solidFill>
-                  <a:srgbClr val="000066"/>
-                </a:solidFill>
-                <a:latin typeface="微軟正黑體" pitchFamily="34" charset="-120"/>
-                <a:ea typeface="微軟正黑體" pitchFamily="34" charset="-120"/>
-              </a:rPr>
-              <a:t>海有路出</a:t>
-            </a:r>
-            <a:r>
-              <a:rPr lang="zh-TW" altLang="en-US" sz="6400" b="1" dirty="0">
-                <a:solidFill>
-                  <a:srgbClr val="000066"/>
-                </a:solidFill>
-                <a:latin typeface="微軟正黑體" pitchFamily="34" charset="-120"/>
-                <a:ea typeface="微軟正黑體" pitchFamily="34" charset="-120"/>
-              </a:rPr>
-              <a:t>來</a:t>
+              <a:t>大山為我挪開  大海有路出來</a:t>
             </a:r>
             <a:endParaRPr lang="en-US" altLang="zh-TW" sz="6400" b="1" dirty="0">
               <a:solidFill>
@@ -3656,37 +6715,7 @@
                 <a:latin typeface="微軟正黑體" pitchFamily="34" charset="-120"/>
                 <a:ea typeface="微軟正黑體" pitchFamily="34" charset="-120"/>
               </a:rPr>
-              <a:t>我</a:t>
-            </a:r>
-            <a:r>
-              <a:rPr lang="zh-TW" altLang="en-US" sz="6400" b="1" dirty="0">
-                <a:solidFill>
-                  <a:srgbClr val="000066"/>
-                </a:solidFill>
-                <a:latin typeface="微軟正黑體" pitchFamily="34" charset="-120"/>
-                <a:ea typeface="微軟正黑體" pitchFamily="34" charset="-120"/>
-              </a:rPr>
-              <a:t>要大聲宣</a:t>
-            </a:r>
-            <a:r>
-              <a:rPr lang="zh-TW" altLang="en-US" sz="6400" b="1" dirty="0">
-                <a:solidFill>
-                  <a:srgbClr val="000066"/>
-                </a:solidFill>
-                <a:latin typeface="微軟正黑體" pitchFamily="34" charset="-120"/>
-                <a:ea typeface="微軟正黑體" pitchFamily="34" charset="-120"/>
-              </a:rPr>
-              <a:t>告  耶穌  祢</a:t>
-            </a:r>
-            <a:r>
-              <a:rPr lang="zh-TW" altLang="en-US" sz="6400" b="1" dirty="0">
-                <a:solidFill>
-                  <a:srgbClr val="000066"/>
-                </a:solidFill>
-                <a:latin typeface="微軟正黑體" pitchFamily="34" charset="-120"/>
-                <a:ea typeface="微軟正黑體" pitchFamily="34" charset="-120"/>
-              </a:rPr>
-              <a:t>一直都在</a:t>
+              <a:t>我要大聲宣告  耶穌  祢一直都在</a:t>
             </a:r>
             <a:endParaRPr lang="en-US" altLang="zh-TW" sz="6400" b="1" dirty="0">
               <a:solidFill>
@@ -3740,9 +6769,1513 @@
     </p:spTree>
     <p:extLst>
       <p:ext uri="{BB962C8B-B14F-4D97-AF65-F5344CB8AC3E}">
-        <p14:creationId xmlns:p14="http://schemas.microsoft.com/office/powerpoint/2010/main" val="2835569017"/>
+        <p14:creationId xmlns:p14="http://schemas.microsoft.com/office/powerpoint/2010/main" xmlns="" val="2835569017"/>
       </p:ext>
     </p:extLst>
+  </p:cSld>
+  <p:clrMapOvr>
+    <a:masterClrMapping/>
+  </p:clrMapOvr>
+</p:sld>
+</file>
+
+<file path=ppt/slides/slide40.xml><?xml version="1.0" encoding="utf-8"?>
+<p:sld xmlns:a="http://schemas.openxmlformats.org/drawingml/2006/main" xmlns:r="http://schemas.openxmlformats.org/officeDocument/2006/relationships" xmlns:p="http://schemas.openxmlformats.org/presentationml/2006/main">
+  <p:cSld>
+    <p:spTree>
+      <p:nvGrpSpPr>
+        <p:cNvPr id="1" name=""/>
+        <p:cNvGrpSpPr/>
+        <p:nvPr/>
+      </p:nvGrpSpPr>
+      <p:grpSpPr>
+        <a:xfrm>
+          <a:off x="0" y="0"/>
+          <a:ext cx="0" cy="0"/>
+          <a:chOff x="0" y="0"/>
+          <a:chExt cx="0" cy="0"/>
+        </a:xfrm>
+      </p:grpSpPr>
+      <p:sp>
+        <p:nvSpPr>
+          <p:cNvPr id="5" name="內容版面配置區 4"/>
+          <p:cNvSpPr>
+            <a:spLocks noGrp="1"/>
+          </p:cNvSpPr>
+          <p:nvPr>
+            <p:ph idx="1"/>
+          </p:nvPr>
+        </p:nvSpPr>
+        <p:spPr>
+          <a:xfrm>
+            <a:off x="0" y="2084851"/>
+            <a:ext cx="12192000" cy="2404863"/>
+          </a:xfrm>
+        </p:spPr>
+        <p:txBody>
+          <a:bodyPr anchor="ctr">
+            <a:normAutofit/>
+          </a:bodyPr>
+          <a:lstStyle/>
+          <a:p>
+            <a:pPr algn="ctr">
+              <a:buNone/>
+            </a:pPr>
+            <a:r>
+              <a:rPr lang="zh-TW" altLang="en-US" sz="6400" b="1" dirty="0">
+                <a:solidFill>
+                  <a:srgbClr val="660033"/>
+                </a:solidFill>
+                <a:latin typeface="微軟正黑體" pitchFamily="34" charset="-120"/>
+                <a:ea typeface="微軟正黑體" pitchFamily="34" charset="-120"/>
+              </a:rPr>
+              <a:t>一生一世腳步不離</a:t>
+            </a:r>
+          </a:p>
+        </p:txBody>
+      </p:sp>
+    </p:spTree>
+    <p:extLst>
+      <p:ext uri="{BB962C8B-B14F-4D97-AF65-F5344CB8AC3E}">
+        <p14:creationId xmlns:p14="http://schemas.microsoft.com/office/powerpoint/2010/main" xmlns="" val="3754729219"/>
+      </p:ext>
+    </p:extLst>
+  </p:cSld>
+  <p:clrMapOvr>
+    <a:masterClrMapping/>
+  </p:clrMapOvr>
+</p:sld>
+</file>
+
+<file path=ppt/slides/slide41.xml><?xml version="1.0" encoding="utf-8"?>
+<p:sld xmlns:a="http://schemas.openxmlformats.org/drawingml/2006/main" xmlns:r="http://schemas.openxmlformats.org/officeDocument/2006/relationships" xmlns:p="http://schemas.openxmlformats.org/presentationml/2006/main">
+  <p:cSld>
+    <p:spTree>
+      <p:nvGrpSpPr>
+        <p:cNvPr id="1" name=""/>
+        <p:cNvGrpSpPr/>
+        <p:nvPr/>
+      </p:nvGrpSpPr>
+      <p:grpSpPr>
+        <a:xfrm>
+          <a:off x="0" y="0"/>
+          <a:ext cx="0" cy="0"/>
+          <a:chOff x="0" y="0"/>
+          <a:chExt cx="0" cy="0"/>
+        </a:xfrm>
+      </p:grpSpPr>
+      <p:sp>
+        <p:nvSpPr>
+          <p:cNvPr id="5" name="內容版面配置區 4"/>
+          <p:cNvSpPr>
+            <a:spLocks noGrp="1"/>
+          </p:cNvSpPr>
+          <p:nvPr>
+            <p:ph idx="1"/>
+          </p:nvPr>
+        </p:nvSpPr>
+        <p:spPr>
+          <a:xfrm>
+            <a:off x="0" y="2084851"/>
+            <a:ext cx="12192000" cy="2404863"/>
+          </a:xfrm>
+        </p:spPr>
+        <p:txBody>
+          <a:bodyPr anchor="ctr">
+            <a:normAutofit/>
+          </a:bodyPr>
+          <a:lstStyle/>
+          <a:p>
+            <a:pPr algn="ctr">
+              <a:buNone/>
+            </a:pPr>
+            <a:r>
+              <a:rPr lang="zh-TW" altLang="en-US" sz="6400" b="1" dirty="0">
+                <a:solidFill>
+                  <a:srgbClr val="660033"/>
+                </a:solidFill>
+                <a:latin typeface="微軟正黑體" pitchFamily="34" charset="-120"/>
+                <a:ea typeface="微軟正黑體" pitchFamily="34" charset="-120"/>
+              </a:rPr>
+              <a:t>一生一世腳步不離</a:t>
+            </a:r>
+          </a:p>
+        </p:txBody>
+      </p:sp>
+    </p:spTree>
+    <p:extLst>
+      <p:ext uri="{BB962C8B-B14F-4D97-AF65-F5344CB8AC3E}">
+        <p14:creationId xmlns:p14="http://schemas.microsoft.com/office/powerpoint/2010/main" xmlns="" val="3754729219"/>
+      </p:ext>
+    </p:extLst>
+  </p:cSld>
+  <p:clrMapOvr>
+    <a:masterClrMapping/>
+  </p:clrMapOvr>
+</p:sld>
+</file>
+
+<file path=ppt/slides/slide42.xml><?xml version="1.0" encoding="utf-8"?>
+<p:sld xmlns:a="http://schemas.openxmlformats.org/drawingml/2006/main" xmlns:r="http://schemas.openxmlformats.org/officeDocument/2006/relationships" xmlns:p="http://schemas.openxmlformats.org/presentationml/2006/main">
+  <p:cSld>
+    <p:spTree>
+      <p:nvGrpSpPr>
+        <p:cNvPr id="1" name=""/>
+        <p:cNvGrpSpPr/>
+        <p:nvPr/>
+      </p:nvGrpSpPr>
+      <p:grpSpPr>
+        <a:xfrm>
+          <a:off x="0" y="0"/>
+          <a:ext cx="0" cy="0"/>
+          <a:chOff x="0" y="0"/>
+          <a:chExt cx="0" cy="0"/>
+        </a:xfrm>
+      </p:grpSpPr>
+      <p:sp>
+        <p:nvSpPr>
+          <p:cNvPr id="2" name="標題 1"/>
+          <p:cNvSpPr>
+            <a:spLocks noGrp="1"/>
+          </p:cNvSpPr>
+          <p:nvPr>
+            <p:ph type="title"/>
+          </p:nvPr>
+        </p:nvSpPr>
+        <p:spPr/>
+        <p:txBody>
+          <a:bodyPr/>
+          <a:lstStyle/>
+          <a:p>
+            <a:r>
+              <a:rPr lang="zh-TW" altLang="en-US" b="1" dirty="0">
+                <a:latin typeface="微軟正黑體" pitchFamily="34" charset="-120"/>
+                <a:ea typeface="微軟正黑體" pitchFamily="34" charset="-120"/>
+              </a:rPr>
+              <a:t>打開天窗</a:t>
+            </a:r>
+          </a:p>
+        </p:txBody>
+      </p:sp>
+      <p:sp>
+        <p:nvSpPr>
+          <p:cNvPr id="3" name="內容版面配置區 2"/>
+          <p:cNvSpPr>
+            <a:spLocks noGrp="1"/>
+          </p:cNvSpPr>
+          <p:nvPr>
+            <p:ph idx="1"/>
+          </p:nvPr>
+        </p:nvSpPr>
+        <p:spPr/>
+        <p:txBody>
+          <a:bodyPr>
+            <a:normAutofit/>
+          </a:bodyPr>
+          <a:lstStyle/>
+          <a:p>
+            <a:pPr algn="ctr">
+              <a:buNone/>
+            </a:pPr>
+            <a:r>
+              <a:rPr lang="zh-TW" altLang="en-US" sz="5400" b="1" dirty="0">
+                <a:latin typeface="微軟正黑體" pitchFamily="34" charset="-120"/>
+                <a:ea typeface="微軟正黑體" pitchFamily="34" charset="-120"/>
+              </a:rPr>
+              <a:t>願我　我的</a:t>
+            </a:r>
+            <a:r>
+              <a:rPr lang="zh-TW" altLang="en-US" sz="5400" b="1" dirty="0" smtClean="0">
+                <a:latin typeface="微軟正黑體" pitchFamily="34" charset="-120"/>
+                <a:ea typeface="微軟正黑體" pitchFamily="34" charset="-120"/>
+              </a:rPr>
+              <a:t>禱告</a:t>
+            </a:r>
+            <a:endParaRPr lang="en-US" altLang="zh-TW" sz="5400" b="1" dirty="0" smtClean="0">
+              <a:latin typeface="微軟正黑體" pitchFamily="34" charset="-120"/>
+              <a:ea typeface="微軟正黑體" pitchFamily="34" charset="-120"/>
+            </a:endParaRPr>
+          </a:p>
+          <a:p>
+            <a:pPr algn="ctr">
+              <a:buNone/>
+            </a:pPr>
+            <a:r>
+              <a:rPr lang="zh-TW" altLang="en-US" sz="5400" b="1" dirty="0" smtClean="0">
+                <a:latin typeface="微軟正黑體" pitchFamily="34" charset="-120"/>
+                <a:ea typeface="微軟正黑體" pitchFamily="34" charset="-120"/>
+              </a:rPr>
+              <a:t>如</a:t>
+            </a:r>
+            <a:r>
+              <a:rPr lang="zh-TW" altLang="en-US" sz="5400" b="1" dirty="0">
+                <a:latin typeface="微軟正黑體" pitchFamily="34" charset="-120"/>
+                <a:ea typeface="微軟正黑體" pitchFamily="34" charset="-120"/>
+              </a:rPr>
+              <a:t>香陳列在祢</a:t>
+            </a:r>
+            <a:r>
+              <a:rPr lang="zh-TW" altLang="en-US" sz="5400" b="1" dirty="0" smtClean="0">
+                <a:latin typeface="微軟正黑體" pitchFamily="34" charset="-120"/>
+                <a:ea typeface="微軟正黑體" pitchFamily="34" charset="-120"/>
+              </a:rPr>
+              <a:t>面前</a:t>
+            </a:r>
+            <a:endParaRPr lang="en-US" altLang="zh-TW" sz="5400" b="1" dirty="0">
+              <a:latin typeface="微軟正黑體" pitchFamily="34" charset="-120"/>
+              <a:ea typeface="微軟正黑體" pitchFamily="34" charset="-120"/>
+            </a:endParaRPr>
+          </a:p>
+          <a:p>
+            <a:pPr algn="ctr">
+              <a:buNone/>
+            </a:pPr>
+            <a:r>
+              <a:rPr lang="zh-TW" altLang="en-US" sz="5400" b="1" dirty="0" smtClean="0">
+                <a:latin typeface="微軟正黑體" pitchFamily="34" charset="-120"/>
+                <a:ea typeface="微軟正黑體" pitchFamily="34" charset="-120"/>
+              </a:rPr>
+              <a:t>沒有</a:t>
+            </a:r>
+            <a:r>
+              <a:rPr lang="zh-TW" altLang="en-US" sz="5400" b="1" dirty="0">
+                <a:latin typeface="微軟正黑體" pitchFamily="34" charset="-120"/>
+                <a:ea typeface="微軟正黑體" pitchFamily="34" charset="-120"/>
+              </a:rPr>
+              <a:t>黑暗勢力　</a:t>
+            </a:r>
+            <a:endParaRPr lang="en-US" altLang="zh-TW" sz="5400" b="1" dirty="0" smtClean="0">
+              <a:latin typeface="微軟正黑體" pitchFamily="34" charset="-120"/>
+              <a:ea typeface="微軟正黑體" pitchFamily="34" charset="-120"/>
+            </a:endParaRPr>
+          </a:p>
+          <a:p>
+            <a:pPr algn="ctr">
+              <a:buNone/>
+            </a:pPr>
+            <a:r>
+              <a:rPr lang="zh-TW" altLang="en-US" sz="5400" b="1" dirty="0" smtClean="0">
+                <a:latin typeface="微軟正黑體" pitchFamily="34" charset="-120"/>
+                <a:ea typeface="微軟正黑體" pitchFamily="34" charset="-120"/>
+              </a:rPr>
+              <a:t>可以</a:t>
+            </a:r>
+            <a:r>
+              <a:rPr lang="zh-TW" altLang="en-US" sz="5400" b="1" dirty="0">
+                <a:latin typeface="微軟正黑體" pitchFamily="34" charset="-120"/>
+                <a:ea typeface="微軟正黑體" pitchFamily="34" charset="-120"/>
+              </a:rPr>
+              <a:t>搖動我的</a:t>
+            </a:r>
+            <a:r>
+              <a:rPr lang="zh-TW" altLang="en-US" sz="5400" b="1" dirty="0" smtClean="0">
+                <a:latin typeface="微軟正黑體" pitchFamily="34" charset="-120"/>
+                <a:ea typeface="微軟正黑體" pitchFamily="34" charset="-120"/>
+              </a:rPr>
+              <a:t>信心</a:t>
+            </a:r>
+            <a:endParaRPr lang="en-US" altLang="zh-TW" sz="5400" b="1" dirty="0">
+              <a:latin typeface="微軟正黑體" pitchFamily="34" charset="-120"/>
+              <a:ea typeface="微軟正黑體" pitchFamily="34" charset="-120"/>
+            </a:endParaRPr>
+          </a:p>
+        </p:txBody>
+      </p:sp>
+    </p:spTree>
+  </p:cSld>
+  <p:clrMapOvr>
+    <a:masterClrMapping/>
+  </p:clrMapOvr>
+</p:sld>
+</file>
+
+<file path=ppt/slides/slide43.xml><?xml version="1.0" encoding="utf-8"?>
+<p:sld xmlns:a="http://schemas.openxmlformats.org/drawingml/2006/main" xmlns:r="http://schemas.openxmlformats.org/officeDocument/2006/relationships" xmlns:p="http://schemas.openxmlformats.org/presentationml/2006/main">
+  <p:cSld>
+    <p:spTree>
+      <p:nvGrpSpPr>
+        <p:cNvPr id="1" name=""/>
+        <p:cNvGrpSpPr/>
+        <p:nvPr/>
+      </p:nvGrpSpPr>
+      <p:grpSpPr>
+        <a:xfrm>
+          <a:off x="0" y="0"/>
+          <a:ext cx="0" cy="0"/>
+          <a:chOff x="0" y="0"/>
+          <a:chExt cx="0" cy="0"/>
+        </a:xfrm>
+      </p:grpSpPr>
+      <p:sp>
+        <p:nvSpPr>
+          <p:cNvPr id="2" name="標題 1"/>
+          <p:cNvSpPr>
+            <a:spLocks noGrp="1"/>
+          </p:cNvSpPr>
+          <p:nvPr>
+            <p:ph type="title"/>
+          </p:nvPr>
+        </p:nvSpPr>
+        <p:spPr/>
+        <p:txBody>
+          <a:bodyPr/>
+          <a:lstStyle/>
+          <a:p>
+            <a:r>
+              <a:rPr lang="zh-TW" altLang="en-US" b="1" dirty="0">
+                <a:latin typeface="微軟正黑體" pitchFamily="34" charset="-120"/>
+                <a:ea typeface="微軟正黑體" pitchFamily="34" charset="-120"/>
+              </a:rPr>
+              <a:t>打開天窗</a:t>
+            </a:r>
+          </a:p>
+        </p:txBody>
+      </p:sp>
+      <p:sp>
+        <p:nvSpPr>
+          <p:cNvPr id="3" name="內容版面配置區 2"/>
+          <p:cNvSpPr>
+            <a:spLocks noGrp="1"/>
+          </p:cNvSpPr>
+          <p:nvPr>
+            <p:ph idx="1"/>
+          </p:nvPr>
+        </p:nvSpPr>
+        <p:spPr/>
+        <p:txBody>
+          <a:bodyPr>
+            <a:normAutofit/>
+          </a:bodyPr>
+          <a:lstStyle/>
+          <a:p>
+            <a:pPr algn="ctr">
+              <a:buNone/>
+            </a:pPr>
+            <a:r>
+              <a:rPr lang="zh-TW" altLang="en-US" sz="5400" b="1" dirty="0" smtClean="0">
+                <a:latin typeface="微軟正黑體" pitchFamily="34" charset="-120"/>
+                <a:ea typeface="微軟正黑體" pitchFamily="34" charset="-120"/>
+              </a:rPr>
+              <a:t>願</a:t>
+            </a:r>
+            <a:r>
+              <a:rPr lang="zh-TW" altLang="en-US" sz="5400" b="1" dirty="0">
+                <a:latin typeface="微軟正黑體" pitchFamily="34" charset="-120"/>
+                <a:ea typeface="微軟正黑體" pitchFamily="34" charset="-120"/>
+              </a:rPr>
+              <a:t>我　我的敬</a:t>
+            </a:r>
+            <a:r>
+              <a:rPr lang="zh-TW" altLang="en-US" sz="5400" b="1" dirty="0" smtClean="0">
+                <a:latin typeface="微軟正黑體" pitchFamily="34" charset="-120"/>
+                <a:ea typeface="微軟正黑體" pitchFamily="34" charset="-120"/>
+              </a:rPr>
+              <a:t>拜</a:t>
+            </a:r>
+            <a:endParaRPr lang="en-US" altLang="zh-TW" sz="5400" b="1" dirty="0" smtClean="0">
+              <a:latin typeface="微軟正黑體" pitchFamily="34" charset="-120"/>
+              <a:ea typeface="微軟正黑體" pitchFamily="34" charset="-120"/>
+            </a:endParaRPr>
+          </a:p>
+          <a:p>
+            <a:pPr algn="ctr">
+              <a:buNone/>
+            </a:pPr>
+            <a:r>
+              <a:rPr lang="zh-TW" altLang="en-US" sz="5400" b="1" dirty="0" smtClean="0">
+                <a:latin typeface="微軟正黑體" pitchFamily="34" charset="-120"/>
+                <a:ea typeface="微軟正黑體" pitchFamily="34" charset="-120"/>
+              </a:rPr>
+              <a:t>到</a:t>
+            </a:r>
+            <a:r>
+              <a:rPr lang="zh-TW" altLang="en-US" sz="5400" b="1" dirty="0">
+                <a:latin typeface="微軟正黑體" pitchFamily="34" charset="-120"/>
+                <a:ea typeface="微軟正黑體" pitchFamily="34" charset="-120"/>
+              </a:rPr>
+              <a:t>祢面前　蒙祢悅</a:t>
+            </a:r>
+            <a:r>
+              <a:rPr lang="zh-TW" altLang="en-US" sz="5400" b="1" dirty="0" smtClean="0">
+                <a:latin typeface="微軟正黑體" pitchFamily="34" charset="-120"/>
+                <a:ea typeface="微軟正黑體" pitchFamily="34" charset="-120"/>
+              </a:rPr>
+              <a:t>納</a:t>
+            </a:r>
+            <a:endParaRPr lang="en-US" altLang="zh-TW" sz="5400" b="1" dirty="0">
+              <a:latin typeface="微軟正黑體" pitchFamily="34" charset="-120"/>
+              <a:ea typeface="微軟正黑體" pitchFamily="34" charset="-120"/>
+            </a:endParaRPr>
+          </a:p>
+          <a:p>
+            <a:pPr algn="ctr">
+              <a:buNone/>
+            </a:pPr>
+            <a:r>
+              <a:rPr lang="zh-TW" altLang="en-US" sz="5400" b="1" dirty="0" smtClean="0">
+                <a:latin typeface="微軟正黑體" pitchFamily="34" charset="-120"/>
+                <a:ea typeface="微軟正黑體" pitchFamily="34" charset="-120"/>
+              </a:rPr>
+              <a:t>天使</a:t>
+            </a:r>
+            <a:r>
+              <a:rPr lang="zh-TW" altLang="en-US" sz="5400" b="1" dirty="0">
+                <a:latin typeface="微軟正黑體" pitchFamily="34" charset="-120"/>
+                <a:ea typeface="微軟正黑體" pitchFamily="34" charset="-120"/>
+              </a:rPr>
+              <a:t>天軍屈膝　</a:t>
+            </a:r>
+            <a:endParaRPr lang="en-US" altLang="zh-TW" sz="5400" b="1" dirty="0" smtClean="0">
+              <a:latin typeface="微軟正黑體" pitchFamily="34" charset="-120"/>
+              <a:ea typeface="微軟正黑體" pitchFamily="34" charset="-120"/>
+            </a:endParaRPr>
+          </a:p>
+          <a:p>
+            <a:pPr algn="ctr">
+              <a:buNone/>
+            </a:pPr>
+            <a:r>
+              <a:rPr lang="zh-TW" altLang="en-US" sz="5400" b="1" dirty="0" smtClean="0">
+                <a:latin typeface="微軟正黑體" pitchFamily="34" charset="-120"/>
+                <a:ea typeface="微軟正黑體" pitchFamily="34" charset="-120"/>
+              </a:rPr>
+              <a:t>俯</a:t>
+            </a:r>
+            <a:r>
+              <a:rPr lang="zh-TW" altLang="en-US" sz="5400" b="1" dirty="0">
+                <a:latin typeface="微軟正黑體" pitchFamily="34" charset="-120"/>
+                <a:ea typeface="微軟正黑體" pitchFamily="34" charset="-120"/>
+              </a:rPr>
+              <a:t>伏敬拜在祢寶座前</a:t>
+            </a:r>
+          </a:p>
+        </p:txBody>
+      </p:sp>
+    </p:spTree>
+  </p:cSld>
+  <p:clrMapOvr>
+    <a:masterClrMapping/>
+  </p:clrMapOvr>
+</p:sld>
+</file>
+
+<file path=ppt/slides/slide44.xml><?xml version="1.0" encoding="utf-8"?>
+<p:sld xmlns:a="http://schemas.openxmlformats.org/drawingml/2006/main" xmlns:r="http://schemas.openxmlformats.org/officeDocument/2006/relationships" xmlns:p="http://schemas.openxmlformats.org/presentationml/2006/main">
+  <p:cSld>
+    <p:spTree>
+      <p:nvGrpSpPr>
+        <p:cNvPr id="1" name=""/>
+        <p:cNvGrpSpPr/>
+        <p:nvPr/>
+      </p:nvGrpSpPr>
+      <p:grpSpPr>
+        <a:xfrm>
+          <a:off x="0" y="0"/>
+          <a:ext cx="0" cy="0"/>
+          <a:chOff x="0" y="0"/>
+          <a:chExt cx="0" cy="0"/>
+        </a:xfrm>
+      </p:grpSpPr>
+      <p:sp>
+        <p:nvSpPr>
+          <p:cNvPr id="2" name="標題 1"/>
+          <p:cNvSpPr>
+            <a:spLocks noGrp="1"/>
+          </p:cNvSpPr>
+          <p:nvPr>
+            <p:ph type="title"/>
+          </p:nvPr>
+        </p:nvSpPr>
+        <p:spPr/>
+        <p:txBody>
+          <a:bodyPr/>
+          <a:lstStyle/>
+          <a:p>
+            <a:r>
+              <a:rPr lang="zh-TW" altLang="en-US" b="1" dirty="0">
+                <a:latin typeface="微軟正黑體" pitchFamily="34" charset="-120"/>
+                <a:ea typeface="微軟正黑體" pitchFamily="34" charset="-120"/>
+              </a:rPr>
+              <a:t>打開天窗</a:t>
+            </a:r>
+          </a:p>
+        </p:txBody>
+      </p:sp>
+      <p:sp>
+        <p:nvSpPr>
+          <p:cNvPr id="3" name="內容版面配置區 2"/>
+          <p:cNvSpPr>
+            <a:spLocks noGrp="1"/>
+          </p:cNvSpPr>
+          <p:nvPr>
+            <p:ph idx="1"/>
+          </p:nvPr>
+        </p:nvSpPr>
+        <p:spPr/>
+        <p:txBody>
+          <a:bodyPr>
+            <a:normAutofit/>
+          </a:bodyPr>
+          <a:lstStyle/>
+          <a:p>
+            <a:pPr algn="ctr">
+              <a:buNone/>
+            </a:pPr>
+            <a:r>
+              <a:rPr lang="zh-TW" altLang="en-US" sz="5400" b="1" dirty="0">
+                <a:latin typeface="微軟正黑體" pitchFamily="34" charset="-120"/>
+                <a:ea typeface="微軟正黑體" pitchFamily="34" charset="-120"/>
+              </a:rPr>
+              <a:t>打開天窗　打開</a:t>
+            </a:r>
+            <a:r>
+              <a:rPr lang="zh-TW" altLang="en-US" sz="5400" b="1" dirty="0" smtClean="0">
+                <a:latin typeface="微軟正黑體" pitchFamily="34" charset="-120"/>
+                <a:ea typeface="微軟正黑體" pitchFamily="34" charset="-120"/>
+              </a:rPr>
+              <a:t>天窗</a:t>
+            </a:r>
+            <a:endParaRPr lang="en-US" altLang="zh-TW" sz="5400" b="1" dirty="0">
+              <a:latin typeface="微軟正黑體" pitchFamily="34" charset="-120"/>
+              <a:ea typeface="微軟正黑體" pitchFamily="34" charset="-120"/>
+            </a:endParaRPr>
+          </a:p>
+          <a:p>
+            <a:pPr algn="ctr">
+              <a:buNone/>
+            </a:pPr>
+            <a:r>
+              <a:rPr lang="zh-TW" altLang="en-US" sz="5400" b="1" dirty="0" smtClean="0">
+                <a:latin typeface="微軟正黑體" pitchFamily="34" charset="-120"/>
+                <a:ea typeface="微軟正黑體" pitchFamily="34" charset="-120"/>
+              </a:rPr>
+              <a:t>願</a:t>
+            </a:r>
+            <a:r>
+              <a:rPr lang="zh-TW" altLang="en-US" sz="5400" b="1" dirty="0">
+                <a:latin typeface="微軟正黑體" pitchFamily="34" charset="-120"/>
+                <a:ea typeface="微軟正黑體" pitchFamily="34" charset="-120"/>
+              </a:rPr>
+              <a:t>我的禱告打開</a:t>
+            </a:r>
+            <a:r>
+              <a:rPr lang="zh-TW" altLang="en-US" sz="5400" b="1" dirty="0" smtClean="0">
+                <a:latin typeface="微軟正黑體" pitchFamily="34" charset="-120"/>
+                <a:ea typeface="微軟正黑體" pitchFamily="34" charset="-120"/>
+              </a:rPr>
+              <a:t>天窗</a:t>
+            </a:r>
+            <a:endParaRPr lang="en-US" altLang="zh-TW" sz="5400" b="1" dirty="0">
+              <a:latin typeface="微軟正黑體" pitchFamily="34" charset="-120"/>
+              <a:ea typeface="微軟正黑體" pitchFamily="34" charset="-120"/>
+            </a:endParaRPr>
+          </a:p>
+          <a:p>
+            <a:pPr algn="ctr">
+              <a:buNone/>
+            </a:pPr>
+            <a:r>
+              <a:rPr lang="zh-TW" altLang="en-US" sz="5400" b="1" dirty="0" smtClean="0">
+                <a:latin typeface="微軟正黑體" pitchFamily="34" charset="-120"/>
+                <a:ea typeface="微軟正黑體" pitchFamily="34" charset="-120"/>
+              </a:rPr>
+              <a:t>願</a:t>
+            </a:r>
+            <a:r>
+              <a:rPr lang="zh-TW" altLang="en-US" sz="5400" b="1" dirty="0">
+                <a:latin typeface="微軟正黑體" pitchFamily="34" charset="-120"/>
+                <a:ea typeface="微軟正黑體" pitchFamily="34" charset="-120"/>
+              </a:rPr>
+              <a:t>祢充滿　祢的</a:t>
+            </a:r>
+            <a:r>
+              <a:rPr lang="zh-TW" altLang="en-US" sz="5400" b="1" dirty="0" smtClean="0">
+                <a:latin typeface="微軟正黑體" pitchFamily="34" charset="-120"/>
+                <a:ea typeface="微軟正黑體" pitchFamily="34" charset="-120"/>
+              </a:rPr>
+              <a:t>榮耀</a:t>
+            </a:r>
+            <a:endParaRPr lang="en-US" altLang="zh-TW" sz="5400" b="1" dirty="0">
+              <a:latin typeface="微軟正黑體" pitchFamily="34" charset="-120"/>
+              <a:ea typeface="微軟正黑體" pitchFamily="34" charset="-120"/>
+            </a:endParaRPr>
+          </a:p>
+          <a:p>
+            <a:pPr algn="ctr">
+              <a:buNone/>
+            </a:pPr>
+            <a:r>
+              <a:rPr lang="zh-TW" altLang="en-US" sz="5400" b="1" dirty="0" smtClean="0">
+                <a:latin typeface="微軟正黑體" pitchFamily="34" charset="-120"/>
+                <a:ea typeface="微軟正黑體" pitchFamily="34" charset="-120"/>
+              </a:rPr>
+              <a:t>祢</a:t>
+            </a:r>
+            <a:r>
+              <a:rPr lang="zh-TW" altLang="en-US" sz="5400" b="1" dirty="0">
+                <a:latin typeface="微軟正黑體" pitchFamily="34" charset="-120"/>
+                <a:ea typeface="微軟正黑體" pitchFamily="34" charset="-120"/>
+              </a:rPr>
+              <a:t>的同在在這地</a:t>
+            </a:r>
+          </a:p>
+        </p:txBody>
+      </p:sp>
+    </p:spTree>
+  </p:cSld>
+  <p:clrMapOvr>
+    <a:masterClrMapping/>
+  </p:clrMapOvr>
+</p:sld>
+</file>
+
+<file path=ppt/slides/slide45.xml><?xml version="1.0" encoding="utf-8"?>
+<p:sld xmlns:a="http://schemas.openxmlformats.org/drawingml/2006/main" xmlns:r="http://schemas.openxmlformats.org/officeDocument/2006/relationships" xmlns:p="http://schemas.openxmlformats.org/presentationml/2006/main">
+  <p:cSld>
+    <p:spTree>
+      <p:nvGrpSpPr>
+        <p:cNvPr id="1" name=""/>
+        <p:cNvGrpSpPr/>
+        <p:nvPr/>
+      </p:nvGrpSpPr>
+      <p:grpSpPr>
+        <a:xfrm>
+          <a:off x="0" y="0"/>
+          <a:ext cx="0" cy="0"/>
+          <a:chOff x="0" y="0"/>
+          <a:chExt cx="0" cy="0"/>
+        </a:xfrm>
+      </p:grpSpPr>
+      <p:sp>
+        <p:nvSpPr>
+          <p:cNvPr id="2" name="標題 1"/>
+          <p:cNvSpPr>
+            <a:spLocks noGrp="1"/>
+          </p:cNvSpPr>
+          <p:nvPr>
+            <p:ph type="title"/>
+          </p:nvPr>
+        </p:nvSpPr>
+        <p:spPr/>
+        <p:txBody>
+          <a:bodyPr/>
+          <a:lstStyle/>
+          <a:p>
+            <a:r>
+              <a:rPr lang="zh-TW" altLang="en-US" b="1" dirty="0">
+                <a:latin typeface="微軟正黑體" pitchFamily="34" charset="-120"/>
+                <a:ea typeface="微軟正黑體" pitchFamily="34" charset="-120"/>
+              </a:rPr>
+              <a:t>打開天窗</a:t>
+            </a:r>
+          </a:p>
+        </p:txBody>
+      </p:sp>
+      <p:sp>
+        <p:nvSpPr>
+          <p:cNvPr id="3" name="內容版面配置區 2"/>
+          <p:cNvSpPr>
+            <a:spLocks noGrp="1"/>
+          </p:cNvSpPr>
+          <p:nvPr>
+            <p:ph idx="1"/>
+          </p:nvPr>
+        </p:nvSpPr>
+        <p:spPr/>
+        <p:txBody>
+          <a:bodyPr>
+            <a:normAutofit/>
+          </a:bodyPr>
+          <a:lstStyle/>
+          <a:p>
+            <a:pPr algn="ctr">
+              <a:buNone/>
+            </a:pPr>
+            <a:r>
+              <a:rPr lang="zh-TW" altLang="en-US" sz="5400" b="1" dirty="0">
+                <a:latin typeface="微軟正黑體" pitchFamily="34" charset="-120"/>
+                <a:ea typeface="微軟正黑體" pitchFamily="34" charset="-120"/>
+              </a:rPr>
+              <a:t>打開天窗　打開</a:t>
+            </a:r>
+            <a:r>
+              <a:rPr lang="zh-TW" altLang="en-US" sz="5400" b="1" dirty="0" smtClean="0">
+                <a:latin typeface="微軟正黑體" pitchFamily="34" charset="-120"/>
+                <a:ea typeface="微軟正黑體" pitchFamily="34" charset="-120"/>
+              </a:rPr>
+              <a:t>天窗</a:t>
+            </a:r>
+            <a:endParaRPr lang="en-US" altLang="zh-TW" sz="5400" b="1" dirty="0">
+              <a:latin typeface="微軟正黑體" pitchFamily="34" charset="-120"/>
+              <a:ea typeface="微軟正黑體" pitchFamily="34" charset="-120"/>
+            </a:endParaRPr>
+          </a:p>
+          <a:p>
+            <a:pPr algn="ctr">
+              <a:buNone/>
+            </a:pPr>
+            <a:r>
+              <a:rPr lang="zh-TW" altLang="en-US" sz="5400" b="1" dirty="0" smtClean="0">
+                <a:latin typeface="微軟正黑體" pitchFamily="34" charset="-120"/>
+                <a:ea typeface="微軟正黑體" pitchFamily="34" charset="-120"/>
+              </a:rPr>
+              <a:t>願</a:t>
+            </a:r>
+            <a:r>
+              <a:rPr lang="zh-TW" altLang="en-US" sz="5400" b="1" dirty="0">
+                <a:latin typeface="微軟正黑體" pitchFamily="34" charset="-120"/>
+                <a:ea typeface="微軟正黑體" pitchFamily="34" charset="-120"/>
+              </a:rPr>
+              <a:t>我的敬拜打開</a:t>
+            </a:r>
+            <a:r>
+              <a:rPr lang="zh-TW" altLang="en-US" sz="5400" b="1" dirty="0" smtClean="0">
+                <a:latin typeface="微軟正黑體" pitchFamily="34" charset="-120"/>
+                <a:ea typeface="微軟正黑體" pitchFamily="34" charset="-120"/>
+              </a:rPr>
+              <a:t>天窗</a:t>
+            </a:r>
+            <a:endParaRPr lang="en-US" altLang="zh-TW" sz="5400" b="1" dirty="0">
+              <a:latin typeface="微軟正黑體" pitchFamily="34" charset="-120"/>
+              <a:ea typeface="微軟正黑體" pitchFamily="34" charset="-120"/>
+            </a:endParaRPr>
+          </a:p>
+          <a:p>
+            <a:pPr algn="ctr">
+              <a:buNone/>
+            </a:pPr>
+            <a:r>
+              <a:rPr lang="zh-TW" altLang="en-US" sz="5400" b="1" dirty="0" smtClean="0">
+                <a:latin typeface="微軟正黑體" pitchFamily="34" charset="-120"/>
+                <a:ea typeface="微軟正黑體" pitchFamily="34" charset="-120"/>
+              </a:rPr>
+              <a:t>我們</a:t>
+            </a:r>
+            <a:r>
+              <a:rPr lang="zh-TW" altLang="en-US" sz="5400" b="1" dirty="0">
+                <a:latin typeface="微軟正黑體" pitchFamily="34" charset="-120"/>
+                <a:ea typeface="微軟正黑體" pitchFamily="34" charset="-120"/>
+              </a:rPr>
+              <a:t>只要祢的</a:t>
+            </a:r>
+            <a:r>
+              <a:rPr lang="zh-TW" altLang="en-US" sz="5400" b="1" dirty="0" smtClean="0">
+                <a:latin typeface="微軟正黑體" pitchFamily="34" charset="-120"/>
+                <a:ea typeface="微軟正黑體" pitchFamily="34" charset="-120"/>
+              </a:rPr>
+              <a:t>榮耀</a:t>
+            </a:r>
+            <a:endParaRPr lang="en-US" altLang="zh-TW" sz="5400" b="1" dirty="0">
+              <a:latin typeface="微軟正黑體" pitchFamily="34" charset="-120"/>
+              <a:ea typeface="微軟正黑體" pitchFamily="34" charset="-120"/>
+            </a:endParaRPr>
+          </a:p>
+          <a:p>
+            <a:pPr algn="ctr">
+              <a:buNone/>
+            </a:pPr>
+            <a:r>
+              <a:rPr lang="zh-TW" altLang="en-US" sz="5400" b="1" dirty="0" smtClean="0">
+                <a:latin typeface="微軟正黑體" pitchFamily="34" charset="-120"/>
+                <a:ea typeface="微軟正黑體" pitchFamily="34" charset="-120"/>
+              </a:rPr>
+              <a:t>祢</a:t>
+            </a:r>
+            <a:r>
+              <a:rPr lang="zh-TW" altLang="en-US" sz="5400" b="1" dirty="0">
+                <a:latin typeface="微軟正黑體" pitchFamily="34" charset="-120"/>
+                <a:ea typeface="微軟正黑體" pitchFamily="34" charset="-120"/>
+              </a:rPr>
+              <a:t>的同在在這地　在這地</a:t>
+            </a:r>
+          </a:p>
+        </p:txBody>
+      </p:sp>
+    </p:spTree>
+  </p:cSld>
+  <p:clrMapOvr>
+    <a:masterClrMapping/>
+  </p:clrMapOvr>
+</p:sld>
+</file>
+
+<file path=ppt/slides/slide46.xml><?xml version="1.0" encoding="utf-8"?>
+<p:sld xmlns:a="http://schemas.openxmlformats.org/drawingml/2006/main" xmlns:r="http://schemas.openxmlformats.org/officeDocument/2006/relationships" xmlns:p="http://schemas.openxmlformats.org/presentationml/2006/main">
+  <p:cSld>
+    <p:spTree>
+      <p:nvGrpSpPr>
+        <p:cNvPr id="1" name=""/>
+        <p:cNvGrpSpPr/>
+        <p:nvPr/>
+      </p:nvGrpSpPr>
+      <p:grpSpPr>
+        <a:xfrm>
+          <a:off x="0" y="0"/>
+          <a:ext cx="0" cy="0"/>
+          <a:chOff x="0" y="0"/>
+          <a:chExt cx="0" cy="0"/>
+        </a:xfrm>
+      </p:grpSpPr>
+      <p:sp>
+        <p:nvSpPr>
+          <p:cNvPr id="2" name="標題 1"/>
+          <p:cNvSpPr>
+            <a:spLocks noGrp="1"/>
+          </p:cNvSpPr>
+          <p:nvPr>
+            <p:ph type="title"/>
+          </p:nvPr>
+        </p:nvSpPr>
+        <p:spPr/>
+        <p:txBody>
+          <a:bodyPr/>
+          <a:lstStyle/>
+          <a:p>
+            <a:r>
+              <a:rPr lang="zh-TW" altLang="en-US" b="1" dirty="0">
+                <a:latin typeface="微軟正黑體" pitchFamily="34" charset="-120"/>
+                <a:ea typeface="微軟正黑體" pitchFamily="34" charset="-120"/>
+              </a:rPr>
+              <a:t>打開天窗</a:t>
+            </a:r>
+          </a:p>
+        </p:txBody>
+      </p:sp>
+      <p:sp>
+        <p:nvSpPr>
+          <p:cNvPr id="3" name="內容版面配置區 2"/>
+          <p:cNvSpPr>
+            <a:spLocks noGrp="1"/>
+          </p:cNvSpPr>
+          <p:nvPr>
+            <p:ph idx="1"/>
+          </p:nvPr>
+        </p:nvSpPr>
+        <p:spPr/>
+        <p:txBody>
+          <a:bodyPr>
+            <a:normAutofit/>
+          </a:bodyPr>
+          <a:lstStyle/>
+          <a:p>
+            <a:pPr algn="ctr">
+              <a:buNone/>
+            </a:pPr>
+            <a:r>
+              <a:rPr lang="zh-TW" altLang="en-US" sz="5400" b="1" dirty="0">
+                <a:latin typeface="微軟正黑體" pitchFamily="34" charset="-120"/>
+                <a:ea typeface="微軟正黑體" pitchFamily="34" charset="-120"/>
+              </a:rPr>
+              <a:t>願我　我的</a:t>
+            </a:r>
+            <a:r>
+              <a:rPr lang="zh-TW" altLang="en-US" sz="5400" b="1" dirty="0" smtClean="0">
+                <a:latin typeface="微軟正黑體" pitchFamily="34" charset="-120"/>
+                <a:ea typeface="微軟正黑體" pitchFamily="34" charset="-120"/>
+              </a:rPr>
+              <a:t>禱告</a:t>
+            </a:r>
+            <a:endParaRPr lang="en-US" altLang="zh-TW" sz="5400" b="1" dirty="0" smtClean="0">
+              <a:latin typeface="微軟正黑體" pitchFamily="34" charset="-120"/>
+              <a:ea typeface="微軟正黑體" pitchFamily="34" charset="-120"/>
+            </a:endParaRPr>
+          </a:p>
+          <a:p>
+            <a:pPr algn="ctr">
+              <a:buNone/>
+            </a:pPr>
+            <a:r>
+              <a:rPr lang="zh-TW" altLang="en-US" sz="5400" b="1" dirty="0" smtClean="0">
+                <a:latin typeface="微軟正黑體" pitchFamily="34" charset="-120"/>
+                <a:ea typeface="微軟正黑體" pitchFamily="34" charset="-120"/>
+              </a:rPr>
+              <a:t>如</a:t>
+            </a:r>
+            <a:r>
+              <a:rPr lang="zh-TW" altLang="en-US" sz="5400" b="1" dirty="0">
+                <a:latin typeface="微軟正黑體" pitchFamily="34" charset="-120"/>
+                <a:ea typeface="微軟正黑體" pitchFamily="34" charset="-120"/>
+              </a:rPr>
+              <a:t>香陳列在祢</a:t>
+            </a:r>
+            <a:r>
+              <a:rPr lang="zh-TW" altLang="en-US" sz="5400" b="1" dirty="0" smtClean="0">
+                <a:latin typeface="微軟正黑體" pitchFamily="34" charset="-120"/>
+                <a:ea typeface="微軟正黑體" pitchFamily="34" charset="-120"/>
+              </a:rPr>
+              <a:t>面前</a:t>
+            </a:r>
+            <a:endParaRPr lang="en-US" altLang="zh-TW" sz="5400" b="1" dirty="0">
+              <a:latin typeface="微軟正黑體" pitchFamily="34" charset="-120"/>
+              <a:ea typeface="微軟正黑體" pitchFamily="34" charset="-120"/>
+            </a:endParaRPr>
+          </a:p>
+          <a:p>
+            <a:pPr algn="ctr">
+              <a:buNone/>
+            </a:pPr>
+            <a:r>
+              <a:rPr lang="zh-TW" altLang="en-US" sz="5400" b="1" dirty="0" smtClean="0">
+                <a:latin typeface="微軟正黑體" pitchFamily="34" charset="-120"/>
+                <a:ea typeface="微軟正黑體" pitchFamily="34" charset="-120"/>
+              </a:rPr>
+              <a:t>沒有</a:t>
+            </a:r>
+            <a:r>
+              <a:rPr lang="zh-TW" altLang="en-US" sz="5400" b="1" dirty="0">
+                <a:latin typeface="微軟正黑體" pitchFamily="34" charset="-120"/>
+                <a:ea typeface="微軟正黑體" pitchFamily="34" charset="-120"/>
+              </a:rPr>
+              <a:t>黑暗勢力　</a:t>
+            </a:r>
+            <a:endParaRPr lang="en-US" altLang="zh-TW" sz="5400" b="1" dirty="0" smtClean="0">
+              <a:latin typeface="微軟正黑體" pitchFamily="34" charset="-120"/>
+              <a:ea typeface="微軟正黑體" pitchFamily="34" charset="-120"/>
+            </a:endParaRPr>
+          </a:p>
+          <a:p>
+            <a:pPr algn="ctr">
+              <a:buNone/>
+            </a:pPr>
+            <a:r>
+              <a:rPr lang="zh-TW" altLang="en-US" sz="5400" b="1" dirty="0" smtClean="0">
+                <a:latin typeface="微軟正黑體" pitchFamily="34" charset="-120"/>
+                <a:ea typeface="微軟正黑體" pitchFamily="34" charset="-120"/>
+              </a:rPr>
+              <a:t>可以</a:t>
+            </a:r>
+            <a:r>
+              <a:rPr lang="zh-TW" altLang="en-US" sz="5400" b="1" dirty="0">
+                <a:latin typeface="微軟正黑體" pitchFamily="34" charset="-120"/>
+                <a:ea typeface="微軟正黑體" pitchFamily="34" charset="-120"/>
+              </a:rPr>
+              <a:t>搖動我的</a:t>
+            </a:r>
+            <a:r>
+              <a:rPr lang="zh-TW" altLang="en-US" sz="5400" b="1" dirty="0" smtClean="0">
+                <a:latin typeface="微軟正黑體" pitchFamily="34" charset="-120"/>
+                <a:ea typeface="微軟正黑體" pitchFamily="34" charset="-120"/>
+              </a:rPr>
+              <a:t>信心</a:t>
+            </a:r>
+            <a:endParaRPr lang="en-US" altLang="zh-TW" sz="5400" b="1" dirty="0">
+              <a:latin typeface="微軟正黑體" pitchFamily="34" charset="-120"/>
+              <a:ea typeface="微軟正黑體" pitchFamily="34" charset="-120"/>
+            </a:endParaRPr>
+          </a:p>
+        </p:txBody>
+      </p:sp>
+    </p:spTree>
+  </p:cSld>
+  <p:clrMapOvr>
+    <a:masterClrMapping/>
+  </p:clrMapOvr>
+</p:sld>
+</file>
+
+<file path=ppt/slides/slide47.xml><?xml version="1.0" encoding="utf-8"?>
+<p:sld xmlns:a="http://schemas.openxmlformats.org/drawingml/2006/main" xmlns:r="http://schemas.openxmlformats.org/officeDocument/2006/relationships" xmlns:p="http://schemas.openxmlformats.org/presentationml/2006/main">
+  <p:cSld>
+    <p:spTree>
+      <p:nvGrpSpPr>
+        <p:cNvPr id="1" name=""/>
+        <p:cNvGrpSpPr/>
+        <p:nvPr/>
+      </p:nvGrpSpPr>
+      <p:grpSpPr>
+        <a:xfrm>
+          <a:off x="0" y="0"/>
+          <a:ext cx="0" cy="0"/>
+          <a:chOff x="0" y="0"/>
+          <a:chExt cx="0" cy="0"/>
+        </a:xfrm>
+      </p:grpSpPr>
+      <p:sp>
+        <p:nvSpPr>
+          <p:cNvPr id="2" name="標題 1"/>
+          <p:cNvSpPr>
+            <a:spLocks noGrp="1"/>
+          </p:cNvSpPr>
+          <p:nvPr>
+            <p:ph type="title"/>
+          </p:nvPr>
+        </p:nvSpPr>
+        <p:spPr/>
+        <p:txBody>
+          <a:bodyPr/>
+          <a:lstStyle/>
+          <a:p>
+            <a:r>
+              <a:rPr lang="zh-TW" altLang="en-US" b="1" dirty="0">
+                <a:latin typeface="微軟正黑體" pitchFamily="34" charset="-120"/>
+                <a:ea typeface="微軟正黑體" pitchFamily="34" charset="-120"/>
+              </a:rPr>
+              <a:t>打開天窗</a:t>
+            </a:r>
+          </a:p>
+        </p:txBody>
+      </p:sp>
+      <p:sp>
+        <p:nvSpPr>
+          <p:cNvPr id="3" name="內容版面配置區 2"/>
+          <p:cNvSpPr>
+            <a:spLocks noGrp="1"/>
+          </p:cNvSpPr>
+          <p:nvPr>
+            <p:ph idx="1"/>
+          </p:nvPr>
+        </p:nvSpPr>
+        <p:spPr/>
+        <p:txBody>
+          <a:bodyPr>
+            <a:normAutofit/>
+          </a:bodyPr>
+          <a:lstStyle/>
+          <a:p>
+            <a:pPr algn="ctr">
+              <a:buNone/>
+            </a:pPr>
+            <a:r>
+              <a:rPr lang="zh-TW" altLang="en-US" sz="5400" b="1" dirty="0" smtClean="0">
+                <a:latin typeface="微軟正黑體" pitchFamily="34" charset="-120"/>
+                <a:ea typeface="微軟正黑體" pitchFamily="34" charset="-120"/>
+              </a:rPr>
+              <a:t>願</a:t>
+            </a:r>
+            <a:r>
+              <a:rPr lang="zh-TW" altLang="en-US" sz="5400" b="1" dirty="0">
+                <a:latin typeface="微軟正黑體" pitchFamily="34" charset="-120"/>
+                <a:ea typeface="微軟正黑體" pitchFamily="34" charset="-120"/>
+              </a:rPr>
+              <a:t>我　我的敬</a:t>
+            </a:r>
+            <a:r>
+              <a:rPr lang="zh-TW" altLang="en-US" sz="5400" b="1" dirty="0" smtClean="0">
+                <a:latin typeface="微軟正黑體" pitchFamily="34" charset="-120"/>
+                <a:ea typeface="微軟正黑體" pitchFamily="34" charset="-120"/>
+              </a:rPr>
+              <a:t>拜</a:t>
+            </a:r>
+            <a:endParaRPr lang="en-US" altLang="zh-TW" sz="5400" b="1" dirty="0" smtClean="0">
+              <a:latin typeface="微軟正黑體" pitchFamily="34" charset="-120"/>
+              <a:ea typeface="微軟正黑體" pitchFamily="34" charset="-120"/>
+            </a:endParaRPr>
+          </a:p>
+          <a:p>
+            <a:pPr algn="ctr">
+              <a:buNone/>
+            </a:pPr>
+            <a:r>
+              <a:rPr lang="zh-TW" altLang="en-US" sz="5400" b="1" dirty="0" smtClean="0">
+                <a:latin typeface="微軟正黑體" pitchFamily="34" charset="-120"/>
+                <a:ea typeface="微軟正黑體" pitchFamily="34" charset="-120"/>
+              </a:rPr>
+              <a:t>到</a:t>
+            </a:r>
+            <a:r>
+              <a:rPr lang="zh-TW" altLang="en-US" sz="5400" b="1" dirty="0">
+                <a:latin typeface="微軟正黑體" pitchFamily="34" charset="-120"/>
+                <a:ea typeface="微軟正黑體" pitchFamily="34" charset="-120"/>
+              </a:rPr>
+              <a:t>祢面前　蒙祢悅</a:t>
+            </a:r>
+            <a:r>
+              <a:rPr lang="zh-TW" altLang="en-US" sz="5400" b="1" dirty="0" smtClean="0">
+                <a:latin typeface="微軟正黑體" pitchFamily="34" charset="-120"/>
+                <a:ea typeface="微軟正黑體" pitchFamily="34" charset="-120"/>
+              </a:rPr>
+              <a:t>納</a:t>
+            </a:r>
+            <a:endParaRPr lang="en-US" altLang="zh-TW" sz="5400" b="1" dirty="0">
+              <a:latin typeface="微軟正黑體" pitchFamily="34" charset="-120"/>
+              <a:ea typeface="微軟正黑體" pitchFamily="34" charset="-120"/>
+            </a:endParaRPr>
+          </a:p>
+          <a:p>
+            <a:pPr algn="ctr">
+              <a:buNone/>
+            </a:pPr>
+            <a:r>
+              <a:rPr lang="zh-TW" altLang="en-US" sz="5400" b="1" dirty="0" smtClean="0">
+                <a:latin typeface="微軟正黑體" pitchFamily="34" charset="-120"/>
+                <a:ea typeface="微軟正黑體" pitchFamily="34" charset="-120"/>
+              </a:rPr>
+              <a:t>天使</a:t>
+            </a:r>
+            <a:r>
+              <a:rPr lang="zh-TW" altLang="en-US" sz="5400" b="1" dirty="0">
+                <a:latin typeface="微軟正黑體" pitchFamily="34" charset="-120"/>
+                <a:ea typeface="微軟正黑體" pitchFamily="34" charset="-120"/>
+              </a:rPr>
+              <a:t>天軍屈膝　</a:t>
+            </a:r>
+            <a:endParaRPr lang="en-US" altLang="zh-TW" sz="5400" b="1" dirty="0" smtClean="0">
+              <a:latin typeface="微軟正黑體" pitchFamily="34" charset="-120"/>
+              <a:ea typeface="微軟正黑體" pitchFamily="34" charset="-120"/>
+            </a:endParaRPr>
+          </a:p>
+          <a:p>
+            <a:pPr algn="ctr">
+              <a:buNone/>
+            </a:pPr>
+            <a:r>
+              <a:rPr lang="zh-TW" altLang="en-US" sz="5400" b="1" dirty="0" smtClean="0">
+                <a:latin typeface="微軟正黑體" pitchFamily="34" charset="-120"/>
+                <a:ea typeface="微軟正黑體" pitchFamily="34" charset="-120"/>
+              </a:rPr>
+              <a:t>俯</a:t>
+            </a:r>
+            <a:r>
+              <a:rPr lang="zh-TW" altLang="en-US" sz="5400" b="1" dirty="0">
+                <a:latin typeface="微軟正黑體" pitchFamily="34" charset="-120"/>
+                <a:ea typeface="微軟正黑體" pitchFamily="34" charset="-120"/>
+              </a:rPr>
+              <a:t>伏敬拜在祢寶座前</a:t>
+            </a:r>
+          </a:p>
+        </p:txBody>
+      </p:sp>
+    </p:spTree>
+  </p:cSld>
+  <p:clrMapOvr>
+    <a:masterClrMapping/>
+  </p:clrMapOvr>
+</p:sld>
+</file>
+
+<file path=ppt/slides/slide48.xml><?xml version="1.0" encoding="utf-8"?>
+<p:sld xmlns:a="http://schemas.openxmlformats.org/drawingml/2006/main" xmlns:r="http://schemas.openxmlformats.org/officeDocument/2006/relationships" xmlns:p="http://schemas.openxmlformats.org/presentationml/2006/main">
+  <p:cSld>
+    <p:spTree>
+      <p:nvGrpSpPr>
+        <p:cNvPr id="1" name=""/>
+        <p:cNvGrpSpPr/>
+        <p:nvPr/>
+      </p:nvGrpSpPr>
+      <p:grpSpPr>
+        <a:xfrm>
+          <a:off x="0" y="0"/>
+          <a:ext cx="0" cy="0"/>
+          <a:chOff x="0" y="0"/>
+          <a:chExt cx="0" cy="0"/>
+        </a:xfrm>
+      </p:grpSpPr>
+      <p:sp>
+        <p:nvSpPr>
+          <p:cNvPr id="2" name="標題 1"/>
+          <p:cNvSpPr>
+            <a:spLocks noGrp="1"/>
+          </p:cNvSpPr>
+          <p:nvPr>
+            <p:ph type="title"/>
+          </p:nvPr>
+        </p:nvSpPr>
+        <p:spPr/>
+        <p:txBody>
+          <a:bodyPr/>
+          <a:lstStyle/>
+          <a:p>
+            <a:r>
+              <a:rPr lang="zh-TW" altLang="en-US" b="1" dirty="0">
+                <a:latin typeface="微軟正黑體" pitchFamily="34" charset="-120"/>
+                <a:ea typeface="微軟正黑體" pitchFamily="34" charset="-120"/>
+              </a:rPr>
+              <a:t>打開天窗</a:t>
+            </a:r>
+          </a:p>
+        </p:txBody>
+      </p:sp>
+      <p:sp>
+        <p:nvSpPr>
+          <p:cNvPr id="3" name="內容版面配置區 2"/>
+          <p:cNvSpPr>
+            <a:spLocks noGrp="1"/>
+          </p:cNvSpPr>
+          <p:nvPr>
+            <p:ph idx="1"/>
+          </p:nvPr>
+        </p:nvSpPr>
+        <p:spPr/>
+        <p:txBody>
+          <a:bodyPr>
+            <a:normAutofit/>
+          </a:bodyPr>
+          <a:lstStyle/>
+          <a:p>
+            <a:pPr algn="ctr">
+              <a:buNone/>
+            </a:pPr>
+            <a:r>
+              <a:rPr lang="zh-TW" altLang="en-US" sz="5400" b="1" dirty="0">
+                <a:latin typeface="微軟正黑體" pitchFamily="34" charset="-120"/>
+                <a:ea typeface="微軟正黑體" pitchFamily="34" charset="-120"/>
+              </a:rPr>
+              <a:t>打開天窗　打開</a:t>
+            </a:r>
+            <a:r>
+              <a:rPr lang="zh-TW" altLang="en-US" sz="5400" b="1" dirty="0" smtClean="0">
+                <a:latin typeface="微軟正黑體" pitchFamily="34" charset="-120"/>
+                <a:ea typeface="微軟正黑體" pitchFamily="34" charset="-120"/>
+              </a:rPr>
+              <a:t>天窗</a:t>
+            </a:r>
+            <a:endParaRPr lang="en-US" altLang="zh-TW" sz="5400" b="1" dirty="0">
+              <a:latin typeface="微軟正黑體" pitchFamily="34" charset="-120"/>
+              <a:ea typeface="微軟正黑體" pitchFamily="34" charset="-120"/>
+            </a:endParaRPr>
+          </a:p>
+          <a:p>
+            <a:pPr algn="ctr">
+              <a:buNone/>
+            </a:pPr>
+            <a:r>
+              <a:rPr lang="zh-TW" altLang="en-US" sz="5400" b="1" dirty="0" smtClean="0">
+                <a:latin typeface="微軟正黑體" pitchFamily="34" charset="-120"/>
+                <a:ea typeface="微軟正黑體" pitchFamily="34" charset="-120"/>
+              </a:rPr>
+              <a:t>願</a:t>
+            </a:r>
+            <a:r>
+              <a:rPr lang="zh-TW" altLang="en-US" sz="5400" b="1" dirty="0">
+                <a:latin typeface="微軟正黑體" pitchFamily="34" charset="-120"/>
+                <a:ea typeface="微軟正黑體" pitchFamily="34" charset="-120"/>
+              </a:rPr>
+              <a:t>我的禱告打開</a:t>
+            </a:r>
+            <a:r>
+              <a:rPr lang="zh-TW" altLang="en-US" sz="5400" b="1" dirty="0" smtClean="0">
+                <a:latin typeface="微軟正黑體" pitchFamily="34" charset="-120"/>
+                <a:ea typeface="微軟正黑體" pitchFamily="34" charset="-120"/>
+              </a:rPr>
+              <a:t>天窗</a:t>
+            </a:r>
+            <a:endParaRPr lang="en-US" altLang="zh-TW" sz="5400" b="1" dirty="0">
+              <a:latin typeface="微軟正黑體" pitchFamily="34" charset="-120"/>
+              <a:ea typeface="微軟正黑體" pitchFamily="34" charset="-120"/>
+            </a:endParaRPr>
+          </a:p>
+          <a:p>
+            <a:pPr algn="ctr">
+              <a:buNone/>
+            </a:pPr>
+            <a:r>
+              <a:rPr lang="zh-TW" altLang="en-US" sz="5400" b="1" dirty="0" smtClean="0">
+                <a:latin typeface="微軟正黑體" pitchFamily="34" charset="-120"/>
+                <a:ea typeface="微軟正黑體" pitchFamily="34" charset="-120"/>
+              </a:rPr>
+              <a:t>願</a:t>
+            </a:r>
+            <a:r>
+              <a:rPr lang="zh-TW" altLang="en-US" sz="5400" b="1" dirty="0">
+                <a:latin typeface="微軟正黑體" pitchFamily="34" charset="-120"/>
+                <a:ea typeface="微軟正黑體" pitchFamily="34" charset="-120"/>
+              </a:rPr>
+              <a:t>祢充滿　祢的</a:t>
+            </a:r>
+            <a:r>
+              <a:rPr lang="zh-TW" altLang="en-US" sz="5400" b="1" dirty="0" smtClean="0">
+                <a:latin typeface="微軟正黑體" pitchFamily="34" charset="-120"/>
+                <a:ea typeface="微軟正黑體" pitchFamily="34" charset="-120"/>
+              </a:rPr>
+              <a:t>榮耀</a:t>
+            </a:r>
+            <a:endParaRPr lang="en-US" altLang="zh-TW" sz="5400" b="1" dirty="0">
+              <a:latin typeface="微軟正黑體" pitchFamily="34" charset="-120"/>
+              <a:ea typeface="微軟正黑體" pitchFamily="34" charset="-120"/>
+            </a:endParaRPr>
+          </a:p>
+          <a:p>
+            <a:pPr algn="ctr">
+              <a:buNone/>
+            </a:pPr>
+            <a:r>
+              <a:rPr lang="zh-TW" altLang="en-US" sz="5400" b="1" dirty="0" smtClean="0">
+                <a:latin typeface="微軟正黑體" pitchFamily="34" charset="-120"/>
+                <a:ea typeface="微軟正黑體" pitchFamily="34" charset="-120"/>
+              </a:rPr>
+              <a:t>祢</a:t>
+            </a:r>
+            <a:r>
+              <a:rPr lang="zh-TW" altLang="en-US" sz="5400" b="1" dirty="0">
+                <a:latin typeface="微軟正黑體" pitchFamily="34" charset="-120"/>
+                <a:ea typeface="微軟正黑體" pitchFamily="34" charset="-120"/>
+              </a:rPr>
+              <a:t>的同在在這地</a:t>
+            </a:r>
+          </a:p>
+        </p:txBody>
+      </p:sp>
+    </p:spTree>
+  </p:cSld>
+  <p:clrMapOvr>
+    <a:masterClrMapping/>
+  </p:clrMapOvr>
+</p:sld>
+</file>
+
+<file path=ppt/slides/slide49.xml><?xml version="1.0" encoding="utf-8"?>
+<p:sld xmlns:a="http://schemas.openxmlformats.org/drawingml/2006/main" xmlns:r="http://schemas.openxmlformats.org/officeDocument/2006/relationships" xmlns:p="http://schemas.openxmlformats.org/presentationml/2006/main">
+  <p:cSld>
+    <p:spTree>
+      <p:nvGrpSpPr>
+        <p:cNvPr id="1" name=""/>
+        <p:cNvGrpSpPr/>
+        <p:nvPr/>
+      </p:nvGrpSpPr>
+      <p:grpSpPr>
+        <a:xfrm>
+          <a:off x="0" y="0"/>
+          <a:ext cx="0" cy="0"/>
+          <a:chOff x="0" y="0"/>
+          <a:chExt cx="0" cy="0"/>
+        </a:xfrm>
+      </p:grpSpPr>
+      <p:sp>
+        <p:nvSpPr>
+          <p:cNvPr id="2" name="標題 1"/>
+          <p:cNvSpPr>
+            <a:spLocks noGrp="1"/>
+          </p:cNvSpPr>
+          <p:nvPr>
+            <p:ph type="title"/>
+          </p:nvPr>
+        </p:nvSpPr>
+        <p:spPr/>
+        <p:txBody>
+          <a:bodyPr/>
+          <a:lstStyle/>
+          <a:p>
+            <a:r>
+              <a:rPr lang="zh-TW" altLang="en-US" b="1" dirty="0">
+                <a:latin typeface="微軟正黑體" pitchFamily="34" charset="-120"/>
+                <a:ea typeface="微軟正黑體" pitchFamily="34" charset="-120"/>
+              </a:rPr>
+              <a:t>打開天窗</a:t>
+            </a:r>
+          </a:p>
+        </p:txBody>
+      </p:sp>
+      <p:sp>
+        <p:nvSpPr>
+          <p:cNvPr id="3" name="內容版面配置區 2"/>
+          <p:cNvSpPr>
+            <a:spLocks noGrp="1"/>
+          </p:cNvSpPr>
+          <p:nvPr>
+            <p:ph idx="1"/>
+          </p:nvPr>
+        </p:nvSpPr>
+        <p:spPr/>
+        <p:txBody>
+          <a:bodyPr>
+            <a:normAutofit/>
+          </a:bodyPr>
+          <a:lstStyle/>
+          <a:p>
+            <a:pPr algn="ctr">
+              <a:buNone/>
+            </a:pPr>
+            <a:r>
+              <a:rPr lang="zh-TW" altLang="en-US" sz="5400" b="1" dirty="0">
+                <a:latin typeface="微軟正黑體" pitchFamily="34" charset="-120"/>
+                <a:ea typeface="微軟正黑體" pitchFamily="34" charset="-120"/>
+              </a:rPr>
+              <a:t>打開天窗　打開</a:t>
+            </a:r>
+            <a:r>
+              <a:rPr lang="zh-TW" altLang="en-US" sz="5400" b="1" dirty="0" smtClean="0">
+                <a:latin typeface="微軟正黑體" pitchFamily="34" charset="-120"/>
+                <a:ea typeface="微軟正黑體" pitchFamily="34" charset="-120"/>
+              </a:rPr>
+              <a:t>天窗</a:t>
+            </a:r>
+            <a:endParaRPr lang="en-US" altLang="zh-TW" sz="5400" b="1" dirty="0">
+              <a:latin typeface="微軟正黑體" pitchFamily="34" charset="-120"/>
+              <a:ea typeface="微軟正黑體" pitchFamily="34" charset="-120"/>
+            </a:endParaRPr>
+          </a:p>
+          <a:p>
+            <a:pPr algn="ctr">
+              <a:buNone/>
+            </a:pPr>
+            <a:r>
+              <a:rPr lang="zh-TW" altLang="en-US" sz="5400" b="1" dirty="0" smtClean="0">
+                <a:latin typeface="微軟正黑體" pitchFamily="34" charset="-120"/>
+                <a:ea typeface="微軟正黑體" pitchFamily="34" charset="-120"/>
+              </a:rPr>
+              <a:t>願</a:t>
+            </a:r>
+            <a:r>
+              <a:rPr lang="zh-TW" altLang="en-US" sz="5400" b="1" dirty="0">
+                <a:latin typeface="微軟正黑體" pitchFamily="34" charset="-120"/>
+                <a:ea typeface="微軟正黑體" pitchFamily="34" charset="-120"/>
+              </a:rPr>
+              <a:t>我的敬拜打開</a:t>
+            </a:r>
+            <a:r>
+              <a:rPr lang="zh-TW" altLang="en-US" sz="5400" b="1" dirty="0" smtClean="0">
+                <a:latin typeface="微軟正黑體" pitchFamily="34" charset="-120"/>
+                <a:ea typeface="微軟正黑體" pitchFamily="34" charset="-120"/>
+              </a:rPr>
+              <a:t>天窗</a:t>
+            </a:r>
+            <a:endParaRPr lang="en-US" altLang="zh-TW" sz="5400" b="1" dirty="0">
+              <a:latin typeface="微軟正黑體" pitchFamily="34" charset="-120"/>
+              <a:ea typeface="微軟正黑體" pitchFamily="34" charset="-120"/>
+            </a:endParaRPr>
+          </a:p>
+          <a:p>
+            <a:pPr algn="ctr">
+              <a:buNone/>
+            </a:pPr>
+            <a:r>
+              <a:rPr lang="zh-TW" altLang="en-US" sz="5400" b="1" dirty="0" smtClean="0">
+                <a:latin typeface="微軟正黑體" pitchFamily="34" charset="-120"/>
+                <a:ea typeface="微軟正黑體" pitchFamily="34" charset="-120"/>
+              </a:rPr>
+              <a:t>我們</a:t>
+            </a:r>
+            <a:r>
+              <a:rPr lang="zh-TW" altLang="en-US" sz="5400" b="1" dirty="0">
+                <a:latin typeface="微軟正黑體" pitchFamily="34" charset="-120"/>
+                <a:ea typeface="微軟正黑體" pitchFamily="34" charset="-120"/>
+              </a:rPr>
+              <a:t>只要祢的</a:t>
+            </a:r>
+            <a:r>
+              <a:rPr lang="zh-TW" altLang="en-US" sz="5400" b="1" dirty="0" smtClean="0">
+                <a:latin typeface="微軟正黑體" pitchFamily="34" charset="-120"/>
+                <a:ea typeface="微軟正黑體" pitchFamily="34" charset="-120"/>
+              </a:rPr>
+              <a:t>榮耀</a:t>
+            </a:r>
+            <a:endParaRPr lang="en-US" altLang="zh-TW" sz="5400" b="1" dirty="0">
+              <a:latin typeface="微軟正黑體" pitchFamily="34" charset="-120"/>
+              <a:ea typeface="微軟正黑體" pitchFamily="34" charset="-120"/>
+            </a:endParaRPr>
+          </a:p>
+          <a:p>
+            <a:pPr algn="ctr">
+              <a:buNone/>
+            </a:pPr>
+            <a:r>
+              <a:rPr lang="zh-TW" altLang="en-US" sz="5400" b="1" dirty="0" smtClean="0">
+                <a:latin typeface="微軟正黑體" pitchFamily="34" charset="-120"/>
+                <a:ea typeface="微軟正黑體" pitchFamily="34" charset="-120"/>
+              </a:rPr>
+              <a:t>祢</a:t>
+            </a:r>
+            <a:r>
+              <a:rPr lang="zh-TW" altLang="en-US" sz="5400" b="1" dirty="0">
+                <a:latin typeface="微軟正黑體" pitchFamily="34" charset="-120"/>
+                <a:ea typeface="微軟正黑體" pitchFamily="34" charset="-120"/>
+              </a:rPr>
+              <a:t>的同在在這地　在這地</a:t>
+            </a:r>
+          </a:p>
+        </p:txBody>
+      </p:sp>
+    </p:spTree>
   </p:cSld>
   <p:clrMapOvr>
     <a:masterClrMapping/>
@@ -3800,37 +8333,7 @@
                 <a:latin typeface="微軟正黑體" pitchFamily="34" charset="-120"/>
                 <a:ea typeface="微軟正黑體" pitchFamily="34" charset="-120"/>
               </a:rPr>
-              <a:t>祢手上的釘</a:t>
-            </a:r>
-            <a:r>
-              <a:rPr lang="zh-TW" altLang="en-US" sz="6400" b="1" dirty="0">
-                <a:solidFill>
-                  <a:srgbClr val="000066"/>
-                </a:solidFill>
-                <a:latin typeface="微軟正黑體" pitchFamily="34" charset="-120"/>
-                <a:ea typeface="微軟正黑體" pitchFamily="34" charset="-120"/>
-              </a:rPr>
-              <a:t>痕  彰</a:t>
-            </a:r>
-            <a:r>
-              <a:rPr lang="zh-TW" altLang="en-US" sz="6400" b="1" dirty="0">
-                <a:solidFill>
-                  <a:srgbClr val="000066"/>
-                </a:solidFill>
-                <a:latin typeface="微軟正黑體" pitchFamily="34" charset="-120"/>
-                <a:ea typeface="微軟正黑體" pitchFamily="34" charset="-120"/>
-              </a:rPr>
-              <a:t>顯十架大</a:t>
-            </a:r>
-            <a:r>
-              <a:rPr lang="zh-TW" altLang="en-US" sz="6400" b="1" dirty="0">
-                <a:solidFill>
-                  <a:srgbClr val="000066"/>
-                </a:solidFill>
-                <a:latin typeface="微軟正黑體" pitchFamily="34" charset="-120"/>
-                <a:ea typeface="微軟正黑體" pitchFamily="34" charset="-120"/>
-              </a:rPr>
-              <a:t>愛</a:t>
+              <a:t>祢手上的釘痕  彰顯十架大愛</a:t>
             </a:r>
             <a:endParaRPr lang="en-US" altLang="zh-TW" sz="6400" b="1" dirty="0">
               <a:solidFill>
@@ -3852,37 +8355,7 @@
                 <a:latin typeface="微軟正黑體" pitchFamily="34" charset="-120"/>
                 <a:ea typeface="微軟正黑體" pitchFamily="34" charset="-120"/>
               </a:rPr>
-              <a:t>我</a:t>
-            </a:r>
-            <a:r>
-              <a:rPr lang="zh-TW" altLang="en-US" sz="6400" b="1" dirty="0">
-                <a:solidFill>
-                  <a:srgbClr val="000066"/>
-                </a:solidFill>
-                <a:latin typeface="微軟正黑體" pitchFamily="34" charset="-120"/>
-                <a:ea typeface="微軟正黑體" pitchFamily="34" charset="-120"/>
-              </a:rPr>
-              <a:t>要大聲宣</a:t>
-            </a:r>
-            <a:r>
-              <a:rPr lang="zh-TW" altLang="en-US" sz="6400" b="1" dirty="0">
-                <a:solidFill>
-                  <a:srgbClr val="000066"/>
-                </a:solidFill>
-                <a:latin typeface="微軟正黑體" pitchFamily="34" charset="-120"/>
-                <a:ea typeface="微軟正黑體" pitchFamily="34" charset="-120"/>
-              </a:rPr>
-              <a:t>告  耶穌  祢</a:t>
-            </a:r>
-            <a:r>
-              <a:rPr lang="zh-TW" altLang="en-US" sz="6400" b="1" dirty="0">
-                <a:solidFill>
-                  <a:srgbClr val="000066"/>
-                </a:solidFill>
-                <a:latin typeface="微軟正黑體" pitchFamily="34" charset="-120"/>
-                <a:ea typeface="微軟正黑體" pitchFamily="34" charset="-120"/>
-              </a:rPr>
-              <a:t>一直都在</a:t>
+              <a:t>我要大聲宣告  耶穌  祢一直都在</a:t>
             </a:r>
             <a:endParaRPr lang="en-US" altLang="zh-TW" sz="6400" b="1" dirty="0">
               <a:solidFill>
@@ -3936,9 +8409,1273 @@
     </p:spTree>
     <p:extLst>
       <p:ext uri="{BB962C8B-B14F-4D97-AF65-F5344CB8AC3E}">
-        <p14:creationId xmlns:p14="http://schemas.microsoft.com/office/powerpoint/2010/main" val="566601035"/>
+        <p14:creationId xmlns:p14="http://schemas.microsoft.com/office/powerpoint/2010/main" xmlns="" val="566601035"/>
       </p:ext>
     </p:extLst>
+  </p:cSld>
+  <p:clrMapOvr>
+    <a:masterClrMapping/>
+  </p:clrMapOvr>
+</p:sld>
+</file>
+
+<file path=ppt/slides/slide50.xml><?xml version="1.0" encoding="utf-8"?>
+<p:sld xmlns:a="http://schemas.openxmlformats.org/drawingml/2006/main" xmlns:r="http://schemas.openxmlformats.org/officeDocument/2006/relationships" xmlns:p="http://schemas.openxmlformats.org/presentationml/2006/main">
+  <p:cSld>
+    <p:spTree>
+      <p:nvGrpSpPr>
+        <p:cNvPr id="1" name=""/>
+        <p:cNvGrpSpPr/>
+        <p:nvPr/>
+      </p:nvGrpSpPr>
+      <p:grpSpPr>
+        <a:xfrm>
+          <a:off x="0" y="0"/>
+          <a:ext cx="0" cy="0"/>
+          <a:chOff x="0" y="0"/>
+          <a:chExt cx="0" cy="0"/>
+        </a:xfrm>
+      </p:grpSpPr>
+      <p:sp>
+        <p:nvSpPr>
+          <p:cNvPr id="2" name="標題 1"/>
+          <p:cNvSpPr>
+            <a:spLocks noGrp="1"/>
+          </p:cNvSpPr>
+          <p:nvPr>
+            <p:ph type="title"/>
+          </p:nvPr>
+        </p:nvSpPr>
+        <p:spPr/>
+        <p:txBody>
+          <a:bodyPr/>
+          <a:lstStyle/>
+          <a:p>
+            <a:r>
+              <a:rPr lang="zh-TW" altLang="en-US" b="1" dirty="0">
+                <a:latin typeface="微軟正黑體" pitchFamily="34" charset="-120"/>
+                <a:ea typeface="微軟正黑體" pitchFamily="34" charset="-120"/>
+              </a:rPr>
+              <a:t>打開天窗</a:t>
+            </a:r>
+          </a:p>
+        </p:txBody>
+      </p:sp>
+      <p:sp>
+        <p:nvSpPr>
+          <p:cNvPr id="3" name="內容版面配置區 2"/>
+          <p:cNvSpPr>
+            <a:spLocks noGrp="1"/>
+          </p:cNvSpPr>
+          <p:nvPr>
+            <p:ph idx="1"/>
+          </p:nvPr>
+        </p:nvSpPr>
+        <p:spPr/>
+        <p:txBody>
+          <a:bodyPr>
+            <a:normAutofit/>
+          </a:bodyPr>
+          <a:lstStyle/>
+          <a:p>
+            <a:pPr algn="ctr">
+              <a:buNone/>
+            </a:pPr>
+            <a:r>
+              <a:rPr lang="zh-TW" altLang="en-US" sz="5400" b="1" dirty="0">
+                <a:latin typeface="微軟正黑體" pitchFamily="34" charset="-120"/>
+                <a:ea typeface="微軟正黑體" pitchFamily="34" charset="-120"/>
+              </a:rPr>
+              <a:t>願我的禱告如香　</a:t>
+            </a:r>
+            <a:endParaRPr lang="en-US" altLang="zh-TW" sz="5400" b="1" dirty="0" smtClean="0">
+              <a:latin typeface="微軟正黑體" pitchFamily="34" charset="-120"/>
+              <a:ea typeface="微軟正黑體" pitchFamily="34" charset="-120"/>
+            </a:endParaRPr>
+          </a:p>
+          <a:p>
+            <a:pPr algn="ctr">
+              <a:buNone/>
+            </a:pPr>
+            <a:r>
+              <a:rPr lang="zh-TW" altLang="en-US" sz="5400" b="1" dirty="0" smtClean="0">
+                <a:latin typeface="微軟正黑體" pitchFamily="34" charset="-120"/>
+                <a:ea typeface="微軟正黑體" pitchFamily="34" charset="-120"/>
+              </a:rPr>
+              <a:t>願</a:t>
+            </a:r>
+            <a:r>
+              <a:rPr lang="zh-TW" altLang="en-US" sz="5400" b="1" dirty="0">
+                <a:latin typeface="微軟正黑體" pitchFamily="34" charset="-120"/>
+                <a:ea typeface="微軟正黑體" pitchFamily="34" charset="-120"/>
+              </a:rPr>
+              <a:t>我的禱告如</a:t>
+            </a:r>
+            <a:r>
+              <a:rPr lang="zh-TW" altLang="en-US" sz="5400" b="1" dirty="0" smtClean="0">
+                <a:latin typeface="微軟正黑體" pitchFamily="34" charset="-120"/>
+                <a:ea typeface="微軟正黑體" pitchFamily="34" charset="-120"/>
+              </a:rPr>
+              <a:t>香</a:t>
+            </a:r>
+            <a:endParaRPr lang="en-US" altLang="zh-TW" sz="5400" b="1" dirty="0" smtClean="0">
+              <a:latin typeface="微軟正黑體" pitchFamily="34" charset="-120"/>
+              <a:ea typeface="微軟正黑體" pitchFamily="34" charset="-120"/>
+            </a:endParaRPr>
+          </a:p>
+        </p:txBody>
+      </p:sp>
+    </p:spTree>
+  </p:cSld>
+  <p:clrMapOvr>
+    <a:masterClrMapping/>
+  </p:clrMapOvr>
+</p:sld>
+</file>
+
+<file path=ppt/slides/slide51.xml><?xml version="1.0" encoding="utf-8"?>
+<p:sld xmlns:a="http://schemas.openxmlformats.org/drawingml/2006/main" xmlns:r="http://schemas.openxmlformats.org/officeDocument/2006/relationships" xmlns:p="http://schemas.openxmlformats.org/presentationml/2006/main">
+  <p:cSld>
+    <p:spTree>
+      <p:nvGrpSpPr>
+        <p:cNvPr id="1" name=""/>
+        <p:cNvGrpSpPr/>
+        <p:nvPr/>
+      </p:nvGrpSpPr>
+      <p:grpSpPr>
+        <a:xfrm>
+          <a:off x="0" y="0"/>
+          <a:ext cx="0" cy="0"/>
+          <a:chOff x="0" y="0"/>
+          <a:chExt cx="0" cy="0"/>
+        </a:xfrm>
+      </p:grpSpPr>
+      <p:sp>
+        <p:nvSpPr>
+          <p:cNvPr id="2" name="標題 1"/>
+          <p:cNvSpPr>
+            <a:spLocks noGrp="1"/>
+          </p:cNvSpPr>
+          <p:nvPr>
+            <p:ph type="title"/>
+          </p:nvPr>
+        </p:nvSpPr>
+        <p:spPr/>
+        <p:txBody>
+          <a:bodyPr/>
+          <a:lstStyle/>
+          <a:p>
+            <a:r>
+              <a:rPr lang="zh-TW" altLang="en-US" b="1" dirty="0">
+                <a:latin typeface="微軟正黑體" pitchFamily="34" charset="-120"/>
+                <a:ea typeface="微軟正黑體" pitchFamily="34" charset="-120"/>
+              </a:rPr>
+              <a:t>打開天窗</a:t>
+            </a:r>
+          </a:p>
+        </p:txBody>
+      </p:sp>
+      <p:sp>
+        <p:nvSpPr>
+          <p:cNvPr id="3" name="內容版面配置區 2"/>
+          <p:cNvSpPr>
+            <a:spLocks noGrp="1"/>
+          </p:cNvSpPr>
+          <p:nvPr>
+            <p:ph idx="1"/>
+          </p:nvPr>
+        </p:nvSpPr>
+        <p:spPr/>
+        <p:txBody>
+          <a:bodyPr>
+            <a:normAutofit/>
+          </a:bodyPr>
+          <a:lstStyle/>
+          <a:p>
+            <a:pPr algn="ctr">
+              <a:buNone/>
+            </a:pPr>
+            <a:r>
+              <a:rPr lang="zh-TW" altLang="en-US" sz="5400" b="1" dirty="0">
+                <a:latin typeface="微軟正黑體" pitchFamily="34" charset="-120"/>
+                <a:ea typeface="微軟正黑體" pitchFamily="34" charset="-120"/>
+              </a:rPr>
+              <a:t>願我的禱告如香　</a:t>
+            </a:r>
+            <a:endParaRPr lang="en-US" altLang="zh-TW" sz="5400" b="1" dirty="0" smtClean="0">
+              <a:latin typeface="微軟正黑體" pitchFamily="34" charset="-120"/>
+              <a:ea typeface="微軟正黑體" pitchFamily="34" charset="-120"/>
+            </a:endParaRPr>
+          </a:p>
+          <a:p>
+            <a:pPr algn="ctr">
+              <a:buNone/>
+            </a:pPr>
+            <a:r>
+              <a:rPr lang="zh-TW" altLang="en-US" sz="5400" b="1" dirty="0" smtClean="0">
+                <a:latin typeface="微軟正黑體" pitchFamily="34" charset="-120"/>
+                <a:ea typeface="微軟正黑體" pitchFamily="34" charset="-120"/>
+              </a:rPr>
+              <a:t>願</a:t>
+            </a:r>
+            <a:r>
+              <a:rPr lang="zh-TW" altLang="en-US" sz="5400" b="1" dirty="0">
+                <a:latin typeface="微軟正黑體" pitchFamily="34" charset="-120"/>
+                <a:ea typeface="微軟正黑體" pitchFamily="34" charset="-120"/>
+              </a:rPr>
+              <a:t>我的禱告如</a:t>
+            </a:r>
+            <a:r>
+              <a:rPr lang="zh-TW" altLang="en-US" sz="5400" b="1" dirty="0" smtClean="0">
+                <a:latin typeface="微軟正黑體" pitchFamily="34" charset="-120"/>
+                <a:ea typeface="微軟正黑體" pitchFamily="34" charset="-120"/>
+              </a:rPr>
+              <a:t>香</a:t>
+            </a:r>
+            <a:endParaRPr lang="en-US" altLang="zh-TW" sz="5400" b="1" dirty="0" smtClean="0">
+              <a:latin typeface="微軟正黑體" pitchFamily="34" charset="-120"/>
+              <a:ea typeface="微軟正黑體" pitchFamily="34" charset="-120"/>
+            </a:endParaRPr>
+          </a:p>
+        </p:txBody>
+      </p:sp>
+    </p:spTree>
+  </p:cSld>
+  <p:clrMapOvr>
+    <a:masterClrMapping/>
+  </p:clrMapOvr>
+</p:sld>
+</file>
+
+<file path=ppt/slides/slide52.xml><?xml version="1.0" encoding="utf-8"?>
+<p:sld xmlns:a="http://schemas.openxmlformats.org/drawingml/2006/main" xmlns:r="http://schemas.openxmlformats.org/officeDocument/2006/relationships" xmlns:p="http://schemas.openxmlformats.org/presentationml/2006/main">
+  <p:cSld>
+    <p:spTree>
+      <p:nvGrpSpPr>
+        <p:cNvPr id="1" name=""/>
+        <p:cNvGrpSpPr/>
+        <p:nvPr/>
+      </p:nvGrpSpPr>
+      <p:grpSpPr>
+        <a:xfrm>
+          <a:off x="0" y="0"/>
+          <a:ext cx="0" cy="0"/>
+          <a:chOff x="0" y="0"/>
+          <a:chExt cx="0" cy="0"/>
+        </a:xfrm>
+      </p:grpSpPr>
+      <p:sp>
+        <p:nvSpPr>
+          <p:cNvPr id="2" name="標題 1"/>
+          <p:cNvSpPr>
+            <a:spLocks noGrp="1"/>
+          </p:cNvSpPr>
+          <p:nvPr>
+            <p:ph type="title"/>
+          </p:nvPr>
+        </p:nvSpPr>
+        <p:spPr/>
+        <p:txBody>
+          <a:bodyPr/>
+          <a:lstStyle/>
+          <a:p>
+            <a:r>
+              <a:rPr lang="zh-TW" altLang="en-US" b="1" dirty="0">
+                <a:latin typeface="微軟正黑體" pitchFamily="34" charset="-120"/>
+                <a:ea typeface="微軟正黑體" pitchFamily="34" charset="-120"/>
+              </a:rPr>
+              <a:t>打開天窗</a:t>
+            </a:r>
+          </a:p>
+        </p:txBody>
+      </p:sp>
+      <p:sp>
+        <p:nvSpPr>
+          <p:cNvPr id="3" name="內容版面配置區 2"/>
+          <p:cNvSpPr>
+            <a:spLocks noGrp="1"/>
+          </p:cNvSpPr>
+          <p:nvPr>
+            <p:ph idx="1"/>
+          </p:nvPr>
+        </p:nvSpPr>
+        <p:spPr/>
+        <p:txBody>
+          <a:bodyPr>
+            <a:normAutofit/>
+          </a:bodyPr>
+          <a:lstStyle/>
+          <a:p>
+            <a:pPr algn="ctr">
+              <a:buNone/>
+            </a:pPr>
+            <a:r>
+              <a:rPr lang="zh-TW" altLang="en-US" sz="5400" b="1" dirty="0">
+                <a:latin typeface="微軟正黑體" pitchFamily="34" charset="-120"/>
+                <a:ea typeface="微軟正黑體" pitchFamily="34" charset="-120"/>
+              </a:rPr>
+              <a:t>願我的禱告如香　</a:t>
+            </a:r>
+            <a:endParaRPr lang="en-US" altLang="zh-TW" sz="5400" b="1" dirty="0" smtClean="0">
+              <a:latin typeface="微軟正黑體" pitchFamily="34" charset="-120"/>
+              <a:ea typeface="微軟正黑體" pitchFamily="34" charset="-120"/>
+            </a:endParaRPr>
+          </a:p>
+          <a:p>
+            <a:pPr algn="ctr">
+              <a:buNone/>
+            </a:pPr>
+            <a:r>
+              <a:rPr lang="zh-TW" altLang="en-US" sz="5400" b="1" dirty="0" smtClean="0">
+                <a:latin typeface="微軟正黑體" pitchFamily="34" charset="-120"/>
+                <a:ea typeface="微軟正黑體" pitchFamily="34" charset="-120"/>
+              </a:rPr>
+              <a:t>願</a:t>
+            </a:r>
+            <a:r>
+              <a:rPr lang="zh-TW" altLang="en-US" sz="5400" b="1" dirty="0">
+                <a:latin typeface="微軟正黑體" pitchFamily="34" charset="-120"/>
+                <a:ea typeface="微軟正黑體" pitchFamily="34" charset="-120"/>
+              </a:rPr>
+              <a:t>我的禱告如</a:t>
+            </a:r>
+            <a:r>
+              <a:rPr lang="zh-TW" altLang="en-US" sz="5400" b="1" dirty="0" smtClean="0">
+                <a:latin typeface="微軟正黑體" pitchFamily="34" charset="-120"/>
+                <a:ea typeface="微軟正黑體" pitchFamily="34" charset="-120"/>
+              </a:rPr>
+              <a:t>香</a:t>
+            </a:r>
+            <a:endParaRPr lang="en-US" altLang="zh-TW" sz="5400" b="1" dirty="0" smtClean="0">
+              <a:latin typeface="微軟正黑體" pitchFamily="34" charset="-120"/>
+              <a:ea typeface="微軟正黑體" pitchFamily="34" charset="-120"/>
+            </a:endParaRPr>
+          </a:p>
+        </p:txBody>
+      </p:sp>
+    </p:spTree>
+  </p:cSld>
+  <p:clrMapOvr>
+    <a:masterClrMapping/>
+  </p:clrMapOvr>
+</p:sld>
+</file>
+
+<file path=ppt/slides/slide53.xml><?xml version="1.0" encoding="utf-8"?>
+<p:sld xmlns:a="http://schemas.openxmlformats.org/drawingml/2006/main" xmlns:r="http://schemas.openxmlformats.org/officeDocument/2006/relationships" xmlns:p="http://schemas.openxmlformats.org/presentationml/2006/main">
+  <p:cSld>
+    <p:spTree>
+      <p:nvGrpSpPr>
+        <p:cNvPr id="1" name=""/>
+        <p:cNvGrpSpPr/>
+        <p:nvPr/>
+      </p:nvGrpSpPr>
+      <p:grpSpPr>
+        <a:xfrm>
+          <a:off x="0" y="0"/>
+          <a:ext cx="0" cy="0"/>
+          <a:chOff x="0" y="0"/>
+          <a:chExt cx="0" cy="0"/>
+        </a:xfrm>
+      </p:grpSpPr>
+      <p:sp>
+        <p:nvSpPr>
+          <p:cNvPr id="2" name="標題 1"/>
+          <p:cNvSpPr>
+            <a:spLocks noGrp="1"/>
+          </p:cNvSpPr>
+          <p:nvPr>
+            <p:ph type="title"/>
+          </p:nvPr>
+        </p:nvSpPr>
+        <p:spPr/>
+        <p:txBody>
+          <a:bodyPr/>
+          <a:lstStyle/>
+          <a:p>
+            <a:r>
+              <a:rPr lang="zh-TW" altLang="en-US" b="1" dirty="0">
+                <a:latin typeface="微軟正黑體" pitchFamily="34" charset="-120"/>
+                <a:ea typeface="微軟正黑體" pitchFamily="34" charset="-120"/>
+              </a:rPr>
+              <a:t>打開天窗</a:t>
+            </a:r>
+          </a:p>
+        </p:txBody>
+      </p:sp>
+      <p:sp>
+        <p:nvSpPr>
+          <p:cNvPr id="3" name="內容版面配置區 2"/>
+          <p:cNvSpPr>
+            <a:spLocks noGrp="1"/>
+          </p:cNvSpPr>
+          <p:nvPr>
+            <p:ph idx="1"/>
+          </p:nvPr>
+        </p:nvSpPr>
+        <p:spPr/>
+        <p:txBody>
+          <a:bodyPr>
+            <a:normAutofit/>
+          </a:bodyPr>
+          <a:lstStyle/>
+          <a:p>
+            <a:pPr algn="ctr">
+              <a:buNone/>
+            </a:pPr>
+            <a:r>
+              <a:rPr lang="zh-TW" altLang="en-US" sz="5400" b="1" dirty="0">
+                <a:latin typeface="微軟正黑體" pitchFamily="34" charset="-120"/>
+                <a:ea typeface="微軟正黑體" pitchFamily="34" charset="-120"/>
+              </a:rPr>
+              <a:t>願我的禱告如香　</a:t>
+            </a:r>
+            <a:endParaRPr lang="en-US" altLang="zh-TW" sz="5400" b="1" dirty="0" smtClean="0">
+              <a:latin typeface="微軟正黑體" pitchFamily="34" charset="-120"/>
+              <a:ea typeface="微軟正黑體" pitchFamily="34" charset="-120"/>
+            </a:endParaRPr>
+          </a:p>
+          <a:p>
+            <a:pPr algn="ctr">
+              <a:buNone/>
+            </a:pPr>
+            <a:r>
+              <a:rPr lang="zh-TW" altLang="en-US" sz="5400" b="1" dirty="0" smtClean="0">
+                <a:latin typeface="微軟正黑體" pitchFamily="34" charset="-120"/>
+                <a:ea typeface="微軟正黑體" pitchFamily="34" charset="-120"/>
+              </a:rPr>
+              <a:t>願</a:t>
+            </a:r>
+            <a:r>
+              <a:rPr lang="zh-TW" altLang="en-US" sz="5400" b="1" dirty="0">
+                <a:latin typeface="微軟正黑體" pitchFamily="34" charset="-120"/>
+                <a:ea typeface="微軟正黑體" pitchFamily="34" charset="-120"/>
+              </a:rPr>
+              <a:t>我的禱告如</a:t>
+            </a:r>
+            <a:r>
+              <a:rPr lang="zh-TW" altLang="en-US" sz="5400" b="1" dirty="0" smtClean="0">
+                <a:latin typeface="微軟正黑體" pitchFamily="34" charset="-120"/>
+                <a:ea typeface="微軟正黑體" pitchFamily="34" charset="-120"/>
+              </a:rPr>
+              <a:t>香</a:t>
+            </a:r>
+            <a:endParaRPr lang="en-US" altLang="zh-TW" sz="5400" b="1" dirty="0" smtClean="0">
+              <a:latin typeface="微軟正黑體" pitchFamily="34" charset="-120"/>
+              <a:ea typeface="微軟正黑體" pitchFamily="34" charset="-120"/>
+            </a:endParaRPr>
+          </a:p>
+        </p:txBody>
+      </p:sp>
+    </p:spTree>
+  </p:cSld>
+  <p:clrMapOvr>
+    <a:masterClrMapping/>
+  </p:clrMapOvr>
+</p:sld>
+</file>
+
+<file path=ppt/slides/slide54.xml><?xml version="1.0" encoding="utf-8"?>
+<p:sld xmlns:a="http://schemas.openxmlformats.org/drawingml/2006/main" xmlns:r="http://schemas.openxmlformats.org/officeDocument/2006/relationships" xmlns:p="http://schemas.openxmlformats.org/presentationml/2006/main">
+  <p:cSld>
+    <p:spTree>
+      <p:nvGrpSpPr>
+        <p:cNvPr id="1" name=""/>
+        <p:cNvGrpSpPr/>
+        <p:nvPr/>
+      </p:nvGrpSpPr>
+      <p:grpSpPr>
+        <a:xfrm>
+          <a:off x="0" y="0"/>
+          <a:ext cx="0" cy="0"/>
+          <a:chOff x="0" y="0"/>
+          <a:chExt cx="0" cy="0"/>
+        </a:xfrm>
+      </p:grpSpPr>
+      <p:sp>
+        <p:nvSpPr>
+          <p:cNvPr id="2" name="標題 1"/>
+          <p:cNvSpPr>
+            <a:spLocks noGrp="1"/>
+          </p:cNvSpPr>
+          <p:nvPr>
+            <p:ph type="title"/>
+          </p:nvPr>
+        </p:nvSpPr>
+        <p:spPr/>
+        <p:txBody>
+          <a:bodyPr/>
+          <a:lstStyle/>
+          <a:p>
+            <a:r>
+              <a:rPr lang="zh-TW" altLang="en-US" b="1" dirty="0">
+                <a:latin typeface="微軟正黑體" pitchFamily="34" charset="-120"/>
+                <a:ea typeface="微軟正黑體" pitchFamily="34" charset="-120"/>
+              </a:rPr>
+              <a:t>打開天窗</a:t>
+            </a:r>
+          </a:p>
+        </p:txBody>
+      </p:sp>
+      <p:sp>
+        <p:nvSpPr>
+          <p:cNvPr id="3" name="內容版面配置區 2"/>
+          <p:cNvSpPr>
+            <a:spLocks noGrp="1"/>
+          </p:cNvSpPr>
+          <p:nvPr>
+            <p:ph idx="1"/>
+          </p:nvPr>
+        </p:nvSpPr>
+        <p:spPr/>
+        <p:txBody>
+          <a:bodyPr>
+            <a:normAutofit/>
+          </a:bodyPr>
+          <a:lstStyle/>
+          <a:p>
+            <a:pPr algn="ctr">
+              <a:buNone/>
+            </a:pPr>
+            <a:r>
+              <a:rPr lang="zh-TW" altLang="en-US" sz="5400" b="1" dirty="0">
+                <a:latin typeface="微軟正黑體" pitchFamily="34" charset="-120"/>
+                <a:ea typeface="微軟正黑體" pitchFamily="34" charset="-120"/>
+              </a:rPr>
+              <a:t>願我的禱告如香　</a:t>
+            </a:r>
+            <a:endParaRPr lang="en-US" altLang="zh-TW" sz="5400" b="1" dirty="0" smtClean="0">
+              <a:latin typeface="微軟正黑體" pitchFamily="34" charset="-120"/>
+              <a:ea typeface="微軟正黑體" pitchFamily="34" charset="-120"/>
+            </a:endParaRPr>
+          </a:p>
+          <a:p>
+            <a:pPr algn="ctr">
+              <a:buNone/>
+            </a:pPr>
+            <a:r>
+              <a:rPr lang="zh-TW" altLang="en-US" sz="5400" b="1" dirty="0" smtClean="0">
+                <a:latin typeface="微軟正黑體" pitchFamily="34" charset="-120"/>
+                <a:ea typeface="微軟正黑體" pitchFamily="34" charset="-120"/>
+              </a:rPr>
+              <a:t>願</a:t>
+            </a:r>
+            <a:r>
+              <a:rPr lang="zh-TW" altLang="en-US" sz="5400" b="1" dirty="0">
+                <a:latin typeface="微軟正黑體" pitchFamily="34" charset="-120"/>
+                <a:ea typeface="微軟正黑體" pitchFamily="34" charset="-120"/>
+              </a:rPr>
+              <a:t>我的禱告如</a:t>
+            </a:r>
+            <a:r>
+              <a:rPr lang="zh-TW" altLang="en-US" sz="5400" b="1" dirty="0" smtClean="0">
+                <a:latin typeface="微軟正黑體" pitchFamily="34" charset="-120"/>
+                <a:ea typeface="微軟正黑體" pitchFamily="34" charset="-120"/>
+              </a:rPr>
+              <a:t>香</a:t>
+            </a:r>
+            <a:endParaRPr lang="en-US" altLang="zh-TW" sz="5400" b="1" dirty="0" smtClean="0">
+              <a:latin typeface="微軟正黑體" pitchFamily="34" charset="-120"/>
+              <a:ea typeface="微軟正黑體" pitchFamily="34" charset="-120"/>
+            </a:endParaRPr>
+          </a:p>
+        </p:txBody>
+      </p:sp>
+    </p:spTree>
+  </p:cSld>
+  <p:clrMapOvr>
+    <a:masterClrMapping/>
+  </p:clrMapOvr>
+</p:sld>
+</file>
+
+<file path=ppt/slides/slide55.xml><?xml version="1.0" encoding="utf-8"?>
+<p:sld xmlns:a="http://schemas.openxmlformats.org/drawingml/2006/main" xmlns:r="http://schemas.openxmlformats.org/officeDocument/2006/relationships" xmlns:p="http://schemas.openxmlformats.org/presentationml/2006/main">
+  <p:cSld>
+    <p:spTree>
+      <p:nvGrpSpPr>
+        <p:cNvPr id="1" name=""/>
+        <p:cNvGrpSpPr/>
+        <p:nvPr/>
+      </p:nvGrpSpPr>
+      <p:grpSpPr>
+        <a:xfrm>
+          <a:off x="0" y="0"/>
+          <a:ext cx="0" cy="0"/>
+          <a:chOff x="0" y="0"/>
+          <a:chExt cx="0" cy="0"/>
+        </a:xfrm>
+      </p:grpSpPr>
+      <p:sp>
+        <p:nvSpPr>
+          <p:cNvPr id="2" name="標題 1"/>
+          <p:cNvSpPr>
+            <a:spLocks noGrp="1"/>
+          </p:cNvSpPr>
+          <p:nvPr>
+            <p:ph type="title"/>
+          </p:nvPr>
+        </p:nvSpPr>
+        <p:spPr/>
+        <p:txBody>
+          <a:bodyPr/>
+          <a:lstStyle/>
+          <a:p>
+            <a:r>
+              <a:rPr lang="zh-TW" altLang="en-US" b="1" dirty="0">
+                <a:latin typeface="微軟正黑體" pitchFamily="34" charset="-120"/>
+                <a:ea typeface="微軟正黑體" pitchFamily="34" charset="-120"/>
+              </a:rPr>
+              <a:t>打開天窗</a:t>
+            </a:r>
+          </a:p>
+        </p:txBody>
+      </p:sp>
+      <p:sp>
+        <p:nvSpPr>
+          <p:cNvPr id="3" name="內容版面配置區 2"/>
+          <p:cNvSpPr>
+            <a:spLocks noGrp="1"/>
+          </p:cNvSpPr>
+          <p:nvPr>
+            <p:ph idx="1"/>
+          </p:nvPr>
+        </p:nvSpPr>
+        <p:spPr/>
+        <p:txBody>
+          <a:bodyPr>
+            <a:normAutofit/>
+          </a:bodyPr>
+          <a:lstStyle/>
+          <a:p>
+            <a:pPr algn="ctr">
+              <a:buNone/>
+            </a:pPr>
+            <a:r>
+              <a:rPr lang="zh-TW" altLang="en-US" sz="5400" b="1" dirty="0">
+                <a:latin typeface="微軟正黑體" pitchFamily="34" charset="-120"/>
+                <a:ea typeface="微軟正黑體" pitchFamily="34" charset="-120"/>
+              </a:rPr>
+              <a:t>願我的禱告如香　</a:t>
+            </a:r>
+            <a:endParaRPr lang="en-US" altLang="zh-TW" sz="5400" b="1" dirty="0" smtClean="0">
+              <a:latin typeface="微軟正黑體" pitchFamily="34" charset="-120"/>
+              <a:ea typeface="微軟正黑體" pitchFamily="34" charset="-120"/>
+            </a:endParaRPr>
+          </a:p>
+          <a:p>
+            <a:pPr algn="ctr">
+              <a:buNone/>
+            </a:pPr>
+            <a:r>
+              <a:rPr lang="zh-TW" altLang="en-US" sz="5400" b="1" dirty="0" smtClean="0">
+                <a:latin typeface="微軟正黑體" pitchFamily="34" charset="-120"/>
+                <a:ea typeface="微軟正黑體" pitchFamily="34" charset="-120"/>
+              </a:rPr>
+              <a:t>願</a:t>
+            </a:r>
+            <a:r>
+              <a:rPr lang="zh-TW" altLang="en-US" sz="5400" b="1" dirty="0">
+                <a:latin typeface="微軟正黑體" pitchFamily="34" charset="-120"/>
+                <a:ea typeface="微軟正黑體" pitchFamily="34" charset="-120"/>
+              </a:rPr>
+              <a:t>我的禱告如</a:t>
+            </a:r>
+            <a:r>
+              <a:rPr lang="zh-TW" altLang="en-US" sz="5400" b="1" dirty="0" smtClean="0">
+                <a:latin typeface="微軟正黑體" pitchFamily="34" charset="-120"/>
+                <a:ea typeface="微軟正黑體" pitchFamily="34" charset="-120"/>
+              </a:rPr>
+              <a:t>香</a:t>
+            </a:r>
+            <a:endParaRPr lang="en-US" altLang="zh-TW" sz="5400" b="1" dirty="0" smtClean="0">
+              <a:latin typeface="微軟正黑體" pitchFamily="34" charset="-120"/>
+              <a:ea typeface="微軟正黑體" pitchFamily="34" charset="-120"/>
+            </a:endParaRPr>
+          </a:p>
+        </p:txBody>
+      </p:sp>
+    </p:spTree>
+  </p:cSld>
+  <p:clrMapOvr>
+    <a:masterClrMapping/>
+  </p:clrMapOvr>
+</p:sld>
+</file>
+
+<file path=ppt/slides/slide56.xml><?xml version="1.0" encoding="utf-8"?>
+<p:sld xmlns:a="http://schemas.openxmlformats.org/drawingml/2006/main" xmlns:r="http://schemas.openxmlformats.org/officeDocument/2006/relationships" xmlns:p="http://schemas.openxmlformats.org/presentationml/2006/main">
+  <p:cSld>
+    <p:spTree>
+      <p:nvGrpSpPr>
+        <p:cNvPr id="1" name=""/>
+        <p:cNvGrpSpPr/>
+        <p:nvPr/>
+      </p:nvGrpSpPr>
+      <p:grpSpPr>
+        <a:xfrm>
+          <a:off x="0" y="0"/>
+          <a:ext cx="0" cy="0"/>
+          <a:chOff x="0" y="0"/>
+          <a:chExt cx="0" cy="0"/>
+        </a:xfrm>
+      </p:grpSpPr>
+      <p:sp>
+        <p:nvSpPr>
+          <p:cNvPr id="2" name="標題 1"/>
+          <p:cNvSpPr>
+            <a:spLocks noGrp="1"/>
+          </p:cNvSpPr>
+          <p:nvPr>
+            <p:ph type="title"/>
+          </p:nvPr>
+        </p:nvSpPr>
+        <p:spPr/>
+        <p:txBody>
+          <a:bodyPr/>
+          <a:lstStyle/>
+          <a:p>
+            <a:r>
+              <a:rPr lang="zh-TW" altLang="en-US" b="1" dirty="0">
+                <a:latin typeface="微軟正黑體" pitchFamily="34" charset="-120"/>
+                <a:ea typeface="微軟正黑體" pitchFamily="34" charset="-120"/>
+              </a:rPr>
+              <a:t>打開天窗</a:t>
+            </a:r>
+          </a:p>
+        </p:txBody>
+      </p:sp>
+      <p:sp>
+        <p:nvSpPr>
+          <p:cNvPr id="3" name="內容版面配置區 2"/>
+          <p:cNvSpPr>
+            <a:spLocks noGrp="1"/>
+          </p:cNvSpPr>
+          <p:nvPr>
+            <p:ph idx="1"/>
+          </p:nvPr>
+        </p:nvSpPr>
+        <p:spPr/>
+        <p:txBody>
+          <a:bodyPr>
+            <a:normAutofit/>
+          </a:bodyPr>
+          <a:lstStyle/>
+          <a:p>
+            <a:pPr algn="ctr">
+              <a:buNone/>
+            </a:pPr>
+            <a:r>
+              <a:rPr lang="zh-TW" altLang="en-US" sz="5400" b="1" dirty="0">
+                <a:latin typeface="微軟正黑體" pitchFamily="34" charset="-120"/>
+                <a:ea typeface="微軟正黑體" pitchFamily="34" charset="-120"/>
+              </a:rPr>
+              <a:t>願我的禱告如香　</a:t>
+            </a:r>
+            <a:endParaRPr lang="en-US" altLang="zh-TW" sz="5400" b="1" dirty="0" smtClean="0">
+              <a:latin typeface="微軟正黑體" pitchFamily="34" charset="-120"/>
+              <a:ea typeface="微軟正黑體" pitchFamily="34" charset="-120"/>
+            </a:endParaRPr>
+          </a:p>
+          <a:p>
+            <a:pPr algn="ctr">
+              <a:buNone/>
+            </a:pPr>
+            <a:r>
+              <a:rPr lang="zh-TW" altLang="en-US" sz="5400" b="1" dirty="0" smtClean="0">
+                <a:latin typeface="微軟正黑體" pitchFamily="34" charset="-120"/>
+                <a:ea typeface="微軟正黑體" pitchFamily="34" charset="-120"/>
+              </a:rPr>
+              <a:t>願</a:t>
+            </a:r>
+            <a:r>
+              <a:rPr lang="zh-TW" altLang="en-US" sz="5400" b="1" dirty="0">
+                <a:latin typeface="微軟正黑體" pitchFamily="34" charset="-120"/>
+                <a:ea typeface="微軟正黑體" pitchFamily="34" charset="-120"/>
+              </a:rPr>
+              <a:t>我的禱告如</a:t>
+            </a:r>
+            <a:r>
+              <a:rPr lang="zh-TW" altLang="en-US" sz="5400" b="1" dirty="0" smtClean="0">
+                <a:latin typeface="微軟正黑體" pitchFamily="34" charset="-120"/>
+                <a:ea typeface="微軟正黑體" pitchFamily="34" charset="-120"/>
+              </a:rPr>
+              <a:t>香</a:t>
+            </a:r>
+            <a:endParaRPr lang="en-US" altLang="zh-TW" sz="5400" b="1" dirty="0" smtClean="0">
+              <a:latin typeface="微軟正黑體" pitchFamily="34" charset="-120"/>
+              <a:ea typeface="微軟正黑體" pitchFamily="34" charset="-120"/>
+            </a:endParaRPr>
+          </a:p>
+        </p:txBody>
+      </p:sp>
+    </p:spTree>
+  </p:cSld>
+  <p:clrMapOvr>
+    <a:masterClrMapping/>
+  </p:clrMapOvr>
+</p:sld>
+</file>
+
+<file path=ppt/slides/slide57.xml><?xml version="1.0" encoding="utf-8"?>
+<p:sld xmlns:a="http://schemas.openxmlformats.org/drawingml/2006/main" xmlns:r="http://schemas.openxmlformats.org/officeDocument/2006/relationships" xmlns:p="http://schemas.openxmlformats.org/presentationml/2006/main">
+  <p:cSld>
+    <p:spTree>
+      <p:nvGrpSpPr>
+        <p:cNvPr id="1" name=""/>
+        <p:cNvGrpSpPr/>
+        <p:nvPr/>
+      </p:nvGrpSpPr>
+      <p:grpSpPr>
+        <a:xfrm>
+          <a:off x="0" y="0"/>
+          <a:ext cx="0" cy="0"/>
+          <a:chOff x="0" y="0"/>
+          <a:chExt cx="0" cy="0"/>
+        </a:xfrm>
+      </p:grpSpPr>
+      <p:sp>
+        <p:nvSpPr>
+          <p:cNvPr id="2" name="標題 1"/>
+          <p:cNvSpPr>
+            <a:spLocks noGrp="1"/>
+          </p:cNvSpPr>
+          <p:nvPr>
+            <p:ph type="title"/>
+          </p:nvPr>
+        </p:nvSpPr>
+        <p:spPr/>
+        <p:txBody>
+          <a:bodyPr/>
+          <a:lstStyle/>
+          <a:p>
+            <a:r>
+              <a:rPr lang="zh-TW" altLang="en-US" b="1" dirty="0">
+                <a:latin typeface="微軟正黑體" pitchFamily="34" charset="-120"/>
+                <a:ea typeface="微軟正黑體" pitchFamily="34" charset="-120"/>
+              </a:rPr>
+              <a:t>打開天窗</a:t>
+            </a:r>
+          </a:p>
+        </p:txBody>
+      </p:sp>
+      <p:sp>
+        <p:nvSpPr>
+          <p:cNvPr id="3" name="內容版面配置區 2"/>
+          <p:cNvSpPr>
+            <a:spLocks noGrp="1"/>
+          </p:cNvSpPr>
+          <p:nvPr>
+            <p:ph idx="1"/>
+          </p:nvPr>
+        </p:nvSpPr>
+        <p:spPr/>
+        <p:txBody>
+          <a:bodyPr>
+            <a:normAutofit/>
+          </a:bodyPr>
+          <a:lstStyle/>
+          <a:p>
+            <a:pPr algn="ctr">
+              <a:buNone/>
+            </a:pPr>
+            <a:r>
+              <a:rPr lang="zh-TW" altLang="en-US" sz="5400" b="1" dirty="0">
+                <a:latin typeface="微軟正黑體" pitchFamily="34" charset="-120"/>
+                <a:ea typeface="微軟正黑體" pitchFamily="34" charset="-120"/>
+              </a:rPr>
+              <a:t>願我的禱告如香　</a:t>
+            </a:r>
+            <a:endParaRPr lang="en-US" altLang="zh-TW" sz="5400" b="1" dirty="0" smtClean="0">
+              <a:latin typeface="微軟正黑體" pitchFamily="34" charset="-120"/>
+              <a:ea typeface="微軟正黑體" pitchFamily="34" charset="-120"/>
+            </a:endParaRPr>
+          </a:p>
+          <a:p>
+            <a:pPr algn="ctr">
+              <a:buNone/>
+            </a:pPr>
+            <a:r>
+              <a:rPr lang="zh-TW" altLang="en-US" sz="5400" b="1" dirty="0" smtClean="0">
+                <a:latin typeface="微軟正黑體" pitchFamily="34" charset="-120"/>
+                <a:ea typeface="微軟正黑體" pitchFamily="34" charset="-120"/>
+              </a:rPr>
+              <a:t>願</a:t>
+            </a:r>
+            <a:r>
+              <a:rPr lang="zh-TW" altLang="en-US" sz="5400" b="1" dirty="0">
+                <a:latin typeface="微軟正黑體" pitchFamily="34" charset="-120"/>
+                <a:ea typeface="微軟正黑體" pitchFamily="34" charset="-120"/>
+              </a:rPr>
+              <a:t>我的禱告如</a:t>
+            </a:r>
+            <a:r>
+              <a:rPr lang="zh-TW" altLang="en-US" sz="5400" b="1" dirty="0" smtClean="0">
+                <a:latin typeface="微軟正黑體" pitchFamily="34" charset="-120"/>
+                <a:ea typeface="微軟正黑體" pitchFamily="34" charset="-120"/>
+              </a:rPr>
+              <a:t>香</a:t>
+            </a:r>
+            <a:endParaRPr lang="en-US" altLang="zh-TW" sz="5400" b="1" dirty="0" smtClean="0">
+              <a:latin typeface="微軟正黑體" pitchFamily="34" charset="-120"/>
+              <a:ea typeface="微軟正黑體" pitchFamily="34" charset="-120"/>
+            </a:endParaRPr>
+          </a:p>
+          <a:p>
+            <a:pPr algn="ctr">
+              <a:buNone/>
+            </a:pPr>
+            <a:r>
+              <a:rPr lang="zh-TW" altLang="en-US" sz="5400" b="1" dirty="0">
+                <a:latin typeface="微軟正黑體" pitchFamily="34" charset="-120"/>
+                <a:ea typeface="微軟正黑體" pitchFamily="34" charset="-120"/>
+              </a:rPr>
+              <a:t>獻在祢面前</a:t>
+            </a:r>
+          </a:p>
+        </p:txBody>
+      </p:sp>
+    </p:spTree>
+  </p:cSld>
+  <p:clrMapOvr>
+    <a:masterClrMapping/>
+  </p:clrMapOvr>
+</p:sld>
+</file>
+
+<file path=ppt/slides/slide58.xml><?xml version="1.0" encoding="utf-8"?>
+<p:sld xmlns:a="http://schemas.openxmlformats.org/drawingml/2006/main" xmlns:r="http://schemas.openxmlformats.org/officeDocument/2006/relationships" xmlns:p="http://schemas.openxmlformats.org/presentationml/2006/main">
+  <p:cSld>
+    <p:spTree>
+      <p:nvGrpSpPr>
+        <p:cNvPr id="1" name=""/>
+        <p:cNvGrpSpPr/>
+        <p:nvPr/>
+      </p:nvGrpSpPr>
+      <p:grpSpPr>
+        <a:xfrm>
+          <a:off x="0" y="0"/>
+          <a:ext cx="0" cy="0"/>
+          <a:chOff x="0" y="0"/>
+          <a:chExt cx="0" cy="0"/>
+        </a:xfrm>
+      </p:grpSpPr>
+      <p:sp>
+        <p:nvSpPr>
+          <p:cNvPr id="2" name="標題 1"/>
+          <p:cNvSpPr>
+            <a:spLocks noGrp="1"/>
+          </p:cNvSpPr>
+          <p:nvPr>
+            <p:ph type="title"/>
+          </p:nvPr>
+        </p:nvSpPr>
+        <p:spPr/>
+        <p:txBody>
+          <a:bodyPr/>
+          <a:lstStyle/>
+          <a:p>
+            <a:r>
+              <a:rPr lang="zh-TW" altLang="en-US" b="1" dirty="0">
+                <a:latin typeface="微軟正黑體" pitchFamily="34" charset="-120"/>
+                <a:ea typeface="微軟正黑體" pitchFamily="34" charset="-120"/>
+              </a:rPr>
+              <a:t>打開天窗</a:t>
+            </a:r>
+          </a:p>
+        </p:txBody>
+      </p:sp>
+      <p:sp>
+        <p:nvSpPr>
+          <p:cNvPr id="3" name="內容版面配置區 2"/>
+          <p:cNvSpPr>
+            <a:spLocks noGrp="1"/>
+          </p:cNvSpPr>
+          <p:nvPr>
+            <p:ph idx="1"/>
+          </p:nvPr>
+        </p:nvSpPr>
+        <p:spPr/>
+        <p:txBody>
+          <a:bodyPr>
+            <a:normAutofit/>
+          </a:bodyPr>
+          <a:lstStyle/>
+          <a:p>
+            <a:pPr algn="ctr">
+              <a:buNone/>
+            </a:pPr>
+            <a:r>
+              <a:rPr lang="zh-TW" altLang="en-US" sz="5400" b="1" dirty="0">
+                <a:latin typeface="微軟正黑體" pitchFamily="34" charset="-120"/>
+                <a:ea typeface="微軟正黑體" pitchFamily="34" charset="-120"/>
+              </a:rPr>
+              <a:t>打開天窗　打開</a:t>
+            </a:r>
+            <a:r>
+              <a:rPr lang="zh-TW" altLang="en-US" sz="5400" b="1" dirty="0" smtClean="0">
+                <a:latin typeface="微軟正黑體" pitchFamily="34" charset="-120"/>
+                <a:ea typeface="微軟正黑體" pitchFamily="34" charset="-120"/>
+              </a:rPr>
+              <a:t>天窗</a:t>
+            </a:r>
+            <a:endParaRPr lang="en-US" altLang="zh-TW" sz="5400" b="1" dirty="0">
+              <a:latin typeface="微軟正黑體" pitchFamily="34" charset="-120"/>
+              <a:ea typeface="微軟正黑體" pitchFamily="34" charset="-120"/>
+            </a:endParaRPr>
+          </a:p>
+          <a:p>
+            <a:pPr algn="ctr">
+              <a:buNone/>
+            </a:pPr>
+            <a:r>
+              <a:rPr lang="zh-TW" altLang="en-US" sz="5400" b="1" dirty="0" smtClean="0">
+                <a:latin typeface="微軟正黑體" pitchFamily="34" charset="-120"/>
+                <a:ea typeface="微軟正黑體" pitchFamily="34" charset="-120"/>
+              </a:rPr>
+              <a:t>願</a:t>
+            </a:r>
+            <a:r>
+              <a:rPr lang="zh-TW" altLang="en-US" sz="5400" b="1" dirty="0">
+                <a:latin typeface="微軟正黑體" pitchFamily="34" charset="-120"/>
+                <a:ea typeface="微軟正黑體" pitchFamily="34" charset="-120"/>
+              </a:rPr>
+              <a:t>我的禱告打開</a:t>
+            </a:r>
+            <a:r>
+              <a:rPr lang="zh-TW" altLang="en-US" sz="5400" b="1" dirty="0" smtClean="0">
+                <a:latin typeface="微軟正黑體" pitchFamily="34" charset="-120"/>
+                <a:ea typeface="微軟正黑體" pitchFamily="34" charset="-120"/>
+              </a:rPr>
+              <a:t>天窗</a:t>
+            </a:r>
+            <a:endParaRPr lang="en-US" altLang="zh-TW" sz="5400" b="1" dirty="0">
+              <a:latin typeface="微軟正黑體" pitchFamily="34" charset="-120"/>
+              <a:ea typeface="微軟正黑體" pitchFamily="34" charset="-120"/>
+            </a:endParaRPr>
+          </a:p>
+          <a:p>
+            <a:pPr algn="ctr">
+              <a:buNone/>
+            </a:pPr>
+            <a:r>
+              <a:rPr lang="zh-TW" altLang="en-US" sz="5400" b="1" dirty="0" smtClean="0">
+                <a:latin typeface="微軟正黑體" pitchFamily="34" charset="-120"/>
+                <a:ea typeface="微軟正黑體" pitchFamily="34" charset="-120"/>
+              </a:rPr>
+              <a:t>願</a:t>
+            </a:r>
+            <a:r>
+              <a:rPr lang="zh-TW" altLang="en-US" sz="5400" b="1" dirty="0">
+                <a:latin typeface="微軟正黑體" pitchFamily="34" charset="-120"/>
+                <a:ea typeface="微軟正黑體" pitchFamily="34" charset="-120"/>
+              </a:rPr>
+              <a:t>祢充滿　祢的</a:t>
+            </a:r>
+            <a:r>
+              <a:rPr lang="zh-TW" altLang="en-US" sz="5400" b="1" dirty="0" smtClean="0">
+                <a:latin typeface="微軟正黑體" pitchFamily="34" charset="-120"/>
+                <a:ea typeface="微軟正黑體" pitchFamily="34" charset="-120"/>
+              </a:rPr>
+              <a:t>榮耀</a:t>
+            </a:r>
+            <a:endParaRPr lang="en-US" altLang="zh-TW" sz="5400" b="1" dirty="0">
+              <a:latin typeface="微軟正黑體" pitchFamily="34" charset="-120"/>
+              <a:ea typeface="微軟正黑體" pitchFamily="34" charset="-120"/>
+            </a:endParaRPr>
+          </a:p>
+          <a:p>
+            <a:pPr algn="ctr">
+              <a:buNone/>
+            </a:pPr>
+            <a:r>
+              <a:rPr lang="zh-TW" altLang="en-US" sz="5400" b="1" dirty="0" smtClean="0">
+                <a:latin typeface="微軟正黑體" pitchFamily="34" charset="-120"/>
+                <a:ea typeface="微軟正黑體" pitchFamily="34" charset="-120"/>
+              </a:rPr>
+              <a:t>祢</a:t>
+            </a:r>
+            <a:r>
+              <a:rPr lang="zh-TW" altLang="en-US" sz="5400" b="1" dirty="0">
+                <a:latin typeface="微軟正黑體" pitchFamily="34" charset="-120"/>
+                <a:ea typeface="微軟正黑體" pitchFamily="34" charset="-120"/>
+              </a:rPr>
+              <a:t>的同在在這地</a:t>
+            </a:r>
+          </a:p>
+        </p:txBody>
+      </p:sp>
+    </p:spTree>
+  </p:cSld>
+  <p:clrMapOvr>
+    <a:masterClrMapping/>
+  </p:clrMapOvr>
+</p:sld>
+</file>
+
+<file path=ppt/slides/slide59.xml><?xml version="1.0" encoding="utf-8"?>
+<p:sld xmlns:a="http://schemas.openxmlformats.org/drawingml/2006/main" xmlns:r="http://schemas.openxmlformats.org/officeDocument/2006/relationships" xmlns:p="http://schemas.openxmlformats.org/presentationml/2006/main">
+  <p:cSld>
+    <p:spTree>
+      <p:nvGrpSpPr>
+        <p:cNvPr id="1" name=""/>
+        <p:cNvGrpSpPr/>
+        <p:nvPr/>
+      </p:nvGrpSpPr>
+      <p:grpSpPr>
+        <a:xfrm>
+          <a:off x="0" y="0"/>
+          <a:ext cx="0" cy="0"/>
+          <a:chOff x="0" y="0"/>
+          <a:chExt cx="0" cy="0"/>
+        </a:xfrm>
+      </p:grpSpPr>
+      <p:sp>
+        <p:nvSpPr>
+          <p:cNvPr id="2" name="標題 1"/>
+          <p:cNvSpPr>
+            <a:spLocks noGrp="1"/>
+          </p:cNvSpPr>
+          <p:nvPr>
+            <p:ph type="title"/>
+          </p:nvPr>
+        </p:nvSpPr>
+        <p:spPr/>
+        <p:txBody>
+          <a:bodyPr/>
+          <a:lstStyle/>
+          <a:p>
+            <a:r>
+              <a:rPr lang="zh-TW" altLang="en-US" b="1" dirty="0">
+                <a:latin typeface="微軟正黑體" pitchFamily="34" charset="-120"/>
+                <a:ea typeface="微軟正黑體" pitchFamily="34" charset="-120"/>
+              </a:rPr>
+              <a:t>打開天窗</a:t>
+            </a:r>
+          </a:p>
+        </p:txBody>
+      </p:sp>
+      <p:sp>
+        <p:nvSpPr>
+          <p:cNvPr id="3" name="內容版面配置區 2"/>
+          <p:cNvSpPr>
+            <a:spLocks noGrp="1"/>
+          </p:cNvSpPr>
+          <p:nvPr>
+            <p:ph idx="1"/>
+          </p:nvPr>
+        </p:nvSpPr>
+        <p:spPr/>
+        <p:txBody>
+          <a:bodyPr>
+            <a:normAutofit/>
+          </a:bodyPr>
+          <a:lstStyle/>
+          <a:p>
+            <a:pPr algn="ctr">
+              <a:buNone/>
+            </a:pPr>
+            <a:r>
+              <a:rPr lang="zh-TW" altLang="en-US" sz="5400" b="1" dirty="0">
+                <a:latin typeface="微軟正黑體" pitchFamily="34" charset="-120"/>
+                <a:ea typeface="微軟正黑體" pitchFamily="34" charset="-120"/>
+              </a:rPr>
+              <a:t>打開天窗　打開</a:t>
+            </a:r>
+            <a:r>
+              <a:rPr lang="zh-TW" altLang="en-US" sz="5400" b="1" dirty="0" smtClean="0">
+                <a:latin typeface="微軟正黑體" pitchFamily="34" charset="-120"/>
+                <a:ea typeface="微軟正黑體" pitchFamily="34" charset="-120"/>
+              </a:rPr>
+              <a:t>天窗</a:t>
+            </a:r>
+            <a:endParaRPr lang="en-US" altLang="zh-TW" sz="5400" b="1" dirty="0">
+              <a:latin typeface="微軟正黑體" pitchFamily="34" charset="-120"/>
+              <a:ea typeface="微軟正黑體" pitchFamily="34" charset="-120"/>
+            </a:endParaRPr>
+          </a:p>
+          <a:p>
+            <a:pPr algn="ctr">
+              <a:buNone/>
+            </a:pPr>
+            <a:r>
+              <a:rPr lang="zh-TW" altLang="en-US" sz="5400" b="1" dirty="0" smtClean="0">
+                <a:latin typeface="微軟正黑體" pitchFamily="34" charset="-120"/>
+                <a:ea typeface="微軟正黑體" pitchFamily="34" charset="-120"/>
+              </a:rPr>
+              <a:t>願</a:t>
+            </a:r>
+            <a:r>
+              <a:rPr lang="zh-TW" altLang="en-US" sz="5400" b="1" dirty="0">
+                <a:latin typeface="微軟正黑體" pitchFamily="34" charset="-120"/>
+                <a:ea typeface="微軟正黑體" pitchFamily="34" charset="-120"/>
+              </a:rPr>
+              <a:t>我的敬拜打開</a:t>
+            </a:r>
+            <a:r>
+              <a:rPr lang="zh-TW" altLang="en-US" sz="5400" b="1" dirty="0" smtClean="0">
+                <a:latin typeface="微軟正黑體" pitchFamily="34" charset="-120"/>
+                <a:ea typeface="微軟正黑體" pitchFamily="34" charset="-120"/>
+              </a:rPr>
+              <a:t>天窗</a:t>
+            </a:r>
+            <a:endParaRPr lang="en-US" altLang="zh-TW" sz="5400" b="1" dirty="0">
+              <a:latin typeface="微軟正黑體" pitchFamily="34" charset="-120"/>
+              <a:ea typeface="微軟正黑體" pitchFamily="34" charset="-120"/>
+            </a:endParaRPr>
+          </a:p>
+          <a:p>
+            <a:pPr algn="ctr">
+              <a:buNone/>
+            </a:pPr>
+            <a:r>
+              <a:rPr lang="zh-TW" altLang="en-US" sz="5400" b="1" dirty="0" smtClean="0">
+                <a:latin typeface="微軟正黑體" pitchFamily="34" charset="-120"/>
+                <a:ea typeface="微軟正黑體" pitchFamily="34" charset="-120"/>
+              </a:rPr>
+              <a:t>我們</a:t>
+            </a:r>
+            <a:r>
+              <a:rPr lang="zh-TW" altLang="en-US" sz="5400" b="1" dirty="0">
+                <a:latin typeface="微軟正黑體" pitchFamily="34" charset="-120"/>
+                <a:ea typeface="微軟正黑體" pitchFamily="34" charset="-120"/>
+              </a:rPr>
+              <a:t>只要祢的</a:t>
+            </a:r>
+            <a:r>
+              <a:rPr lang="zh-TW" altLang="en-US" sz="5400" b="1" dirty="0" smtClean="0">
+                <a:latin typeface="微軟正黑體" pitchFamily="34" charset="-120"/>
+                <a:ea typeface="微軟正黑體" pitchFamily="34" charset="-120"/>
+              </a:rPr>
+              <a:t>榮耀</a:t>
+            </a:r>
+            <a:endParaRPr lang="en-US" altLang="zh-TW" sz="5400" b="1" dirty="0">
+              <a:latin typeface="微軟正黑體" pitchFamily="34" charset="-120"/>
+              <a:ea typeface="微軟正黑體" pitchFamily="34" charset="-120"/>
+            </a:endParaRPr>
+          </a:p>
+          <a:p>
+            <a:pPr algn="ctr">
+              <a:buNone/>
+            </a:pPr>
+            <a:r>
+              <a:rPr lang="zh-TW" altLang="en-US" sz="5400" b="1" dirty="0" smtClean="0">
+                <a:latin typeface="微軟正黑體" pitchFamily="34" charset="-120"/>
+                <a:ea typeface="微軟正黑體" pitchFamily="34" charset="-120"/>
+              </a:rPr>
+              <a:t>祢</a:t>
+            </a:r>
+            <a:r>
+              <a:rPr lang="zh-TW" altLang="en-US" sz="5400" b="1" dirty="0">
+                <a:latin typeface="微軟正黑體" pitchFamily="34" charset="-120"/>
+                <a:ea typeface="微軟正黑體" pitchFamily="34" charset="-120"/>
+              </a:rPr>
+              <a:t>的同在在這地　在這地</a:t>
+            </a:r>
+          </a:p>
+        </p:txBody>
+      </p:sp>
+    </p:spTree>
   </p:cSld>
   <p:clrMapOvr>
     <a:masterClrMapping/>
@@ -3981,7 +9718,7 @@
         </p:spPr>
         <p:txBody>
           <a:bodyPr anchor="ctr">
-            <a:noAutofit/>
+            <a:normAutofit/>
           </a:bodyPr>
           <a:lstStyle/>
           <a:p>
@@ -3996,17 +9733,7 @@
                 <a:latin typeface="微軟正黑體" pitchFamily="34" charset="-120"/>
                 <a:ea typeface="微軟正黑體" pitchFamily="34" charset="-120"/>
               </a:rPr>
-              <a:t>祢的話讓我明</a:t>
-            </a:r>
-            <a:r>
-              <a:rPr lang="zh-TW" altLang="en-US" sz="6400" b="1" dirty="0">
-                <a:solidFill>
-                  <a:srgbClr val="000066"/>
-                </a:solidFill>
-                <a:latin typeface="微軟正黑體" pitchFamily="34" charset="-120"/>
-                <a:ea typeface="微軟正黑體" pitchFamily="34" charset="-120"/>
-              </a:rPr>
-              <a:t>白</a:t>
+              <a:t>雖然道路崎嶇  困難險阻</a:t>
             </a:r>
             <a:endParaRPr lang="en-US" altLang="zh-TW" sz="6400" b="1" dirty="0">
               <a:solidFill>
@@ -4028,17 +9755,7 @@
                 <a:latin typeface="微軟正黑體" pitchFamily="34" charset="-120"/>
                 <a:ea typeface="微軟正黑體" pitchFamily="34" charset="-120"/>
               </a:rPr>
-              <a:t>祢</a:t>
-            </a:r>
-            <a:r>
-              <a:rPr lang="zh-TW" altLang="en-US" sz="6400" b="1" dirty="0">
-                <a:solidFill>
-                  <a:srgbClr val="000066"/>
-                </a:solidFill>
-                <a:latin typeface="微軟正黑體" pitchFamily="34" charset="-120"/>
-                <a:ea typeface="微軟正黑體" pitchFamily="34" charset="-120"/>
-              </a:rPr>
-              <a:t>愛我永不更改</a:t>
+              <a:t>但我心中知道  祢一直都在</a:t>
             </a:r>
             <a:endParaRPr lang="en-US" altLang="zh-TW" sz="6400" b="1" dirty="0">
               <a:solidFill>
@@ -4052,7 +9769,7 @@
       </p:sp>
       <p:sp>
         <p:nvSpPr>
-          <p:cNvPr id="3" name="TextBox 2"/>
+          <p:cNvPr id="2" name="TextBox 1"/>
           <p:cNvSpPr txBox="1"/>
           <p:nvPr/>
         </p:nvSpPr>
@@ -4079,7 +9796,7 @@
                   <a:srgbClr val="000066"/>
                 </a:solidFill>
               </a:rPr>
-              <a:t>( Bridge )</a:t>
+              <a:t>( Verse )</a:t>
             </a:r>
             <a:endParaRPr lang="vi-VN" sz="2667" b="1" dirty="0">
               <a:solidFill>
@@ -4092,9 +9809,475 @@
     </p:spTree>
     <p:extLst>
       <p:ext uri="{BB962C8B-B14F-4D97-AF65-F5344CB8AC3E}">
-        <p14:creationId xmlns:p14="http://schemas.microsoft.com/office/powerpoint/2010/main" val="479070546"/>
+        <p14:creationId xmlns:p14="http://schemas.microsoft.com/office/powerpoint/2010/main" xmlns="" val="752865392"/>
       </p:ext>
     </p:extLst>
+  </p:cSld>
+  <p:clrMapOvr>
+    <a:masterClrMapping/>
+  </p:clrMapOvr>
+</p:sld>
+</file>
+
+<file path=ppt/slides/slide60.xml><?xml version="1.0" encoding="utf-8"?>
+<p:sld xmlns:a="http://schemas.openxmlformats.org/drawingml/2006/main" xmlns:r="http://schemas.openxmlformats.org/officeDocument/2006/relationships" xmlns:p="http://schemas.openxmlformats.org/presentationml/2006/main">
+  <p:cSld>
+    <p:spTree>
+      <p:nvGrpSpPr>
+        <p:cNvPr id="1" name=""/>
+        <p:cNvGrpSpPr/>
+        <p:nvPr/>
+      </p:nvGrpSpPr>
+      <p:grpSpPr>
+        <a:xfrm>
+          <a:off x="0" y="0"/>
+          <a:ext cx="0" cy="0"/>
+          <a:chOff x="0" y="0"/>
+          <a:chExt cx="0" cy="0"/>
+        </a:xfrm>
+      </p:grpSpPr>
+      <p:sp>
+        <p:nvSpPr>
+          <p:cNvPr id="2" name="標題 1"/>
+          <p:cNvSpPr>
+            <a:spLocks noGrp="1"/>
+          </p:cNvSpPr>
+          <p:nvPr>
+            <p:ph type="title"/>
+          </p:nvPr>
+        </p:nvSpPr>
+        <p:spPr/>
+        <p:txBody>
+          <a:bodyPr/>
+          <a:lstStyle/>
+          <a:p>
+            <a:r>
+              <a:rPr lang="zh-TW" altLang="en-US" b="1" dirty="0">
+                <a:latin typeface="微軟正黑體" pitchFamily="34" charset="-120"/>
+                <a:ea typeface="微軟正黑體" pitchFamily="34" charset="-120"/>
+              </a:rPr>
+              <a:t>打開天窗</a:t>
+            </a:r>
+          </a:p>
+        </p:txBody>
+      </p:sp>
+      <p:sp>
+        <p:nvSpPr>
+          <p:cNvPr id="3" name="內容版面配置區 2"/>
+          <p:cNvSpPr>
+            <a:spLocks noGrp="1"/>
+          </p:cNvSpPr>
+          <p:nvPr>
+            <p:ph idx="1"/>
+          </p:nvPr>
+        </p:nvSpPr>
+        <p:spPr/>
+        <p:txBody>
+          <a:bodyPr>
+            <a:normAutofit/>
+          </a:bodyPr>
+          <a:lstStyle/>
+          <a:p>
+            <a:pPr algn="ctr">
+              <a:buNone/>
+            </a:pPr>
+            <a:r>
+              <a:rPr lang="zh-TW" altLang="en-US" sz="5400" b="1" dirty="0">
+                <a:latin typeface="微軟正黑體" pitchFamily="34" charset="-120"/>
+                <a:ea typeface="微軟正黑體" pitchFamily="34" charset="-120"/>
+              </a:rPr>
+              <a:t>打開天窗　打開</a:t>
+            </a:r>
+            <a:r>
+              <a:rPr lang="zh-TW" altLang="en-US" sz="5400" b="1" dirty="0" smtClean="0">
+                <a:latin typeface="微軟正黑體" pitchFamily="34" charset="-120"/>
+                <a:ea typeface="微軟正黑體" pitchFamily="34" charset="-120"/>
+              </a:rPr>
+              <a:t>天窗</a:t>
+            </a:r>
+            <a:endParaRPr lang="en-US" altLang="zh-TW" sz="5400" b="1" dirty="0">
+              <a:latin typeface="微軟正黑體" pitchFamily="34" charset="-120"/>
+              <a:ea typeface="微軟正黑體" pitchFamily="34" charset="-120"/>
+            </a:endParaRPr>
+          </a:p>
+          <a:p>
+            <a:pPr algn="ctr">
+              <a:buNone/>
+            </a:pPr>
+            <a:r>
+              <a:rPr lang="zh-TW" altLang="en-US" sz="5400" b="1" dirty="0" smtClean="0">
+                <a:latin typeface="微軟正黑體" pitchFamily="34" charset="-120"/>
+                <a:ea typeface="微軟正黑體" pitchFamily="34" charset="-120"/>
+              </a:rPr>
+              <a:t>願</a:t>
+            </a:r>
+            <a:r>
+              <a:rPr lang="zh-TW" altLang="en-US" sz="5400" b="1" dirty="0">
+                <a:latin typeface="微軟正黑體" pitchFamily="34" charset="-120"/>
+                <a:ea typeface="微軟正黑體" pitchFamily="34" charset="-120"/>
+              </a:rPr>
+              <a:t>我的禱告打開</a:t>
+            </a:r>
+            <a:r>
+              <a:rPr lang="zh-TW" altLang="en-US" sz="5400" b="1" dirty="0" smtClean="0">
+                <a:latin typeface="微軟正黑體" pitchFamily="34" charset="-120"/>
+                <a:ea typeface="微軟正黑體" pitchFamily="34" charset="-120"/>
+              </a:rPr>
+              <a:t>天窗</a:t>
+            </a:r>
+            <a:endParaRPr lang="en-US" altLang="zh-TW" sz="5400" b="1" dirty="0">
+              <a:latin typeface="微軟正黑體" pitchFamily="34" charset="-120"/>
+              <a:ea typeface="微軟正黑體" pitchFamily="34" charset="-120"/>
+            </a:endParaRPr>
+          </a:p>
+          <a:p>
+            <a:pPr algn="ctr">
+              <a:buNone/>
+            </a:pPr>
+            <a:r>
+              <a:rPr lang="zh-TW" altLang="en-US" sz="5400" b="1" dirty="0" smtClean="0">
+                <a:latin typeface="微軟正黑體" pitchFamily="34" charset="-120"/>
+                <a:ea typeface="微軟正黑體" pitchFamily="34" charset="-120"/>
+              </a:rPr>
+              <a:t>願</a:t>
+            </a:r>
+            <a:r>
+              <a:rPr lang="zh-TW" altLang="en-US" sz="5400" b="1" dirty="0">
+                <a:latin typeface="微軟正黑體" pitchFamily="34" charset="-120"/>
+                <a:ea typeface="微軟正黑體" pitchFamily="34" charset="-120"/>
+              </a:rPr>
+              <a:t>祢充滿　祢的</a:t>
+            </a:r>
+            <a:r>
+              <a:rPr lang="zh-TW" altLang="en-US" sz="5400" b="1" dirty="0" smtClean="0">
+                <a:latin typeface="微軟正黑體" pitchFamily="34" charset="-120"/>
+                <a:ea typeface="微軟正黑體" pitchFamily="34" charset="-120"/>
+              </a:rPr>
+              <a:t>榮耀</a:t>
+            </a:r>
+            <a:endParaRPr lang="en-US" altLang="zh-TW" sz="5400" b="1" dirty="0">
+              <a:latin typeface="微軟正黑體" pitchFamily="34" charset="-120"/>
+              <a:ea typeface="微軟正黑體" pitchFamily="34" charset="-120"/>
+            </a:endParaRPr>
+          </a:p>
+          <a:p>
+            <a:pPr algn="ctr">
+              <a:buNone/>
+            </a:pPr>
+            <a:r>
+              <a:rPr lang="zh-TW" altLang="en-US" sz="5400" b="1" dirty="0" smtClean="0">
+                <a:latin typeface="微軟正黑體" pitchFamily="34" charset="-120"/>
+                <a:ea typeface="微軟正黑體" pitchFamily="34" charset="-120"/>
+              </a:rPr>
+              <a:t>祢</a:t>
+            </a:r>
+            <a:r>
+              <a:rPr lang="zh-TW" altLang="en-US" sz="5400" b="1" dirty="0">
+                <a:latin typeface="微軟正黑體" pitchFamily="34" charset="-120"/>
+                <a:ea typeface="微軟正黑體" pitchFamily="34" charset="-120"/>
+              </a:rPr>
+              <a:t>的同在在這地</a:t>
+            </a:r>
+          </a:p>
+        </p:txBody>
+      </p:sp>
+    </p:spTree>
+  </p:cSld>
+  <p:clrMapOvr>
+    <a:masterClrMapping/>
+  </p:clrMapOvr>
+</p:sld>
+</file>
+
+<file path=ppt/slides/slide61.xml><?xml version="1.0" encoding="utf-8"?>
+<p:sld xmlns:a="http://schemas.openxmlformats.org/drawingml/2006/main" xmlns:r="http://schemas.openxmlformats.org/officeDocument/2006/relationships" xmlns:p="http://schemas.openxmlformats.org/presentationml/2006/main">
+  <p:cSld>
+    <p:spTree>
+      <p:nvGrpSpPr>
+        <p:cNvPr id="1" name=""/>
+        <p:cNvGrpSpPr/>
+        <p:nvPr/>
+      </p:nvGrpSpPr>
+      <p:grpSpPr>
+        <a:xfrm>
+          <a:off x="0" y="0"/>
+          <a:ext cx="0" cy="0"/>
+          <a:chOff x="0" y="0"/>
+          <a:chExt cx="0" cy="0"/>
+        </a:xfrm>
+      </p:grpSpPr>
+      <p:sp>
+        <p:nvSpPr>
+          <p:cNvPr id="2" name="標題 1"/>
+          <p:cNvSpPr>
+            <a:spLocks noGrp="1"/>
+          </p:cNvSpPr>
+          <p:nvPr>
+            <p:ph type="title"/>
+          </p:nvPr>
+        </p:nvSpPr>
+        <p:spPr/>
+        <p:txBody>
+          <a:bodyPr/>
+          <a:lstStyle/>
+          <a:p>
+            <a:r>
+              <a:rPr lang="zh-TW" altLang="en-US" b="1" dirty="0">
+                <a:latin typeface="微軟正黑體" pitchFamily="34" charset="-120"/>
+                <a:ea typeface="微軟正黑體" pitchFamily="34" charset="-120"/>
+              </a:rPr>
+              <a:t>打開天窗</a:t>
+            </a:r>
+          </a:p>
+        </p:txBody>
+      </p:sp>
+      <p:sp>
+        <p:nvSpPr>
+          <p:cNvPr id="3" name="內容版面配置區 2"/>
+          <p:cNvSpPr>
+            <a:spLocks noGrp="1"/>
+          </p:cNvSpPr>
+          <p:nvPr>
+            <p:ph idx="1"/>
+          </p:nvPr>
+        </p:nvSpPr>
+        <p:spPr/>
+        <p:txBody>
+          <a:bodyPr>
+            <a:normAutofit/>
+          </a:bodyPr>
+          <a:lstStyle/>
+          <a:p>
+            <a:pPr algn="ctr">
+              <a:buNone/>
+            </a:pPr>
+            <a:r>
+              <a:rPr lang="zh-TW" altLang="en-US" sz="5400" b="1" dirty="0">
+                <a:latin typeface="微軟正黑體" pitchFamily="34" charset="-120"/>
+                <a:ea typeface="微軟正黑體" pitchFamily="34" charset="-120"/>
+              </a:rPr>
+              <a:t>打開天窗　打開</a:t>
+            </a:r>
+            <a:r>
+              <a:rPr lang="zh-TW" altLang="en-US" sz="5400" b="1" dirty="0" smtClean="0">
+                <a:latin typeface="微軟正黑體" pitchFamily="34" charset="-120"/>
+                <a:ea typeface="微軟正黑體" pitchFamily="34" charset="-120"/>
+              </a:rPr>
+              <a:t>天窗</a:t>
+            </a:r>
+            <a:endParaRPr lang="en-US" altLang="zh-TW" sz="5400" b="1" dirty="0">
+              <a:latin typeface="微軟正黑體" pitchFamily="34" charset="-120"/>
+              <a:ea typeface="微軟正黑體" pitchFamily="34" charset="-120"/>
+            </a:endParaRPr>
+          </a:p>
+          <a:p>
+            <a:pPr algn="ctr">
+              <a:buNone/>
+            </a:pPr>
+            <a:r>
+              <a:rPr lang="zh-TW" altLang="en-US" sz="5400" b="1" dirty="0" smtClean="0">
+                <a:latin typeface="微軟正黑體" pitchFamily="34" charset="-120"/>
+                <a:ea typeface="微軟正黑體" pitchFamily="34" charset="-120"/>
+              </a:rPr>
+              <a:t>願</a:t>
+            </a:r>
+            <a:r>
+              <a:rPr lang="zh-TW" altLang="en-US" sz="5400" b="1" dirty="0">
+                <a:latin typeface="微軟正黑體" pitchFamily="34" charset="-120"/>
+                <a:ea typeface="微軟正黑體" pitchFamily="34" charset="-120"/>
+              </a:rPr>
+              <a:t>我的敬拜打開</a:t>
+            </a:r>
+            <a:r>
+              <a:rPr lang="zh-TW" altLang="en-US" sz="5400" b="1" dirty="0" smtClean="0">
+                <a:latin typeface="微軟正黑體" pitchFamily="34" charset="-120"/>
+                <a:ea typeface="微軟正黑體" pitchFamily="34" charset="-120"/>
+              </a:rPr>
+              <a:t>天窗</a:t>
+            </a:r>
+            <a:endParaRPr lang="en-US" altLang="zh-TW" sz="5400" b="1" dirty="0">
+              <a:latin typeface="微軟正黑體" pitchFamily="34" charset="-120"/>
+              <a:ea typeface="微軟正黑體" pitchFamily="34" charset="-120"/>
+            </a:endParaRPr>
+          </a:p>
+          <a:p>
+            <a:pPr algn="ctr">
+              <a:buNone/>
+            </a:pPr>
+            <a:r>
+              <a:rPr lang="zh-TW" altLang="en-US" sz="5400" b="1" dirty="0" smtClean="0">
+                <a:latin typeface="微軟正黑體" pitchFamily="34" charset="-120"/>
+                <a:ea typeface="微軟正黑體" pitchFamily="34" charset="-120"/>
+              </a:rPr>
+              <a:t>我們</a:t>
+            </a:r>
+            <a:r>
+              <a:rPr lang="zh-TW" altLang="en-US" sz="5400" b="1" dirty="0">
+                <a:latin typeface="微軟正黑體" pitchFamily="34" charset="-120"/>
+                <a:ea typeface="微軟正黑體" pitchFamily="34" charset="-120"/>
+              </a:rPr>
+              <a:t>只要祢的</a:t>
+            </a:r>
+            <a:r>
+              <a:rPr lang="zh-TW" altLang="en-US" sz="5400" b="1" dirty="0" smtClean="0">
+                <a:latin typeface="微軟正黑體" pitchFamily="34" charset="-120"/>
+                <a:ea typeface="微軟正黑體" pitchFamily="34" charset="-120"/>
+              </a:rPr>
+              <a:t>榮耀</a:t>
+            </a:r>
+            <a:endParaRPr lang="en-US" altLang="zh-TW" sz="5400" b="1" dirty="0">
+              <a:latin typeface="微軟正黑體" pitchFamily="34" charset="-120"/>
+              <a:ea typeface="微軟正黑體" pitchFamily="34" charset="-120"/>
+            </a:endParaRPr>
+          </a:p>
+          <a:p>
+            <a:pPr algn="ctr">
+              <a:buNone/>
+            </a:pPr>
+            <a:r>
+              <a:rPr lang="zh-TW" altLang="en-US" sz="5400" b="1" dirty="0" smtClean="0">
+                <a:latin typeface="微軟正黑體" pitchFamily="34" charset="-120"/>
+                <a:ea typeface="微軟正黑體" pitchFamily="34" charset="-120"/>
+              </a:rPr>
+              <a:t>祢</a:t>
+            </a:r>
+            <a:r>
+              <a:rPr lang="zh-TW" altLang="en-US" sz="5400" b="1" dirty="0">
+                <a:latin typeface="微軟正黑體" pitchFamily="34" charset="-120"/>
+                <a:ea typeface="微軟正黑體" pitchFamily="34" charset="-120"/>
+              </a:rPr>
+              <a:t>的同在在這地　在這地</a:t>
+            </a:r>
+          </a:p>
+        </p:txBody>
+      </p:sp>
+    </p:spTree>
+  </p:cSld>
+  <p:clrMapOvr>
+    <a:masterClrMapping/>
+  </p:clrMapOvr>
+</p:sld>
+</file>
+
+<file path=ppt/slides/slide62.xml><?xml version="1.0" encoding="utf-8"?>
+<p:sld xmlns:a="http://schemas.openxmlformats.org/drawingml/2006/main" xmlns:r="http://schemas.openxmlformats.org/officeDocument/2006/relationships" xmlns:p="http://schemas.openxmlformats.org/presentationml/2006/main">
+  <p:cSld>
+    <p:spTree>
+      <p:nvGrpSpPr>
+        <p:cNvPr id="1" name=""/>
+        <p:cNvGrpSpPr/>
+        <p:nvPr/>
+      </p:nvGrpSpPr>
+      <p:grpSpPr>
+        <a:xfrm>
+          <a:off x="0" y="0"/>
+          <a:ext cx="0" cy="0"/>
+          <a:chOff x="0" y="0"/>
+          <a:chExt cx="0" cy="0"/>
+        </a:xfrm>
+      </p:grpSpPr>
+      <p:sp>
+        <p:nvSpPr>
+          <p:cNvPr id="2" name="標題 1"/>
+          <p:cNvSpPr>
+            <a:spLocks noGrp="1"/>
+          </p:cNvSpPr>
+          <p:nvPr>
+            <p:ph type="title"/>
+          </p:nvPr>
+        </p:nvSpPr>
+        <p:spPr/>
+        <p:txBody>
+          <a:bodyPr/>
+          <a:lstStyle/>
+          <a:p>
+            <a:r>
+              <a:rPr lang="zh-TW" altLang="en-US" b="1" dirty="0">
+                <a:latin typeface="微軟正黑體" pitchFamily="34" charset="-120"/>
+                <a:ea typeface="微軟正黑體" pitchFamily="34" charset="-120"/>
+              </a:rPr>
+              <a:t>打開天窗</a:t>
+            </a:r>
+          </a:p>
+        </p:txBody>
+      </p:sp>
+      <p:sp>
+        <p:nvSpPr>
+          <p:cNvPr id="3" name="內容版面配置區 2"/>
+          <p:cNvSpPr>
+            <a:spLocks noGrp="1"/>
+          </p:cNvSpPr>
+          <p:nvPr>
+            <p:ph idx="1"/>
+          </p:nvPr>
+        </p:nvSpPr>
+        <p:spPr/>
+        <p:txBody>
+          <a:bodyPr>
+            <a:normAutofit/>
+          </a:bodyPr>
+          <a:lstStyle/>
+          <a:p>
+            <a:pPr algn="ctr">
+              <a:buNone/>
+            </a:pPr>
+            <a:r>
+              <a:rPr lang="zh-TW" altLang="en-US" sz="5400" b="1" dirty="0">
+                <a:latin typeface="微軟正黑體" pitchFamily="34" charset="-120"/>
+                <a:ea typeface="微軟正黑體" pitchFamily="34" charset="-120"/>
+              </a:rPr>
+              <a:t>願我的禱告如香　</a:t>
+            </a:r>
+            <a:endParaRPr lang="en-US" altLang="zh-TW" sz="5400" b="1" dirty="0" smtClean="0">
+              <a:latin typeface="微軟正黑體" pitchFamily="34" charset="-120"/>
+              <a:ea typeface="微軟正黑體" pitchFamily="34" charset="-120"/>
+            </a:endParaRPr>
+          </a:p>
+          <a:p>
+            <a:pPr algn="ctr">
+              <a:buNone/>
+            </a:pPr>
+            <a:r>
+              <a:rPr lang="zh-TW" altLang="en-US" sz="5400" b="1" dirty="0" smtClean="0">
+                <a:latin typeface="微軟正黑體" pitchFamily="34" charset="-120"/>
+                <a:ea typeface="微軟正黑體" pitchFamily="34" charset="-120"/>
+              </a:rPr>
+              <a:t>願</a:t>
+            </a:r>
+            <a:r>
+              <a:rPr lang="zh-TW" altLang="en-US" sz="5400" b="1" dirty="0">
+                <a:latin typeface="微軟正黑體" pitchFamily="34" charset="-120"/>
+                <a:ea typeface="微軟正黑體" pitchFamily="34" charset="-120"/>
+              </a:rPr>
+              <a:t>我的禱告如</a:t>
+            </a:r>
+            <a:r>
+              <a:rPr lang="zh-TW" altLang="en-US" sz="5400" b="1" dirty="0" smtClean="0">
+                <a:latin typeface="微軟正黑體" pitchFamily="34" charset="-120"/>
+                <a:ea typeface="微軟正黑體" pitchFamily="34" charset="-120"/>
+              </a:rPr>
+              <a:t>香</a:t>
+            </a:r>
+            <a:endParaRPr lang="en-US" altLang="zh-TW" sz="5400" b="1" dirty="0" smtClean="0">
+              <a:latin typeface="微軟正黑體" pitchFamily="34" charset="-120"/>
+              <a:ea typeface="微軟正黑體" pitchFamily="34" charset="-120"/>
+            </a:endParaRPr>
+          </a:p>
+          <a:p>
+            <a:pPr algn="ctr">
+              <a:buNone/>
+            </a:pPr>
+            <a:r>
+              <a:rPr lang="zh-TW" altLang="en-US" sz="5400" b="1" dirty="0">
+                <a:latin typeface="微軟正黑體" pitchFamily="34" charset="-120"/>
+                <a:ea typeface="微軟正黑體" pitchFamily="34" charset="-120"/>
+              </a:rPr>
+              <a:t>獻在祢面前</a:t>
+            </a:r>
+          </a:p>
+        </p:txBody>
+      </p:sp>
+    </p:spTree>
   </p:cSld>
   <p:clrMapOvr>
     <a:masterClrMapping/>
@@ -4137,7 +10320,7 @@
         </p:spPr>
         <p:txBody>
           <a:bodyPr anchor="ctr">
-            <a:noAutofit/>
+            <a:normAutofit/>
           </a:bodyPr>
           <a:lstStyle/>
           <a:p>
@@ -4152,17 +10335,7 @@
                 <a:latin typeface="微軟正黑體" pitchFamily="34" charset="-120"/>
                 <a:ea typeface="微軟正黑體" pitchFamily="34" charset="-120"/>
               </a:rPr>
-              <a:t>祢保守我的心</a:t>
-            </a:r>
-            <a:r>
-              <a:rPr lang="zh-TW" altLang="en-US" sz="6400" b="1" dirty="0">
-                <a:solidFill>
-                  <a:srgbClr val="000066"/>
-                </a:solidFill>
-                <a:latin typeface="微軟正黑體" pitchFamily="34" charset="-120"/>
-                <a:ea typeface="微軟正黑體" pitchFamily="34" charset="-120"/>
-              </a:rPr>
-              <a:t>懷</a:t>
+              <a:t>不能明白為何擔此重擔</a:t>
             </a:r>
             <a:endParaRPr lang="en-US" altLang="zh-TW" sz="6400" b="1" dirty="0">
               <a:solidFill>
@@ -4184,17 +10357,7 @@
                 <a:latin typeface="微軟正黑體" pitchFamily="34" charset="-120"/>
                 <a:ea typeface="微軟正黑體" pitchFamily="34" charset="-120"/>
               </a:rPr>
-              <a:t>緊</a:t>
-            </a:r>
-            <a:r>
-              <a:rPr lang="zh-TW" altLang="en-US" sz="6400" b="1" dirty="0">
-                <a:solidFill>
-                  <a:srgbClr val="000066"/>
-                </a:solidFill>
-                <a:latin typeface="微軟正黑體" pitchFamily="34" charset="-120"/>
-                <a:ea typeface="微軟正黑體" pitchFamily="34" charset="-120"/>
-              </a:rPr>
-              <a:t>握祢雙手不放開</a:t>
+              <a:t>但我始終相信  祢一直牽著我</a:t>
             </a:r>
             <a:endParaRPr lang="en-US" altLang="zh-TW" sz="6400" b="1" dirty="0">
               <a:solidFill>
@@ -4235,7 +10398,7 @@
                   <a:srgbClr val="000066"/>
                 </a:solidFill>
               </a:rPr>
-              <a:t>( Bridge )</a:t>
+              <a:t>( Verse )</a:t>
             </a:r>
             <a:endParaRPr lang="vi-VN" sz="2667" b="1" dirty="0">
               <a:solidFill>
@@ -4248,7 +10411,279 @@
     </p:spTree>
     <p:extLst>
       <p:ext uri="{BB962C8B-B14F-4D97-AF65-F5344CB8AC3E}">
-        <p14:creationId xmlns:p14="http://schemas.microsoft.com/office/powerpoint/2010/main" val="3000763121"/>
+        <p14:creationId xmlns:p14="http://schemas.microsoft.com/office/powerpoint/2010/main" xmlns="" val="2357026626"/>
+      </p:ext>
+    </p:extLst>
+  </p:cSld>
+  <p:clrMapOvr>
+    <a:masterClrMapping/>
+  </p:clrMapOvr>
+</p:sld>
+</file>
+
+<file path=ppt/slides/slide8.xml><?xml version="1.0" encoding="utf-8"?>
+<p:sld xmlns:a="http://schemas.openxmlformats.org/drawingml/2006/main" xmlns:r="http://schemas.openxmlformats.org/officeDocument/2006/relationships" xmlns:p="http://schemas.openxmlformats.org/presentationml/2006/main">
+  <p:cSld>
+    <p:spTree>
+      <p:nvGrpSpPr>
+        <p:cNvPr id="1" name=""/>
+        <p:cNvGrpSpPr/>
+        <p:nvPr/>
+      </p:nvGrpSpPr>
+      <p:grpSpPr>
+        <a:xfrm>
+          <a:off x="0" y="0"/>
+          <a:ext cx="0" cy="0"/>
+          <a:chOff x="0" y="0"/>
+          <a:chExt cx="0" cy="0"/>
+        </a:xfrm>
+      </p:grpSpPr>
+      <p:sp>
+        <p:nvSpPr>
+          <p:cNvPr id="5" name="內容版面配置區 4"/>
+          <p:cNvSpPr>
+            <a:spLocks noGrp="1"/>
+          </p:cNvSpPr>
+          <p:nvPr>
+            <p:ph idx="1"/>
+          </p:nvPr>
+        </p:nvSpPr>
+        <p:spPr>
+          <a:xfrm>
+            <a:off x="0" y="2084851"/>
+            <a:ext cx="12192000" cy="2404863"/>
+          </a:xfrm>
+        </p:spPr>
+        <p:txBody>
+          <a:bodyPr anchor="ctr">
+            <a:normAutofit/>
+          </a:bodyPr>
+          <a:lstStyle/>
+          <a:p>
+            <a:pPr algn="ctr">
+              <a:buNone/>
+            </a:pPr>
+            <a:r>
+              <a:rPr lang="zh-TW" altLang="en-US" sz="6400" b="1" dirty="0">
+                <a:solidFill>
+                  <a:srgbClr val="000066"/>
+                </a:solidFill>
+                <a:latin typeface="微軟正黑體" pitchFamily="34" charset="-120"/>
+                <a:ea typeface="微軟正黑體" pitchFamily="34" charset="-120"/>
+              </a:rPr>
+              <a:t>大山為我挪開  大海有路出來</a:t>
+            </a:r>
+            <a:endParaRPr lang="en-US" altLang="zh-TW" sz="6400" b="1" dirty="0">
+              <a:solidFill>
+                <a:srgbClr val="000066"/>
+              </a:solidFill>
+              <a:latin typeface="微軟正黑體" pitchFamily="34" charset="-120"/>
+              <a:ea typeface="微軟正黑體" pitchFamily="34" charset="-120"/>
+            </a:endParaRPr>
+          </a:p>
+          <a:p>
+            <a:pPr algn="ctr">
+              <a:buNone/>
+            </a:pPr>
+            <a:r>
+              <a:rPr lang="zh-TW" altLang="en-US" sz="6400" b="1" dirty="0">
+                <a:solidFill>
+                  <a:srgbClr val="000066"/>
+                </a:solidFill>
+                <a:latin typeface="微軟正黑體" pitchFamily="34" charset="-120"/>
+                <a:ea typeface="微軟正黑體" pitchFamily="34" charset="-120"/>
+              </a:rPr>
+              <a:t>我要大聲宣告  耶穌  祢一直都在</a:t>
+            </a:r>
+            <a:endParaRPr lang="en-US" altLang="zh-TW" sz="6400" b="1" dirty="0">
+              <a:solidFill>
+                <a:srgbClr val="000066"/>
+              </a:solidFill>
+              <a:latin typeface="微軟正黑體" pitchFamily="34" charset="-120"/>
+              <a:ea typeface="微軟正黑體" pitchFamily="34" charset="-120"/>
+            </a:endParaRPr>
+          </a:p>
+        </p:txBody>
+      </p:sp>
+      <p:sp>
+        <p:nvSpPr>
+          <p:cNvPr id="3" name="TextBox 2"/>
+          <p:cNvSpPr txBox="1"/>
+          <p:nvPr/>
+        </p:nvSpPr>
+        <p:spPr>
+          <a:xfrm>
+            <a:off x="0" y="5349213"/>
+            <a:ext cx="12192000" cy="502766"/>
+          </a:xfrm>
+          <a:prstGeom prst="rect">
+            <a:avLst/>
+          </a:prstGeom>
+          <a:noFill/>
+        </p:spPr>
+        <p:txBody>
+          <a:bodyPr wrap="square" rtlCol="0">
+            <a:spAutoFit/>
+          </a:bodyPr>
+          <a:lstStyle/>
+          <a:p>
+            <a:pPr algn="ctr"/>
+            <a:r>
+              <a:rPr lang="en-US" sz="2667" b="1" dirty="0">
+                <a:solidFill>
+                  <a:srgbClr val="000066"/>
+                </a:solidFill>
+              </a:rPr>
+              <a:t>( Chorus )</a:t>
+            </a:r>
+            <a:endParaRPr lang="vi-VN" sz="2667" b="1" dirty="0">
+              <a:solidFill>
+                <a:srgbClr val="000066"/>
+              </a:solidFill>
+            </a:endParaRPr>
+          </a:p>
+        </p:txBody>
+      </p:sp>
+    </p:spTree>
+    <p:extLst>
+      <p:ext uri="{BB962C8B-B14F-4D97-AF65-F5344CB8AC3E}">
+        <p14:creationId xmlns:p14="http://schemas.microsoft.com/office/powerpoint/2010/main" xmlns="" val="2835569017"/>
+      </p:ext>
+    </p:extLst>
+  </p:cSld>
+  <p:clrMapOvr>
+    <a:masterClrMapping/>
+  </p:clrMapOvr>
+</p:sld>
+</file>
+
+<file path=ppt/slides/slide9.xml><?xml version="1.0" encoding="utf-8"?>
+<p:sld xmlns:a="http://schemas.openxmlformats.org/drawingml/2006/main" xmlns:r="http://schemas.openxmlformats.org/officeDocument/2006/relationships" xmlns:p="http://schemas.openxmlformats.org/presentationml/2006/main">
+  <p:cSld>
+    <p:spTree>
+      <p:nvGrpSpPr>
+        <p:cNvPr id="1" name=""/>
+        <p:cNvGrpSpPr/>
+        <p:nvPr/>
+      </p:nvGrpSpPr>
+      <p:grpSpPr>
+        <a:xfrm>
+          <a:off x="0" y="0"/>
+          <a:ext cx="0" cy="0"/>
+          <a:chOff x="0" y="0"/>
+          <a:chExt cx="0" cy="0"/>
+        </a:xfrm>
+      </p:grpSpPr>
+      <p:sp>
+        <p:nvSpPr>
+          <p:cNvPr id="5" name="內容版面配置區 4"/>
+          <p:cNvSpPr>
+            <a:spLocks noGrp="1"/>
+          </p:cNvSpPr>
+          <p:nvPr>
+            <p:ph idx="1"/>
+          </p:nvPr>
+        </p:nvSpPr>
+        <p:spPr>
+          <a:xfrm>
+            <a:off x="0" y="2084851"/>
+            <a:ext cx="12192000" cy="2404863"/>
+          </a:xfrm>
+        </p:spPr>
+        <p:txBody>
+          <a:bodyPr anchor="ctr">
+            <a:noAutofit/>
+          </a:bodyPr>
+          <a:lstStyle/>
+          <a:p>
+            <a:pPr algn="ctr">
+              <a:buNone/>
+            </a:pPr>
+            <a:r>
+              <a:rPr lang="zh-TW" altLang="en-US" sz="6400" b="1" dirty="0">
+                <a:solidFill>
+                  <a:srgbClr val="000066"/>
+                </a:solidFill>
+                <a:latin typeface="微軟正黑體" pitchFamily="34" charset="-120"/>
+                <a:ea typeface="微軟正黑體" pitchFamily="34" charset="-120"/>
+              </a:rPr>
+              <a:t>祢手上的釘痕  彰顯十架大愛</a:t>
+            </a:r>
+            <a:endParaRPr lang="en-US" altLang="zh-TW" sz="6400" b="1" dirty="0">
+              <a:solidFill>
+                <a:srgbClr val="000066"/>
+              </a:solidFill>
+              <a:latin typeface="微軟正黑體" pitchFamily="34" charset="-120"/>
+              <a:ea typeface="微軟正黑體" pitchFamily="34" charset="-120"/>
+            </a:endParaRPr>
+          </a:p>
+          <a:p>
+            <a:pPr algn="ctr">
+              <a:buNone/>
+            </a:pPr>
+            <a:r>
+              <a:rPr lang="zh-TW" altLang="en-US" sz="6400" b="1" dirty="0">
+                <a:solidFill>
+                  <a:srgbClr val="000066"/>
+                </a:solidFill>
+                <a:latin typeface="微軟正黑體" pitchFamily="34" charset="-120"/>
+                <a:ea typeface="微軟正黑體" pitchFamily="34" charset="-120"/>
+              </a:rPr>
+              <a:t>我要大聲宣告  耶穌  祢一直都在</a:t>
+            </a:r>
+            <a:endParaRPr lang="en-US" altLang="zh-TW" sz="6400" b="1" dirty="0">
+              <a:solidFill>
+                <a:srgbClr val="000066"/>
+              </a:solidFill>
+              <a:latin typeface="微軟正黑體" pitchFamily="34" charset="-120"/>
+              <a:ea typeface="微軟正黑體" pitchFamily="34" charset="-120"/>
+            </a:endParaRPr>
+          </a:p>
+        </p:txBody>
+      </p:sp>
+      <p:sp>
+        <p:nvSpPr>
+          <p:cNvPr id="3" name="TextBox 2"/>
+          <p:cNvSpPr txBox="1"/>
+          <p:nvPr/>
+        </p:nvSpPr>
+        <p:spPr>
+          <a:xfrm>
+            <a:off x="0" y="5349213"/>
+            <a:ext cx="12192000" cy="502766"/>
+          </a:xfrm>
+          <a:prstGeom prst="rect">
+            <a:avLst/>
+          </a:prstGeom>
+          <a:noFill/>
+        </p:spPr>
+        <p:txBody>
+          <a:bodyPr wrap="square" rtlCol="0">
+            <a:spAutoFit/>
+          </a:bodyPr>
+          <a:lstStyle/>
+          <a:p>
+            <a:pPr algn="ctr"/>
+            <a:r>
+              <a:rPr lang="en-US" sz="2667" b="1" dirty="0">
+                <a:solidFill>
+                  <a:srgbClr val="000066"/>
+                </a:solidFill>
+              </a:rPr>
+              <a:t>( Chorus )</a:t>
+            </a:r>
+            <a:endParaRPr lang="vi-VN" sz="2667" b="1" dirty="0">
+              <a:solidFill>
+                <a:srgbClr val="000066"/>
+              </a:solidFill>
+            </a:endParaRPr>
+          </a:p>
+        </p:txBody>
+      </p:sp>
+    </p:spTree>
+    <p:extLst>
+      <p:ext uri="{BB962C8B-B14F-4D97-AF65-F5344CB8AC3E}">
+        <p14:creationId xmlns:p14="http://schemas.microsoft.com/office/powerpoint/2010/main" xmlns="" val="566601035"/>
       </p:ext>
     </p:extLst>
   </p:cSld>
@@ -4540,7 +10975,7 @@
   <a:extraClrSchemeLst/>
   <a:extLst>
     <a:ext uri="{05A4C25C-085E-4340-85A3-A5531E510DB2}">
-      <thm15:themeFamily xmlns:thm15="http://schemas.microsoft.com/office/thememl/2012/main" name="Theme1" id="{1A8DE197-990E-4893-BF04-3823FBB50F9A}" vid="{430B7048-5A04-4BDB-939A-C7E865DB887B}"/>
+      <thm15:themeFamily xmlns:thm15="http://schemas.microsoft.com/office/thememl/2012/main" xmlns="" name="Theme1" id="{1A8DE197-990E-4893-BF04-3823FBB50F9A}" vid="{430B7048-5A04-4BDB-939A-C7E865DB887B}"/>
     </a:ext>
   </a:extLst>
 </a:theme>

--- a/大山為我挪開(崇拜版).pptx
+++ b/大山為我挪開(崇拜版).pptx
@@ -110,6 +110,11 @@
       </a:defRPr>
     </a:lvl9pPr>
   </p:defaultTextStyle>
+  <p:extLst>
+    <p:ext uri="{EFAFB233-063F-42B5-8137-9DF3F51BA10A}">
+      <p15:sldGuideLst xmlns:p15="http://schemas.microsoft.com/office/powerpoint/2012/main"/>
+    </p:ext>
+  </p:extLst>
 </p:presentation>
 </file>
 
@@ -151,7 +156,7 @@
           <a:lstStyle/>
           <a:p>
             <a:r>
-              <a:rPr lang="en-US" altLang="zh-TW" smtClean="0"/>
+              <a:rPr lang="en-US" altLang="zh-TW"/>
               <a:t>Click to edit Master title style</a:t>
             </a:r>
             <a:endParaRPr lang="zh-TW" altLang="en-US"/>
@@ -270,7 +275,7 @@
           </a:lstStyle>
           <a:p>
             <a:r>
-              <a:rPr lang="en-US" altLang="zh-TW" smtClean="0"/>
+              <a:rPr lang="en-US" altLang="zh-TW"/>
               <a:t>Click to edit Master subtitle style</a:t>
             </a:r>
             <a:endParaRPr lang="zh-TW" altLang="en-US"/>
@@ -294,7 +299,7 @@
           <a:p>
             <a:fld id="{CD774DF7-E11F-43E1-A472-FB3D9F6D6764}" type="datetimeFigureOut">
               <a:rPr lang="vi-VN" smtClean="0"/>
-              <a:t>11/12/2020</a:t>
+              <a:t>20/01/2024</a:t>
             </a:fld>
             <a:endParaRPr lang="vi-VN"/>
           </a:p>
@@ -388,7 +393,7 @@
           <a:lstStyle/>
           <a:p>
             <a:r>
-              <a:rPr lang="en-US" altLang="zh-TW" smtClean="0"/>
+              <a:rPr lang="en-US" altLang="zh-TW"/>
               <a:t>Click to edit Master title style</a:t>
             </a:r>
             <a:endParaRPr lang="zh-TW" altLang="en-US"/>
@@ -412,35 +417,35 @@
           <a:p>
             <a:pPr lvl="0"/>
             <a:r>
-              <a:rPr lang="en-US" altLang="zh-TW" smtClean="0"/>
+              <a:rPr lang="en-US" altLang="zh-TW"/>
               <a:t>Edit Master text styles</a:t>
             </a:r>
           </a:p>
           <a:p>
             <a:pPr lvl="1"/>
             <a:r>
-              <a:rPr lang="en-US" altLang="zh-TW" smtClean="0"/>
+              <a:rPr lang="en-US" altLang="zh-TW"/>
               <a:t>Second level</a:t>
             </a:r>
           </a:p>
           <a:p>
             <a:pPr lvl="2"/>
             <a:r>
-              <a:rPr lang="en-US" altLang="zh-TW" smtClean="0"/>
+              <a:rPr lang="en-US" altLang="zh-TW"/>
               <a:t>Third level</a:t>
             </a:r>
           </a:p>
           <a:p>
             <a:pPr lvl="3"/>
             <a:r>
-              <a:rPr lang="en-US" altLang="zh-TW" smtClean="0"/>
+              <a:rPr lang="en-US" altLang="zh-TW"/>
               <a:t>Fourth level</a:t>
             </a:r>
           </a:p>
           <a:p>
             <a:pPr lvl="4"/>
             <a:r>
-              <a:rPr lang="en-US" altLang="zh-TW" smtClean="0"/>
+              <a:rPr lang="en-US" altLang="zh-TW"/>
               <a:t>Fifth level</a:t>
             </a:r>
             <a:endParaRPr lang="zh-TW" altLang="en-US"/>
@@ -464,7 +469,7 @@
           <a:p>
             <a:fld id="{CD774DF7-E11F-43E1-A472-FB3D9F6D6764}" type="datetimeFigureOut">
               <a:rPr lang="vi-VN" smtClean="0"/>
-              <a:t>11/12/2020</a:t>
+              <a:t>20/01/2024</a:t>
             </a:fld>
             <a:endParaRPr lang="vi-VN"/>
           </a:p>
@@ -563,7 +568,7 @@
           <a:lstStyle/>
           <a:p>
             <a:r>
-              <a:rPr lang="en-US" altLang="zh-TW" smtClean="0"/>
+              <a:rPr lang="en-US" altLang="zh-TW"/>
               <a:t>Click to edit Master title style</a:t>
             </a:r>
             <a:endParaRPr lang="zh-TW" altLang="en-US"/>
@@ -592,35 +597,35 @@
           <a:p>
             <a:pPr lvl="0"/>
             <a:r>
-              <a:rPr lang="en-US" altLang="zh-TW" smtClean="0"/>
+              <a:rPr lang="en-US" altLang="zh-TW"/>
               <a:t>Edit Master text styles</a:t>
             </a:r>
           </a:p>
           <a:p>
             <a:pPr lvl="1"/>
             <a:r>
-              <a:rPr lang="en-US" altLang="zh-TW" smtClean="0"/>
+              <a:rPr lang="en-US" altLang="zh-TW"/>
               <a:t>Second level</a:t>
             </a:r>
           </a:p>
           <a:p>
             <a:pPr lvl="2"/>
             <a:r>
-              <a:rPr lang="en-US" altLang="zh-TW" smtClean="0"/>
+              <a:rPr lang="en-US" altLang="zh-TW"/>
               <a:t>Third level</a:t>
             </a:r>
           </a:p>
           <a:p>
             <a:pPr lvl="3"/>
             <a:r>
-              <a:rPr lang="en-US" altLang="zh-TW" smtClean="0"/>
+              <a:rPr lang="en-US" altLang="zh-TW"/>
               <a:t>Fourth level</a:t>
             </a:r>
           </a:p>
           <a:p>
             <a:pPr lvl="4"/>
             <a:r>
-              <a:rPr lang="en-US" altLang="zh-TW" smtClean="0"/>
+              <a:rPr lang="en-US" altLang="zh-TW"/>
               <a:t>Fifth level</a:t>
             </a:r>
             <a:endParaRPr lang="zh-TW" altLang="en-US"/>
@@ -644,7 +649,7 @@
           <a:p>
             <a:fld id="{CD774DF7-E11F-43E1-A472-FB3D9F6D6764}" type="datetimeFigureOut">
               <a:rPr lang="vi-VN" smtClean="0"/>
-              <a:t>11/12/2020</a:t>
+              <a:t>20/01/2024</a:t>
             </a:fld>
             <a:endParaRPr lang="vi-VN"/>
           </a:p>
@@ -738,7 +743,7 @@
           <a:lstStyle/>
           <a:p>
             <a:r>
-              <a:rPr lang="en-US" altLang="zh-TW" smtClean="0"/>
+              <a:rPr lang="en-US" altLang="zh-TW"/>
               <a:t>Click to edit Master title style</a:t>
             </a:r>
             <a:endParaRPr lang="zh-TW" altLang="en-US"/>
@@ -762,35 +767,35 @@
           <a:p>
             <a:pPr lvl="0"/>
             <a:r>
-              <a:rPr lang="en-US" altLang="zh-TW" smtClean="0"/>
+              <a:rPr lang="en-US" altLang="zh-TW"/>
               <a:t>Edit Master text styles</a:t>
             </a:r>
           </a:p>
           <a:p>
             <a:pPr lvl="1"/>
             <a:r>
-              <a:rPr lang="en-US" altLang="zh-TW" smtClean="0"/>
+              <a:rPr lang="en-US" altLang="zh-TW"/>
               <a:t>Second level</a:t>
             </a:r>
           </a:p>
           <a:p>
             <a:pPr lvl="2"/>
             <a:r>
-              <a:rPr lang="en-US" altLang="zh-TW" smtClean="0"/>
+              <a:rPr lang="en-US" altLang="zh-TW"/>
               <a:t>Third level</a:t>
             </a:r>
           </a:p>
           <a:p>
             <a:pPr lvl="3"/>
             <a:r>
-              <a:rPr lang="en-US" altLang="zh-TW" smtClean="0"/>
+              <a:rPr lang="en-US" altLang="zh-TW"/>
               <a:t>Fourth level</a:t>
             </a:r>
           </a:p>
           <a:p>
             <a:pPr lvl="4"/>
             <a:r>
-              <a:rPr lang="en-US" altLang="zh-TW" smtClean="0"/>
+              <a:rPr lang="en-US" altLang="zh-TW"/>
               <a:t>Fifth level</a:t>
             </a:r>
             <a:endParaRPr lang="zh-TW" altLang="en-US"/>
@@ -814,7 +819,7 @@
           <a:p>
             <a:fld id="{CD774DF7-E11F-43E1-A472-FB3D9F6D6764}" type="datetimeFigureOut">
               <a:rPr lang="vi-VN" smtClean="0"/>
-              <a:t>11/12/2020</a:t>
+              <a:t>20/01/2024</a:t>
             </a:fld>
             <a:endParaRPr lang="vi-VN"/>
           </a:p>
@@ -917,7 +922,7 @@
           </a:lstStyle>
           <a:p>
             <a:r>
-              <a:rPr lang="en-US" altLang="zh-TW" smtClean="0"/>
+              <a:rPr lang="en-US" altLang="zh-TW"/>
               <a:t>Click to edit Master title style</a:t>
             </a:r>
             <a:endParaRPr lang="zh-TW" altLang="en-US"/>
@@ -1037,7 +1042,7 @@
           <a:p>
             <a:pPr lvl="0"/>
             <a:r>
-              <a:rPr lang="en-US" altLang="zh-TW" smtClean="0"/>
+              <a:rPr lang="en-US" altLang="zh-TW"/>
               <a:t>Edit Master text styles</a:t>
             </a:r>
           </a:p>
@@ -1060,7 +1065,7 @@
           <a:p>
             <a:fld id="{CD774DF7-E11F-43E1-A472-FB3D9F6D6764}" type="datetimeFigureOut">
               <a:rPr lang="vi-VN" smtClean="0"/>
-              <a:t>11/12/2020</a:t>
+              <a:t>20/01/2024</a:t>
             </a:fld>
             <a:endParaRPr lang="vi-VN"/>
           </a:p>
@@ -1154,7 +1159,7 @@
           <a:lstStyle/>
           <a:p>
             <a:r>
-              <a:rPr lang="en-US" altLang="zh-TW" smtClean="0"/>
+              <a:rPr lang="en-US" altLang="zh-TW"/>
               <a:t>Click to edit Master title style</a:t>
             </a:r>
             <a:endParaRPr lang="zh-TW" altLang="en-US"/>
@@ -1211,35 +1216,35 @@
           <a:p>
             <a:pPr lvl="0"/>
             <a:r>
-              <a:rPr lang="en-US" altLang="zh-TW" smtClean="0"/>
+              <a:rPr lang="en-US" altLang="zh-TW"/>
               <a:t>Edit Master text styles</a:t>
             </a:r>
           </a:p>
           <a:p>
             <a:pPr lvl="1"/>
             <a:r>
-              <a:rPr lang="en-US" altLang="zh-TW" smtClean="0"/>
+              <a:rPr lang="en-US" altLang="zh-TW"/>
               <a:t>Second level</a:t>
             </a:r>
           </a:p>
           <a:p>
             <a:pPr lvl="2"/>
             <a:r>
-              <a:rPr lang="en-US" altLang="zh-TW" smtClean="0"/>
+              <a:rPr lang="en-US" altLang="zh-TW"/>
               <a:t>Third level</a:t>
             </a:r>
           </a:p>
           <a:p>
             <a:pPr lvl="3"/>
             <a:r>
-              <a:rPr lang="en-US" altLang="zh-TW" smtClean="0"/>
+              <a:rPr lang="en-US" altLang="zh-TW"/>
               <a:t>Fourth level</a:t>
             </a:r>
           </a:p>
           <a:p>
             <a:pPr lvl="4"/>
             <a:r>
-              <a:rPr lang="en-US" altLang="zh-TW" smtClean="0"/>
+              <a:rPr lang="en-US" altLang="zh-TW"/>
               <a:t>Fifth level</a:t>
             </a:r>
             <a:endParaRPr lang="zh-TW" altLang="en-US"/>
@@ -1296,35 +1301,35 @@
           <a:p>
             <a:pPr lvl="0"/>
             <a:r>
-              <a:rPr lang="en-US" altLang="zh-TW" smtClean="0"/>
+              <a:rPr lang="en-US" altLang="zh-TW"/>
               <a:t>Edit Master text styles</a:t>
             </a:r>
           </a:p>
           <a:p>
             <a:pPr lvl="1"/>
             <a:r>
-              <a:rPr lang="en-US" altLang="zh-TW" smtClean="0"/>
+              <a:rPr lang="en-US" altLang="zh-TW"/>
               <a:t>Second level</a:t>
             </a:r>
           </a:p>
           <a:p>
             <a:pPr lvl="2"/>
             <a:r>
-              <a:rPr lang="en-US" altLang="zh-TW" smtClean="0"/>
+              <a:rPr lang="en-US" altLang="zh-TW"/>
               <a:t>Third level</a:t>
             </a:r>
           </a:p>
           <a:p>
             <a:pPr lvl="3"/>
             <a:r>
-              <a:rPr lang="en-US" altLang="zh-TW" smtClean="0"/>
+              <a:rPr lang="en-US" altLang="zh-TW"/>
               <a:t>Fourth level</a:t>
             </a:r>
           </a:p>
           <a:p>
             <a:pPr lvl="4"/>
             <a:r>
-              <a:rPr lang="en-US" altLang="zh-TW" smtClean="0"/>
+              <a:rPr lang="en-US" altLang="zh-TW"/>
               <a:t>Fifth level</a:t>
             </a:r>
             <a:endParaRPr lang="zh-TW" altLang="en-US"/>
@@ -1348,7 +1353,7 @@
           <a:p>
             <a:fld id="{CD774DF7-E11F-43E1-A472-FB3D9F6D6764}" type="datetimeFigureOut">
               <a:rPr lang="vi-VN" smtClean="0"/>
-              <a:t>11/12/2020</a:t>
+              <a:t>20/01/2024</a:t>
             </a:fld>
             <a:endParaRPr lang="vi-VN"/>
           </a:p>
@@ -1446,7 +1451,7 @@
           </a:lstStyle>
           <a:p>
             <a:r>
-              <a:rPr lang="en-US" altLang="zh-TW" smtClean="0"/>
+              <a:rPr lang="en-US" altLang="zh-TW"/>
               <a:t>Click to edit Master title style</a:t>
             </a:r>
             <a:endParaRPr lang="zh-TW" altLang="en-US"/>
@@ -1512,7 +1517,7 @@
           <a:p>
             <a:pPr lvl="0"/>
             <a:r>
-              <a:rPr lang="en-US" altLang="zh-TW" smtClean="0"/>
+              <a:rPr lang="en-US" altLang="zh-TW"/>
               <a:t>Edit Master text styles</a:t>
             </a:r>
           </a:p>
@@ -1568,35 +1573,35 @@
           <a:p>
             <a:pPr lvl="0"/>
             <a:r>
-              <a:rPr lang="en-US" altLang="zh-TW" smtClean="0"/>
+              <a:rPr lang="en-US" altLang="zh-TW"/>
               <a:t>Edit Master text styles</a:t>
             </a:r>
           </a:p>
           <a:p>
             <a:pPr lvl="1"/>
             <a:r>
-              <a:rPr lang="en-US" altLang="zh-TW" smtClean="0"/>
+              <a:rPr lang="en-US" altLang="zh-TW"/>
               <a:t>Second level</a:t>
             </a:r>
           </a:p>
           <a:p>
             <a:pPr lvl="2"/>
             <a:r>
-              <a:rPr lang="en-US" altLang="zh-TW" smtClean="0"/>
+              <a:rPr lang="en-US" altLang="zh-TW"/>
               <a:t>Third level</a:t>
             </a:r>
           </a:p>
           <a:p>
             <a:pPr lvl="3"/>
             <a:r>
-              <a:rPr lang="en-US" altLang="zh-TW" smtClean="0"/>
+              <a:rPr lang="en-US" altLang="zh-TW"/>
               <a:t>Fourth level</a:t>
             </a:r>
           </a:p>
           <a:p>
             <a:pPr lvl="4"/>
             <a:r>
-              <a:rPr lang="en-US" altLang="zh-TW" smtClean="0"/>
+              <a:rPr lang="en-US" altLang="zh-TW"/>
               <a:t>Fifth level</a:t>
             </a:r>
             <a:endParaRPr lang="zh-TW" altLang="en-US"/>
@@ -1662,7 +1667,7 @@
           <a:p>
             <a:pPr lvl="0"/>
             <a:r>
-              <a:rPr lang="en-US" altLang="zh-TW" smtClean="0"/>
+              <a:rPr lang="en-US" altLang="zh-TW"/>
               <a:t>Edit Master text styles</a:t>
             </a:r>
           </a:p>
@@ -1718,35 +1723,35 @@
           <a:p>
             <a:pPr lvl="0"/>
             <a:r>
-              <a:rPr lang="en-US" altLang="zh-TW" smtClean="0"/>
+              <a:rPr lang="en-US" altLang="zh-TW"/>
               <a:t>Edit Master text styles</a:t>
             </a:r>
           </a:p>
           <a:p>
             <a:pPr lvl="1"/>
             <a:r>
-              <a:rPr lang="en-US" altLang="zh-TW" smtClean="0"/>
+              <a:rPr lang="en-US" altLang="zh-TW"/>
               <a:t>Second level</a:t>
             </a:r>
           </a:p>
           <a:p>
             <a:pPr lvl="2"/>
             <a:r>
-              <a:rPr lang="en-US" altLang="zh-TW" smtClean="0"/>
+              <a:rPr lang="en-US" altLang="zh-TW"/>
               <a:t>Third level</a:t>
             </a:r>
           </a:p>
           <a:p>
             <a:pPr lvl="3"/>
             <a:r>
-              <a:rPr lang="en-US" altLang="zh-TW" smtClean="0"/>
+              <a:rPr lang="en-US" altLang="zh-TW"/>
               <a:t>Fourth level</a:t>
             </a:r>
           </a:p>
           <a:p>
             <a:pPr lvl="4"/>
             <a:r>
-              <a:rPr lang="en-US" altLang="zh-TW" smtClean="0"/>
+              <a:rPr lang="en-US" altLang="zh-TW"/>
               <a:t>Fifth level</a:t>
             </a:r>
             <a:endParaRPr lang="zh-TW" altLang="en-US"/>
@@ -1770,7 +1775,7 @@
           <a:p>
             <a:fld id="{CD774DF7-E11F-43E1-A472-FB3D9F6D6764}" type="datetimeFigureOut">
               <a:rPr lang="vi-VN" smtClean="0"/>
-              <a:t>11/12/2020</a:t>
+              <a:t>20/01/2024</a:t>
             </a:fld>
             <a:endParaRPr lang="vi-VN"/>
           </a:p>
@@ -1864,7 +1869,7 @@
           <a:lstStyle/>
           <a:p>
             <a:r>
-              <a:rPr lang="en-US" altLang="zh-TW" smtClean="0"/>
+              <a:rPr lang="en-US" altLang="zh-TW"/>
               <a:t>Click to edit Master title style</a:t>
             </a:r>
             <a:endParaRPr lang="zh-TW" altLang="en-US"/>
@@ -1888,7 +1893,7 @@
           <a:p>
             <a:fld id="{CD774DF7-E11F-43E1-A472-FB3D9F6D6764}" type="datetimeFigureOut">
               <a:rPr lang="vi-VN" smtClean="0"/>
-              <a:t>11/12/2020</a:t>
+              <a:t>20/01/2024</a:t>
             </a:fld>
             <a:endParaRPr lang="vi-VN"/>
           </a:p>
@@ -1983,7 +1988,7 @@
           <a:p>
             <a:fld id="{CD774DF7-E11F-43E1-A472-FB3D9F6D6764}" type="datetimeFigureOut">
               <a:rPr lang="vi-VN" smtClean="0"/>
-              <a:t>11/12/2020</a:t>
+              <a:t>20/01/2024</a:t>
             </a:fld>
             <a:endParaRPr lang="vi-VN"/>
           </a:p>
@@ -2086,7 +2091,7 @@
           </a:lstStyle>
           <a:p>
             <a:r>
-              <a:rPr lang="en-US" altLang="zh-TW" smtClean="0"/>
+              <a:rPr lang="en-US" altLang="zh-TW"/>
               <a:t>Click to edit Master title style</a:t>
             </a:r>
             <a:endParaRPr lang="zh-TW" altLang="en-US"/>
@@ -2143,35 +2148,35 @@
           <a:p>
             <a:pPr lvl="0"/>
             <a:r>
-              <a:rPr lang="en-US" altLang="zh-TW" smtClean="0"/>
+              <a:rPr lang="en-US" altLang="zh-TW"/>
               <a:t>Edit Master text styles</a:t>
             </a:r>
           </a:p>
           <a:p>
             <a:pPr lvl="1"/>
             <a:r>
-              <a:rPr lang="en-US" altLang="zh-TW" smtClean="0"/>
+              <a:rPr lang="en-US" altLang="zh-TW"/>
               <a:t>Second level</a:t>
             </a:r>
           </a:p>
           <a:p>
             <a:pPr lvl="2"/>
             <a:r>
-              <a:rPr lang="en-US" altLang="zh-TW" smtClean="0"/>
+              <a:rPr lang="en-US" altLang="zh-TW"/>
               <a:t>Third level</a:t>
             </a:r>
           </a:p>
           <a:p>
             <a:pPr lvl="3"/>
             <a:r>
-              <a:rPr lang="en-US" altLang="zh-TW" smtClean="0"/>
+              <a:rPr lang="en-US" altLang="zh-TW"/>
               <a:t>Fourth level</a:t>
             </a:r>
           </a:p>
           <a:p>
             <a:pPr lvl="4"/>
             <a:r>
-              <a:rPr lang="en-US" altLang="zh-TW" smtClean="0"/>
+              <a:rPr lang="en-US" altLang="zh-TW"/>
               <a:t>Fifth level</a:t>
             </a:r>
             <a:endParaRPr lang="zh-TW" altLang="en-US"/>
@@ -2237,7 +2242,7 @@
           <a:p>
             <a:pPr lvl="0"/>
             <a:r>
-              <a:rPr lang="en-US" altLang="zh-TW" smtClean="0"/>
+              <a:rPr lang="en-US" altLang="zh-TW"/>
               <a:t>Edit Master text styles</a:t>
             </a:r>
           </a:p>
@@ -2260,7 +2265,7 @@
           <a:p>
             <a:fld id="{CD774DF7-E11F-43E1-A472-FB3D9F6D6764}" type="datetimeFigureOut">
               <a:rPr lang="vi-VN" smtClean="0"/>
-              <a:t>11/12/2020</a:t>
+              <a:t>20/01/2024</a:t>
             </a:fld>
             <a:endParaRPr lang="vi-VN"/>
           </a:p>
@@ -2363,7 +2368,7 @@
           </a:lstStyle>
           <a:p>
             <a:r>
-              <a:rPr lang="en-US" altLang="zh-TW" smtClean="0"/>
+              <a:rPr lang="en-US" altLang="zh-TW"/>
               <a:t>Click to edit Master title style</a:t>
             </a:r>
             <a:endParaRPr lang="zh-TW" altLang="en-US"/>
@@ -2428,7 +2433,7 @@
           </a:lstStyle>
           <a:p>
             <a:r>
-              <a:rPr lang="en-US" altLang="zh-TW" smtClean="0"/>
+              <a:rPr lang="en-US" altLang="zh-TW"/>
               <a:t>Click icon to add picture</a:t>
             </a:r>
             <a:endParaRPr lang="zh-TW" altLang="en-US"/>
@@ -2494,7 +2499,7 @@
           <a:p>
             <a:pPr lvl="0"/>
             <a:r>
-              <a:rPr lang="en-US" altLang="zh-TW" smtClean="0"/>
+              <a:rPr lang="en-US" altLang="zh-TW"/>
               <a:t>Edit Master text styles</a:t>
             </a:r>
           </a:p>
@@ -2517,7 +2522,7 @@
           <a:p>
             <a:fld id="{CD774DF7-E11F-43E1-A472-FB3D9F6D6764}" type="datetimeFigureOut">
               <a:rPr lang="vi-VN" smtClean="0"/>
-              <a:t>11/12/2020</a:t>
+              <a:t>20/01/2024</a:t>
             </a:fld>
             <a:endParaRPr lang="vi-VN"/>
           </a:p>
@@ -2631,10 +2636,9 @@
           <a:lstStyle/>
           <a:p>
             <a:r>
-              <a:rPr lang="zh-TW" altLang="en-US" smtClean="0"/>
+              <a:rPr lang="zh-TW" altLang="en-US"/>
               <a:t>按一下以編輯母片標題樣式</a:t>
             </a:r>
-            <a:endParaRPr lang="zh-TW" altLang="en-US"/>
           </a:p>
         </p:txBody>
       </p:sp>
@@ -2665,38 +2669,37 @@
           <a:p>
             <a:pPr lvl="0"/>
             <a:r>
-              <a:rPr lang="zh-TW" altLang="en-US" smtClean="0"/>
+              <a:rPr lang="zh-TW" altLang="en-US"/>
               <a:t>按一下以編輯母片文字樣式</a:t>
             </a:r>
           </a:p>
           <a:p>
             <a:pPr lvl="1"/>
             <a:r>
-              <a:rPr lang="zh-TW" altLang="en-US" smtClean="0"/>
+              <a:rPr lang="zh-TW" altLang="en-US"/>
               <a:t>第二層</a:t>
             </a:r>
           </a:p>
           <a:p>
             <a:pPr lvl="2"/>
             <a:r>
-              <a:rPr lang="zh-TW" altLang="en-US" smtClean="0"/>
+              <a:rPr lang="zh-TW" altLang="en-US"/>
               <a:t>第三層</a:t>
             </a:r>
           </a:p>
           <a:p>
             <a:pPr lvl="3"/>
             <a:r>
-              <a:rPr lang="zh-TW" altLang="en-US" smtClean="0"/>
+              <a:rPr lang="zh-TW" altLang="en-US"/>
               <a:t>第四層</a:t>
             </a:r>
           </a:p>
           <a:p>
             <a:pPr lvl="4"/>
             <a:r>
-              <a:rPr lang="zh-TW" altLang="en-US" smtClean="0"/>
+              <a:rPr lang="zh-TW" altLang="en-US"/>
               <a:t>第五層</a:t>
             </a:r>
-            <a:endParaRPr lang="zh-TW" altLang="en-US"/>
           </a:p>
         </p:txBody>
       </p:sp>
@@ -2735,7 +2738,7 @@
           <a:p>
             <a:fld id="{CD774DF7-E11F-43E1-A472-FB3D9F6D6764}" type="datetimeFigureOut">
               <a:rPr lang="vi-VN" smtClean="0"/>
-              <a:t>11/12/2020</a:t>
+              <a:t>20/01/2024</a:t>
             </a:fld>
             <a:endParaRPr lang="vi-VN"/>
           </a:p>
@@ -3122,7 +3125,7 @@
         </p:nvSpPr>
         <p:spPr>
           <a:xfrm>
-            <a:off x="0" y="2857513"/>
+            <a:off x="0" y="2540013"/>
             <a:ext cx="12192000" cy="1143000"/>
           </a:xfrm>
         </p:spPr>
@@ -3147,24 +3150,7 @@
                 <a:latin typeface="微軟正黑體" pitchFamily="34" charset="-120"/>
                 <a:ea typeface="微軟正黑體" pitchFamily="34" charset="-120"/>
               </a:rPr>
-              <a:t>大</a:t>
-            </a:r>
-            <a:r>
-              <a:rPr lang="zh-TW" altLang="en-US" sz="7200" b="1" i="1" dirty="0">
-                <a:solidFill>
-                  <a:srgbClr val="000066"/>
-                </a:solidFill>
-                <a:effectLst>
-                  <a:outerShdw blurRad="38100" dist="38100" dir="2700000" algn="tl">
-                    <a:srgbClr val="000000">
-                      <a:alpha val="43137"/>
-                    </a:srgbClr>
-                  </a:outerShdw>
-                </a:effectLst>
-                <a:latin typeface="微軟正黑體" pitchFamily="34" charset="-120"/>
-                <a:ea typeface="微軟正黑體" pitchFamily="34" charset="-120"/>
-              </a:rPr>
-              <a:t>山為我挪開</a:t>
+              <a:t>大山為我挪開</a:t>
             </a:r>
           </a:p>
         </p:txBody>
@@ -3232,8 +3218,20 @@
                 <a:latin typeface="微軟正黑體" pitchFamily="34" charset="-120"/>
                 <a:ea typeface="微軟正黑體" pitchFamily="34" charset="-120"/>
               </a:rPr>
-              <a:t>雖然道路崎</a:t>
-            </a:r>
+              <a:t>雖然道路崎嶇  困難險阻</a:t>
+            </a:r>
+            <a:endParaRPr lang="en-US" altLang="zh-TW" sz="6400" b="1" dirty="0">
+              <a:solidFill>
+                <a:srgbClr val="000066"/>
+              </a:solidFill>
+              <a:latin typeface="微軟正黑體" pitchFamily="34" charset="-120"/>
+              <a:ea typeface="微軟正黑體" pitchFamily="34" charset="-120"/>
+            </a:endParaRPr>
+          </a:p>
+          <a:p>
+            <a:pPr algn="ctr">
+              <a:buNone/>
+            </a:pPr>
             <a:r>
               <a:rPr lang="zh-TW" altLang="en-US" sz="6400" b="1" dirty="0">
                 <a:solidFill>
@@ -3242,79 +3240,7 @@
                 <a:latin typeface="微軟正黑體" pitchFamily="34" charset="-120"/>
                 <a:ea typeface="微軟正黑體" pitchFamily="34" charset="-120"/>
               </a:rPr>
-              <a:t>嶇  困</a:t>
-            </a:r>
-            <a:r>
-              <a:rPr lang="zh-TW" altLang="en-US" sz="6400" b="1" dirty="0">
-                <a:solidFill>
-                  <a:srgbClr val="000066"/>
-                </a:solidFill>
-                <a:latin typeface="微軟正黑體" pitchFamily="34" charset="-120"/>
-                <a:ea typeface="微軟正黑體" pitchFamily="34" charset="-120"/>
-              </a:rPr>
-              <a:t>難險</a:t>
-            </a:r>
-            <a:r>
-              <a:rPr lang="zh-TW" altLang="en-US" sz="6400" b="1" dirty="0">
-                <a:solidFill>
-                  <a:srgbClr val="000066"/>
-                </a:solidFill>
-                <a:latin typeface="微軟正黑體" pitchFamily="34" charset="-120"/>
-                <a:ea typeface="微軟正黑體" pitchFamily="34" charset="-120"/>
-              </a:rPr>
-              <a:t>阻</a:t>
-            </a:r>
-            <a:endParaRPr lang="en-US" altLang="zh-TW" sz="6400" b="1" dirty="0">
-              <a:solidFill>
-                <a:srgbClr val="000066"/>
-              </a:solidFill>
-              <a:latin typeface="微軟正黑體" pitchFamily="34" charset="-120"/>
-              <a:ea typeface="微軟正黑體" pitchFamily="34" charset="-120"/>
-            </a:endParaRPr>
-          </a:p>
-          <a:p>
-            <a:pPr algn="ctr">
-              <a:buNone/>
-            </a:pPr>
-            <a:r>
-              <a:rPr lang="zh-TW" altLang="en-US" sz="6400" b="1" dirty="0">
-                <a:solidFill>
-                  <a:srgbClr val="000066"/>
-                </a:solidFill>
-                <a:latin typeface="微軟正黑體" pitchFamily="34" charset="-120"/>
-                <a:ea typeface="微軟正黑體" pitchFamily="34" charset="-120"/>
-              </a:rPr>
-              <a:t>但</a:t>
-            </a:r>
-            <a:r>
-              <a:rPr lang="zh-TW" altLang="en-US" sz="6400" b="1" dirty="0">
-                <a:solidFill>
-                  <a:srgbClr val="000066"/>
-                </a:solidFill>
-                <a:latin typeface="微軟正黑體" pitchFamily="34" charset="-120"/>
-                <a:ea typeface="微軟正黑體" pitchFamily="34" charset="-120"/>
-              </a:rPr>
-              <a:t>我心中知</a:t>
-            </a:r>
-            <a:r>
-              <a:rPr lang="zh-TW" altLang="en-US" sz="6400" b="1" dirty="0">
-                <a:solidFill>
-                  <a:srgbClr val="000066"/>
-                </a:solidFill>
-                <a:latin typeface="微軟正黑體" pitchFamily="34" charset="-120"/>
-                <a:ea typeface="微軟正黑體" pitchFamily="34" charset="-120"/>
-              </a:rPr>
-              <a:t>道  祢</a:t>
-            </a:r>
-            <a:r>
-              <a:rPr lang="zh-TW" altLang="en-US" sz="6400" b="1" dirty="0">
-                <a:solidFill>
-                  <a:srgbClr val="000066"/>
-                </a:solidFill>
-                <a:latin typeface="微軟正黑體" pitchFamily="34" charset="-120"/>
-                <a:ea typeface="微軟正黑體" pitchFamily="34" charset="-120"/>
-              </a:rPr>
-              <a:t>一直都在</a:t>
+              <a:t>但我心中知道  祢一直都在</a:t>
             </a:r>
             <a:endParaRPr lang="en-US" altLang="zh-TW" sz="6400" b="1" dirty="0">
               <a:solidFill>
@@ -3428,8 +3354,20 @@
                 <a:latin typeface="微軟正黑體" pitchFamily="34" charset="-120"/>
                 <a:ea typeface="微軟正黑體" pitchFamily="34" charset="-120"/>
               </a:rPr>
-              <a:t>不能明白為何擔此重</a:t>
-            </a:r>
+              <a:t>不能明白為何擔此重擔</a:t>
+            </a:r>
+            <a:endParaRPr lang="en-US" altLang="zh-TW" sz="6400" b="1" dirty="0">
+              <a:solidFill>
+                <a:srgbClr val="000066"/>
+              </a:solidFill>
+              <a:latin typeface="微軟正黑體" pitchFamily="34" charset="-120"/>
+              <a:ea typeface="微軟正黑體" pitchFamily="34" charset="-120"/>
+            </a:endParaRPr>
+          </a:p>
+          <a:p>
+            <a:pPr algn="ctr">
+              <a:buNone/>
+            </a:pPr>
             <a:r>
               <a:rPr lang="zh-TW" altLang="en-US" sz="6400" b="1" dirty="0">
                 <a:solidFill>
@@ -3438,59 +3376,7 @@
                 <a:latin typeface="微軟正黑體" pitchFamily="34" charset="-120"/>
                 <a:ea typeface="微軟正黑體" pitchFamily="34" charset="-120"/>
               </a:rPr>
-              <a:t>擔</a:t>
-            </a:r>
-            <a:endParaRPr lang="en-US" altLang="zh-TW" sz="6400" b="1" dirty="0">
-              <a:solidFill>
-                <a:srgbClr val="000066"/>
-              </a:solidFill>
-              <a:latin typeface="微軟正黑體" pitchFamily="34" charset="-120"/>
-              <a:ea typeface="微軟正黑體" pitchFamily="34" charset="-120"/>
-            </a:endParaRPr>
-          </a:p>
-          <a:p>
-            <a:pPr algn="ctr">
-              <a:buNone/>
-            </a:pPr>
-            <a:r>
-              <a:rPr lang="zh-TW" altLang="en-US" sz="6400" b="1" dirty="0">
-                <a:solidFill>
-                  <a:srgbClr val="000066"/>
-                </a:solidFill>
-                <a:latin typeface="微軟正黑體" pitchFamily="34" charset="-120"/>
-                <a:ea typeface="微軟正黑體" pitchFamily="34" charset="-120"/>
-              </a:rPr>
-              <a:t>但</a:t>
-            </a:r>
-            <a:r>
-              <a:rPr lang="zh-TW" altLang="en-US" sz="6400" b="1" dirty="0">
-                <a:solidFill>
-                  <a:srgbClr val="000066"/>
-                </a:solidFill>
-                <a:latin typeface="微軟正黑體" pitchFamily="34" charset="-120"/>
-                <a:ea typeface="微軟正黑體" pitchFamily="34" charset="-120"/>
-              </a:rPr>
-              <a:t>我始終相</a:t>
-            </a:r>
-            <a:r>
-              <a:rPr lang="zh-TW" altLang="en-US" sz="6400" b="1" dirty="0">
-                <a:solidFill>
-                  <a:srgbClr val="000066"/>
-                </a:solidFill>
-                <a:latin typeface="微軟正黑體" pitchFamily="34" charset="-120"/>
-                <a:ea typeface="微軟正黑體" pitchFamily="34" charset="-120"/>
-              </a:rPr>
-              <a:t>信  祢</a:t>
-            </a:r>
-            <a:r>
-              <a:rPr lang="zh-TW" altLang="en-US" sz="6400" b="1" dirty="0">
-                <a:solidFill>
-                  <a:srgbClr val="000066"/>
-                </a:solidFill>
-                <a:latin typeface="微軟正黑體" pitchFamily="34" charset="-120"/>
-                <a:ea typeface="微軟正黑體" pitchFamily="34" charset="-120"/>
-              </a:rPr>
-              <a:t>一直牽著我</a:t>
+              <a:t>但我始終相信  祢一直牽著我</a:t>
             </a:r>
             <a:endParaRPr lang="en-US" altLang="zh-TW" sz="6400" b="1" dirty="0">
               <a:solidFill>
@@ -3604,8 +3490,20 @@
                 <a:latin typeface="微軟正黑體" pitchFamily="34" charset="-120"/>
                 <a:ea typeface="微軟正黑體" pitchFamily="34" charset="-120"/>
               </a:rPr>
-              <a:t>大山為我挪</a:t>
-            </a:r>
+              <a:t>大山為我挪開  大海有路出來</a:t>
+            </a:r>
+            <a:endParaRPr lang="en-US" altLang="zh-TW" sz="6400" b="1" dirty="0">
+              <a:solidFill>
+                <a:srgbClr val="000066"/>
+              </a:solidFill>
+              <a:latin typeface="微軟正黑體" pitchFamily="34" charset="-120"/>
+              <a:ea typeface="微軟正黑體" pitchFamily="34" charset="-120"/>
+            </a:endParaRPr>
+          </a:p>
+          <a:p>
+            <a:pPr algn="ctr">
+              <a:buNone/>
+            </a:pPr>
             <a:r>
               <a:rPr lang="zh-TW" altLang="en-US" sz="6400" b="1" dirty="0">
                 <a:solidFill>
@@ -3614,79 +3512,7 @@
                 <a:latin typeface="微軟正黑體" pitchFamily="34" charset="-120"/>
                 <a:ea typeface="微軟正黑體" pitchFamily="34" charset="-120"/>
               </a:rPr>
-              <a:t>開  大</a:t>
-            </a:r>
-            <a:r>
-              <a:rPr lang="zh-TW" altLang="en-US" sz="6400" b="1" dirty="0">
-                <a:solidFill>
-                  <a:srgbClr val="000066"/>
-                </a:solidFill>
-                <a:latin typeface="微軟正黑體" pitchFamily="34" charset="-120"/>
-                <a:ea typeface="微軟正黑體" pitchFamily="34" charset="-120"/>
-              </a:rPr>
-              <a:t>海有路出</a:t>
-            </a:r>
-            <a:r>
-              <a:rPr lang="zh-TW" altLang="en-US" sz="6400" b="1" dirty="0">
-                <a:solidFill>
-                  <a:srgbClr val="000066"/>
-                </a:solidFill>
-                <a:latin typeface="微軟正黑體" pitchFamily="34" charset="-120"/>
-                <a:ea typeface="微軟正黑體" pitchFamily="34" charset="-120"/>
-              </a:rPr>
-              <a:t>來</a:t>
-            </a:r>
-            <a:endParaRPr lang="en-US" altLang="zh-TW" sz="6400" b="1" dirty="0">
-              <a:solidFill>
-                <a:srgbClr val="000066"/>
-              </a:solidFill>
-              <a:latin typeface="微軟正黑體" pitchFamily="34" charset="-120"/>
-              <a:ea typeface="微軟正黑體" pitchFamily="34" charset="-120"/>
-            </a:endParaRPr>
-          </a:p>
-          <a:p>
-            <a:pPr algn="ctr">
-              <a:buNone/>
-            </a:pPr>
-            <a:r>
-              <a:rPr lang="zh-TW" altLang="en-US" sz="6400" b="1" dirty="0">
-                <a:solidFill>
-                  <a:srgbClr val="000066"/>
-                </a:solidFill>
-                <a:latin typeface="微軟正黑體" pitchFamily="34" charset="-120"/>
-                <a:ea typeface="微軟正黑體" pitchFamily="34" charset="-120"/>
-              </a:rPr>
-              <a:t>我</a:t>
-            </a:r>
-            <a:r>
-              <a:rPr lang="zh-TW" altLang="en-US" sz="6400" b="1" dirty="0">
-                <a:solidFill>
-                  <a:srgbClr val="000066"/>
-                </a:solidFill>
-                <a:latin typeface="微軟正黑體" pitchFamily="34" charset="-120"/>
-                <a:ea typeface="微軟正黑體" pitchFamily="34" charset="-120"/>
-              </a:rPr>
-              <a:t>要大聲宣</a:t>
-            </a:r>
-            <a:r>
-              <a:rPr lang="zh-TW" altLang="en-US" sz="6400" b="1" dirty="0">
-                <a:solidFill>
-                  <a:srgbClr val="000066"/>
-                </a:solidFill>
-                <a:latin typeface="微軟正黑體" pitchFamily="34" charset="-120"/>
-                <a:ea typeface="微軟正黑體" pitchFamily="34" charset="-120"/>
-              </a:rPr>
-              <a:t>告  耶穌  祢</a:t>
-            </a:r>
-            <a:r>
-              <a:rPr lang="zh-TW" altLang="en-US" sz="6400" b="1" dirty="0">
-                <a:solidFill>
-                  <a:srgbClr val="000066"/>
-                </a:solidFill>
-                <a:latin typeface="微軟正黑體" pitchFamily="34" charset="-120"/>
-                <a:ea typeface="微軟正黑體" pitchFamily="34" charset="-120"/>
-              </a:rPr>
-              <a:t>一直都在</a:t>
+              <a:t>我要大聲宣告  耶穌  祢一直都在</a:t>
             </a:r>
             <a:endParaRPr lang="en-US" altLang="zh-TW" sz="6400" b="1" dirty="0">
               <a:solidFill>
@@ -3800,8 +3626,20 @@
                 <a:latin typeface="微軟正黑體" pitchFamily="34" charset="-120"/>
                 <a:ea typeface="微軟正黑體" pitchFamily="34" charset="-120"/>
               </a:rPr>
-              <a:t>祢手上的釘</a:t>
-            </a:r>
+              <a:t>祢手上的釘痕  彰顯十架大愛</a:t>
+            </a:r>
+            <a:endParaRPr lang="en-US" altLang="zh-TW" sz="6400" b="1" dirty="0">
+              <a:solidFill>
+                <a:srgbClr val="000066"/>
+              </a:solidFill>
+              <a:latin typeface="微軟正黑體" pitchFamily="34" charset="-120"/>
+              <a:ea typeface="微軟正黑體" pitchFamily="34" charset="-120"/>
+            </a:endParaRPr>
+          </a:p>
+          <a:p>
+            <a:pPr algn="ctr">
+              <a:buNone/>
+            </a:pPr>
             <a:r>
               <a:rPr lang="zh-TW" altLang="en-US" sz="6400" b="1" dirty="0">
                 <a:solidFill>
@@ -3810,79 +3648,7 @@
                 <a:latin typeface="微軟正黑體" pitchFamily="34" charset="-120"/>
                 <a:ea typeface="微軟正黑體" pitchFamily="34" charset="-120"/>
               </a:rPr>
-              <a:t>痕  彰</a:t>
-            </a:r>
-            <a:r>
-              <a:rPr lang="zh-TW" altLang="en-US" sz="6400" b="1" dirty="0">
-                <a:solidFill>
-                  <a:srgbClr val="000066"/>
-                </a:solidFill>
-                <a:latin typeface="微軟正黑體" pitchFamily="34" charset="-120"/>
-                <a:ea typeface="微軟正黑體" pitchFamily="34" charset="-120"/>
-              </a:rPr>
-              <a:t>顯十架大</a:t>
-            </a:r>
-            <a:r>
-              <a:rPr lang="zh-TW" altLang="en-US" sz="6400" b="1" dirty="0">
-                <a:solidFill>
-                  <a:srgbClr val="000066"/>
-                </a:solidFill>
-                <a:latin typeface="微軟正黑體" pitchFamily="34" charset="-120"/>
-                <a:ea typeface="微軟正黑體" pitchFamily="34" charset="-120"/>
-              </a:rPr>
-              <a:t>愛</a:t>
-            </a:r>
-            <a:endParaRPr lang="en-US" altLang="zh-TW" sz="6400" b="1" dirty="0">
-              <a:solidFill>
-                <a:srgbClr val="000066"/>
-              </a:solidFill>
-              <a:latin typeface="微軟正黑體" pitchFamily="34" charset="-120"/>
-              <a:ea typeface="微軟正黑體" pitchFamily="34" charset="-120"/>
-            </a:endParaRPr>
-          </a:p>
-          <a:p>
-            <a:pPr algn="ctr">
-              <a:buNone/>
-            </a:pPr>
-            <a:r>
-              <a:rPr lang="zh-TW" altLang="en-US" sz="6400" b="1" dirty="0">
-                <a:solidFill>
-                  <a:srgbClr val="000066"/>
-                </a:solidFill>
-                <a:latin typeface="微軟正黑體" pitchFamily="34" charset="-120"/>
-                <a:ea typeface="微軟正黑體" pitchFamily="34" charset="-120"/>
-              </a:rPr>
-              <a:t>我</a:t>
-            </a:r>
-            <a:r>
-              <a:rPr lang="zh-TW" altLang="en-US" sz="6400" b="1" dirty="0">
-                <a:solidFill>
-                  <a:srgbClr val="000066"/>
-                </a:solidFill>
-                <a:latin typeface="微軟正黑體" pitchFamily="34" charset="-120"/>
-                <a:ea typeface="微軟正黑體" pitchFamily="34" charset="-120"/>
-              </a:rPr>
-              <a:t>要大聲宣</a:t>
-            </a:r>
-            <a:r>
-              <a:rPr lang="zh-TW" altLang="en-US" sz="6400" b="1" dirty="0">
-                <a:solidFill>
-                  <a:srgbClr val="000066"/>
-                </a:solidFill>
-                <a:latin typeface="微軟正黑體" pitchFamily="34" charset="-120"/>
-                <a:ea typeface="微軟正黑體" pitchFamily="34" charset="-120"/>
-              </a:rPr>
-              <a:t>告  耶穌  祢</a:t>
-            </a:r>
-            <a:r>
-              <a:rPr lang="zh-TW" altLang="en-US" sz="6400" b="1" dirty="0">
-                <a:solidFill>
-                  <a:srgbClr val="000066"/>
-                </a:solidFill>
-                <a:latin typeface="微軟正黑體" pitchFamily="34" charset="-120"/>
-                <a:ea typeface="微軟正黑體" pitchFamily="34" charset="-120"/>
-              </a:rPr>
-              <a:t>一直都在</a:t>
+              <a:t>我要大聲宣告  耶穌  祢一直都在</a:t>
             </a:r>
             <a:endParaRPr lang="en-US" altLang="zh-TW" sz="6400" b="1" dirty="0">
               <a:solidFill>
@@ -3996,8 +3762,20 @@
                 <a:latin typeface="微軟正黑體" pitchFamily="34" charset="-120"/>
                 <a:ea typeface="微軟正黑體" pitchFamily="34" charset="-120"/>
               </a:rPr>
-              <a:t>祢的話讓我明</a:t>
-            </a:r>
+              <a:t>祢的話讓我明白</a:t>
+            </a:r>
+            <a:endParaRPr lang="en-US" altLang="zh-TW" sz="6400" b="1" dirty="0">
+              <a:solidFill>
+                <a:srgbClr val="000066"/>
+              </a:solidFill>
+              <a:latin typeface="微軟正黑體" pitchFamily="34" charset="-120"/>
+              <a:ea typeface="微軟正黑體" pitchFamily="34" charset="-120"/>
+            </a:endParaRPr>
+          </a:p>
+          <a:p>
+            <a:pPr algn="ctr">
+              <a:buNone/>
+            </a:pPr>
             <a:r>
               <a:rPr lang="zh-TW" altLang="en-US" sz="6400" b="1" dirty="0">
                 <a:solidFill>
@@ -4006,39 +3784,7 @@
                 <a:latin typeface="微軟正黑體" pitchFamily="34" charset="-120"/>
                 <a:ea typeface="微軟正黑體" pitchFamily="34" charset="-120"/>
               </a:rPr>
-              <a:t>白</a:t>
-            </a:r>
-            <a:endParaRPr lang="en-US" altLang="zh-TW" sz="6400" b="1" dirty="0">
-              <a:solidFill>
-                <a:srgbClr val="000066"/>
-              </a:solidFill>
-              <a:latin typeface="微軟正黑體" pitchFamily="34" charset="-120"/>
-              <a:ea typeface="微軟正黑體" pitchFamily="34" charset="-120"/>
-            </a:endParaRPr>
-          </a:p>
-          <a:p>
-            <a:pPr algn="ctr">
-              <a:buNone/>
-            </a:pPr>
-            <a:r>
-              <a:rPr lang="zh-TW" altLang="en-US" sz="6400" b="1" dirty="0">
-                <a:solidFill>
-                  <a:srgbClr val="000066"/>
-                </a:solidFill>
-                <a:latin typeface="微軟正黑體" pitchFamily="34" charset="-120"/>
-                <a:ea typeface="微軟正黑體" pitchFamily="34" charset="-120"/>
-              </a:rPr>
-              <a:t>祢</a:t>
-            </a:r>
-            <a:r>
-              <a:rPr lang="zh-TW" altLang="en-US" sz="6400" b="1" dirty="0">
-                <a:solidFill>
-                  <a:srgbClr val="000066"/>
-                </a:solidFill>
-                <a:latin typeface="微軟正黑體" pitchFamily="34" charset="-120"/>
-                <a:ea typeface="微軟正黑體" pitchFamily="34" charset="-120"/>
-              </a:rPr>
-              <a:t>愛我永不更改</a:t>
+              <a:t>祢愛我永不更改</a:t>
             </a:r>
             <a:endParaRPr lang="en-US" altLang="zh-TW" sz="6400" b="1" dirty="0">
               <a:solidFill>
@@ -4152,8 +3898,20 @@
                 <a:latin typeface="微軟正黑體" pitchFamily="34" charset="-120"/>
                 <a:ea typeface="微軟正黑體" pitchFamily="34" charset="-120"/>
               </a:rPr>
-              <a:t>祢保守我的心</a:t>
-            </a:r>
+              <a:t>祢保守我的心懷</a:t>
+            </a:r>
+            <a:endParaRPr lang="en-US" altLang="zh-TW" sz="6400" b="1" dirty="0">
+              <a:solidFill>
+                <a:srgbClr val="000066"/>
+              </a:solidFill>
+              <a:latin typeface="微軟正黑體" pitchFamily="34" charset="-120"/>
+              <a:ea typeface="微軟正黑體" pitchFamily="34" charset="-120"/>
+            </a:endParaRPr>
+          </a:p>
+          <a:p>
+            <a:pPr algn="ctr">
+              <a:buNone/>
+            </a:pPr>
             <a:r>
               <a:rPr lang="zh-TW" altLang="en-US" sz="6400" b="1" dirty="0">
                 <a:solidFill>
@@ -4162,39 +3920,7 @@
                 <a:latin typeface="微軟正黑體" pitchFamily="34" charset="-120"/>
                 <a:ea typeface="微軟正黑體" pitchFamily="34" charset="-120"/>
               </a:rPr>
-              <a:t>懷</a:t>
-            </a:r>
-            <a:endParaRPr lang="en-US" altLang="zh-TW" sz="6400" b="1" dirty="0">
-              <a:solidFill>
-                <a:srgbClr val="000066"/>
-              </a:solidFill>
-              <a:latin typeface="微軟正黑體" pitchFamily="34" charset="-120"/>
-              <a:ea typeface="微軟正黑體" pitchFamily="34" charset="-120"/>
-            </a:endParaRPr>
-          </a:p>
-          <a:p>
-            <a:pPr algn="ctr">
-              <a:buNone/>
-            </a:pPr>
-            <a:r>
-              <a:rPr lang="zh-TW" altLang="en-US" sz="6400" b="1" dirty="0">
-                <a:solidFill>
-                  <a:srgbClr val="000066"/>
-                </a:solidFill>
-                <a:latin typeface="微軟正黑體" pitchFamily="34" charset="-120"/>
-                <a:ea typeface="微軟正黑體" pitchFamily="34" charset="-120"/>
-              </a:rPr>
-              <a:t>緊</a:t>
-            </a:r>
-            <a:r>
-              <a:rPr lang="zh-TW" altLang="en-US" sz="6400" b="1" dirty="0">
-                <a:solidFill>
-                  <a:srgbClr val="000066"/>
-                </a:solidFill>
-                <a:latin typeface="微軟正黑體" pitchFamily="34" charset="-120"/>
-                <a:ea typeface="微軟正黑體" pitchFamily="34" charset="-120"/>
-              </a:rPr>
-              <a:t>握祢雙手不放開</a:t>
+              <a:t>緊握祢雙手不放開</a:t>
             </a:r>
             <a:endParaRPr lang="en-US" altLang="zh-TW" sz="6400" b="1" dirty="0">
               <a:solidFill>
